--- a/slides/terminal.pptx
+++ b/slides/terminal.pptx
@@ -5,10 +5,10 @@
     <p:sldMasterId id="2147483672" r:id="rId1"/>
   </p:sldMasterIdLst>
   <p:notesMasterIdLst>
-    <p:notesMasterId r:id="rId15"/>
+    <p:notesMasterId r:id="rId21"/>
   </p:notesMasterIdLst>
   <p:handoutMasterIdLst>
-    <p:handoutMasterId r:id="rId16"/>
+    <p:handoutMasterId r:id="rId22"/>
   </p:handoutMasterIdLst>
   <p:sldIdLst>
     <p:sldId id="256" r:id="rId2"/>
@@ -24,6 +24,12 @@
     <p:sldId id="265" r:id="rId12"/>
     <p:sldId id="267" r:id="rId13"/>
     <p:sldId id="268" r:id="rId14"/>
+    <p:sldId id="269" r:id="rId15"/>
+    <p:sldId id="274" r:id="rId16"/>
+    <p:sldId id="270" r:id="rId17"/>
+    <p:sldId id="271" r:id="rId18"/>
+    <p:sldId id="272" r:id="rId19"/>
+    <p:sldId id="273" r:id="rId20"/>
   </p:sldIdLst>
   <p:sldSz cx="12192000" cy="6858000"/>
   <p:notesSz cx="9144000" cy="6858000"/>
@@ -4685,6 +4691,570 @@
     <p:extLst>
       <p:ext uri="{BB962C8B-B14F-4D97-AF65-F5344CB8AC3E}">
         <p14:creationId xmlns:p14="http://schemas.microsoft.com/office/powerpoint/2010/main" val="1598484874"/>
+      </p:ext>
+    </p:extLst>
+  </p:cSld>
+  <p:clrMapOvr>
+    <a:masterClrMapping/>
+  </p:clrMapOvr>
+</p:sld>
+</file>
+
+<file path=ppt/slides/slide14.xml><?xml version="1.0" encoding="utf-8"?>
+<p:sld xmlns:a="http://schemas.openxmlformats.org/drawingml/2006/main" xmlns:r="http://schemas.openxmlformats.org/officeDocument/2006/relationships" xmlns:p="http://schemas.openxmlformats.org/presentationml/2006/main">
+  <p:cSld>
+    <p:spTree>
+      <p:nvGrpSpPr>
+        <p:cNvPr id="1" name=""/>
+        <p:cNvGrpSpPr/>
+        <p:nvPr/>
+      </p:nvGrpSpPr>
+      <p:grpSpPr>
+        <a:xfrm>
+          <a:off x="0" y="0"/>
+          <a:ext cx="0" cy="0"/>
+          <a:chOff x="0" y="0"/>
+          <a:chExt cx="0" cy="0"/>
+        </a:xfrm>
+      </p:grpSpPr>
+      <p:sp>
+        <p:nvSpPr>
+          <p:cNvPr id="2" name="Title 1">
+            <a:extLst>
+              <a:ext uri="{FF2B5EF4-FFF2-40B4-BE49-F238E27FC236}">
+                <a16:creationId xmlns:a16="http://schemas.microsoft.com/office/drawing/2014/main" id="{1F76F1D1-EEEE-6641-944B-F139A35520CC}"/>
+              </a:ext>
+            </a:extLst>
+          </p:cNvPr>
+          <p:cNvSpPr>
+            <a:spLocks noGrp="1"/>
+          </p:cNvSpPr>
+          <p:nvPr>
+            <p:ph type="title"/>
+          </p:nvPr>
+        </p:nvSpPr>
+        <p:spPr>
+          <a:xfrm>
+            <a:off x="838200" y="365125"/>
+            <a:ext cx="10515600" cy="688975"/>
+          </a:xfrm>
+        </p:spPr>
+        <p:txBody>
+          <a:bodyPr>
+            <a:normAutofit fontScale="90000"/>
+          </a:bodyPr>
+          <a:lstStyle/>
+          <a:p>
+            <a:r>
+              <a:rPr lang="en-US" dirty="0"/>
+              <a:t>Wildcards</a:t>
+            </a:r>
+          </a:p>
+        </p:txBody>
+      </p:sp>
+      <p:sp>
+        <p:nvSpPr>
+          <p:cNvPr id="3" name="Content Placeholder 2">
+            <a:extLst>
+              <a:ext uri="{FF2B5EF4-FFF2-40B4-BE49-F238E27FC236}">
+                <a16:creationId xmlns:a16="http://schemas.microsoft.com/office/drawing/2014/main" id="{6E3FA207-2347-4649-A4D1-7B2F9E17A44F}"/>
+              </a:ext>
+            </a:extLst>
+          </p:cNvPr>
+          <p:cNvSpPr>
+            <a:spLocks noGrp="1"/>
+          </p:cNvSpPr>
+          <p:nvPr>
+            <p:ph idx="1"/>
+          </p:nvPr>
+        </p:nvSpPr>
+        <p:spPr>
+          <a:xfrm>
+            <a:off x="838200" y="1054100"/>
+            <a:ext cx="10693400" cy="5122863"/>
+          </a:xfrm>
+        </p:spPr>
+        <p:txBody>
+          <a:bodyPr/>
+          <a:lstStyle/>
+          <a:p>
+            <a:r>
+              <a:rPr lang="en-US" dirty="0"/>
+              <a:t>Star "*" means roughly "any word that matches", such as all files</a:t>
+            </a:r>
+          </a:p>
+          <a:p>
+            <a:r>
+              <a:rPr lang="en-US" dirty="0"/>
+              <a:t>Good example of something that's impossible with a GUI</a:t>
+            </a:r>
+          </a:p>
+          <a:p>
+            <a:endParaRPr lang="en-US" dirty="0"/>
+          </a:p>
+        </p:txBody>
+      </p:sp>
+      <p:pic>
+        <p:nvPicPr>
+          <p:cNvPr id="7" name="Picture 6">
+            <a:extLst>
+              <a:ext uri="{FF2B5EF4-FFF2-40B4-BE49-F238E27FC236}">
+                <a16:creationId xmlns:a16="http://schemas.microsoft.com/office/drawing/2014/main" id="{92E9EE47-D9D5-9241-80C5-A8ED3A42F034}"/>
+              </a:ext>
+            </a:extLst>
+          </p:cNvPr>
+          <p:cNvPicPr>
+            <a:picLocks noChangeAspect="1"/>
+          </p:cNvPicPr>
+          <p:nvPr/>
+        </p:nvPicPr>
+        <p:blipFill>
+          <a:blip r:embed="rId2"/>
+          <a:stretch>
+            <a:fillRect/>
+          </a:stretch>
+        </p:blipFill>
+        <p:spPr>
+          <a:xfrm>
+            <a:off x="1256029" y="2133600"/>
+            <a:ext cx="10561320" cy="4724400"/>
+          </a:xfrm>
+          <a:prstGeom prst="rect">
+            <a:avLst/>
+          </a:prstGeom>
+        </p:spPr>
+      </p:pic>
+    </p:spTree>
+    <p:extLst>
+      <p:ext uri="{BB962C8B-B14F-4D97-AF65-F5344CB8AC3E}">
+        <p14:creationId xmlns:p14="http://schemas.microsoft.com/office/powerpoint/2010/main" val="1344785367"/>
+      </p:ext>
+    </p:extLst>
+  </p:cSld>
+  <p:clrMapOvr>
+    <a:masterClrMapping/>
+  </p:clrMapOvr>
+</p:sld>
+</file>
+
+<file path=ppt/slides/slide15.xml><?xml version="1.0" encoding="utf-8"?>
+<p:sld xmlns:a="http://schemas.openxmlformats.org/drawingml/2006/main" xmlns:r="http://schemas.openxmlformats.org/officeDocument/2006/relationships" xmlns:p="http://schemas.openxmlformats.org/presentationml/2006/main">
+  <p:cSld>
+    <p:spTree>
+      <p:nvGrpSpPr>
+        <p:cNvPr id="1" name=""/>
+        <p:cNvGrpSpPr/>
+        <p:nvPr/>
+      </p:nvGrpSpPr>
+      <p:grpSpPr>
+        <a:xfrm>
+          <a:off x="0" y="0"/>
+          <a:ext cx="0" cy="0"/>
+          <a:chOff x="0" y="0"/>
+          <a:chExt cx="0" cy="0"/>
+        </a:xfrm>
+      </p:grpSpPr>
+      <p:sp>
+        <p:nvSpPr>
+          <p:cNvPr id="2" name="Title 1">
+            <a:extLst>
+              <a:ext uri="{FF2B5EF4-FFF2-40B4-BE49-F238E27FC236}">
+                <a16:creationId xmlns:a16="http://schemas.microsoft.com/office/drawing/2014/main" id="{F93F41B6-7D1D-BC45-A8A4-074853244974}"/>
+              </a:ext>
+            </a:extLst>
+          </p:cNvPr>
+          <p:cNvSpPr>
+            <a:spLocks noGrp="1"/>
+          </p:cNvSpPr>
+          <p:nvPr>
+            <p:ph type="title"/>
+          </p:nvPr>
+        </p:nvSpPr>
+        <p:spPr/>
+        <p:txBody>
+          <a:bodyPr/>
+          <a:lstStyle/>
+          <a:p>
+            <a:r>
+              <a:rPr lang="en-US" b="1" dirty="0"/>
+              <a:t>Man</a:t>
+            </a:r>
+            <a:r>
+              <a:rPr lang="en-US" dirty="0"/>
+              <a:t>ual pages</a:t>
+            </a:r>
+          </a:p>
+        </p:txBody>
+      </p:sp>
+      <p:sp>
+        <p:nvSpPr>
+          <p:cNvPr id="3" name="Content Placeholder 2">
+            <a:extLst>
+              <a:ext uri="{FF2B5EF4-FFF2-40B4-BE49-F238E27FC236}">
+                <a16:creationId xmlns:a16="http://schemas.microsoft.com/office/drawing/2014/main" id="{2596C15B-42EF-2F44-B6CD-90F5B3241CDC}"/>
+              </a:ext>
+            </a:extLst>
+          </p:cNvPr>
+          <p:cNvSpPr>
+            <a:spLocks noGrp="1"/>
+          </p:cNvSpPr>
+          <p:nvPr>
+            <p:ph idx="1"/>
+          </p:nvPr>
+        </p:nvSpPr>
+        <p:spPr/>
+        <p:txBody>
+          <a:bodyPr/>
+          <a:lstStyle/>
+          <a:p>
+            <a:endParaRPr lang="en-US"/>
+          </a:p>
+        </p:txBody>
+      </p:sp>
+    </p:spTree>
+    <p:extLst>
+      <p:ext uri="{BB962C8B-B14F-4D97-AF65-F5344CB8AC3E}">
+        <p14:creationId xmlns:p14="http://schemas.microsoft.com/office/powerpoint/2010/main" val="2621347548"/>
+      </p:ext>
+    </p:extLst>
+  </p:cSld>
+  <p:clrMapOvr>
+    <a:masterClrMapping/>
+  </p:clrMapOvr>
+</p:sld>
+</file>
+
+<file path=ppt/slides/slide16.xml><?xml version="1.0" encoding="utf-8"?>
+<p:sld xmlns:a="http://schemas.openxmlformats.org/drawingml/2006/main" xmlns:r="http://schemas.openxmlformats.org/officeDocument/2006/relationships" xmlns:p="http://schemas.openxmlformats.org/presentationml/2006/main">
+  <p:cSld>
+    <p:spTree>
+      <p:nvGrpSpPr>
+        <p:cNvPr id="1" name=""/>
+        <p:cNvGrpSpPr/>
+        <p:nvPr/>
+      </p:nvGrpSpPr>
+      <p:grpSpPr>
+        <a:xfrm>
+          <a:off x="0" y="0"/>
+          <a:ext cx="0" cy="0"/>
+          <a:chOff x="0" y="0"/>
+          <a:chExt cx="0" cy="0"/>
+        </a:xfrm>
+      </p:grpSpPr>
+      <p:sp>
+        <p:nvSpPr>
+          <p:cNvPr id="2" name="Title 1">
+            <a:extLst>
+              <a:ext uri="{FF2B5EF4-FFF2-40B4-BE49-F238E27FC236}">
+                <a16:creationId xmlns:a16="http://schemas.microsoft.com/office/drawing/2014/main" id="{AEAC0E36-C876-1946-BC3D-7AB26359137F}"/>
+              </a:ext>
+            </a:extLst>
+          </p:cNvPr>
+          <p:cNvSpPr>
+            <a:spLocks noGrp="1"/>
+          </p:cNvSpPr>
+          <p:nvPr>
+            <p:ph type="title"/>
+          </p:nvPr>
+        </p:nvSpPr>
+        <p:spPr/>
+        <p:txBody>
+          <a:bodyPr/>
+          <a:lstStyle/>
+          <a:p>
+            <a:r>
+              <a:rPr lang="en-US" dirty="0"/>
+              <a:t>Python-related commands</a:t>
+            </a:r>
+          </a:p>
+        </p:txBody>
+      </p:sp>
+      <p:sp>
+        <p:nvSpPr>
+          <p:cNvPr id="3" name="Text Placeholder 2">
+            <a:extLst>
+              <a:ext uri="{FF2B5EF4-FFF2-40B4-BE49-F238E27FC236}">
+                <a16:creationId xmlns:a16="http://schemas.microsoft.com/office/drawing/2014/main" id="{0163B098-4CDD-DA43-9E15-F690B3B3E770}"/>
+              </a:ext>
+            </a:extLst>
+          </p:cNvPr>
+          <p:cNvSpPr>
+            <a:spLocks noGrp="1"/>
+          </p:cNvSpPr>
+          <p:nvPr>
+            <p:ph type="body" idx="1"/>
+          </p:nvPr>
+        </p:nvSpPr>
+        <p:spPr/>
+        <p:txBody>
+          <a:bodyPr/>
+          <a:lstStyle/>
+          <a:p>
+            <a:endParaRPr lang="en-US"/>
+          </a:p>
+        </p:txBody>
+      </p:sp>
+    </p:spTree>
+    <p:extLst>
+      <p:ext uri="{BB962C8B-B14F-4D97-AF65-F5344CB8AC3E}">
+        <p14:creationId xmlns:p14="http://schemas.microsoft.com/office/powerpoint/2010/main" val="2583017535"/>
+      </p:ext>
+    </p:extLst>
+  </p:cSld>
+  <p:clrMapOvr>
+    <a:masterClrMapping/>
+  </p:clrMapOvr>
+</p:sld>
+</file>
+
+<file path=ppt/slides/slide17.xml><?xml version="1.0" encoding="utf-8"?>
+<p:sld xmlns:a="http://schemas.openxmlformats.org/drawingml/2006/main" xmlns:r="http://schemas.openxmlformats.org/officeDocument/2006/relationships" xmlns:p="http://schemas.openxmlformats.org/presentationml/2006/main">
+  <p:cSld>
+    <p:spTree>
+      <p:nvGrpSpPr>
+        <p:cNvPr id="1" name=""/>
+        <p:cNvGrpSpPr/>
+        <p:nvPr/>
+      </p:nvGrpSpPr>
+      <p:grpSpPr>
+        <a:xfrm>
+          <a:off x="0" y="0"/>
+          <a:ext cx="0" cy="0"/>
+          <a:chOff x="0" y="0"/>
+          <a:chExt cx="0" cy="0"/>
+        </a:xfrm>
+      </p:grpSpPr>
+      <p:sp>
+        <p:nvSpPr>
+          <p:cNvPr id="2" name="Title 1">
+            <a:extLst>
+              <a:ext uri="{FF2B5EF4-FFF2-40B4-BE49-F238E27FC236}">
+                <a16:creationId xmlns:a16="http://schemas.microsoft.com/office/drawing/2014/main" id="{DA5CC27F-826F-294F-AF48-144951905E9E}"/>
+              </a:ext>
+            </a:extLst>
+          </p:cNvPr>
+          <p:cNvSpPr>
+            <a:spLocks noGrp="1"/>
+          </p:cNvSpPr>
+          <p:nvPr>
+            <p:ph type="title"/>
+          </p:nvPr>
+        </p:nvSpPr>
+        <p:spPr/>
+        <p:txBody>
+          <a:bodyPr/>
+          <a:lstStyle/>
+          <a:p>
+            <a:r>
+              <a:rPr lang="en-US" dirty="0"/>
+              <a:t>Interactive Python from terminal</a:t>
+            </a:r>
+          </a:p>
+        </p:txBody>
+      </p:sp>
+      <p:sp>
+        <p:nvSpPr>
+          <p:cNvPr id="3" name="Content Placeholder 2">
+            <a:extLst>
+              <a:ext uri="{FF2B5EF4-FFF2-40B4-BE49-F238E27FC236}">
+                <a16:creationId xmlns:a16="http://schemas.microsoft.com/office/drawing/2014/main" id="{EA727D31-256D-A246-804F-AF29CDB9C90F}"/>
+              </a:ext>
+            </a:extLst>
+          </p:cNvPr>
+          <p:cNvSpPr>
+            <a:spLocks noGrp="1"/>
+          </p:cNvSpPr>
+          <p:nvPr>
+            <p:ph idx="1"/>
+          </p:nvPr>
+        </p:nvSpPr>
+        <p:spPr/>
+        <p:txBody>
+          <a:bodyPr/>
+          <a:lstStyle/>
+          <a:p>
+            <a:endParaRPr lang="en-US"/>
+          </a:p>
+        </p:txBody>
+      </p:sp>
+    </p:spTree>
+    <p:extLst>
+      <p:ext uri="{BB962C8B-B14F-4D97-AF65-F5344CB8AC3E}">
+        <p14:creationId xmlns:p14="http://schemas.microsoft.com/office/powerpoint/2010/main" val="2983688990"/>
+      </p:ext>
+    </p:extLst>
+  </p:cSld>
+  <p:clrMapOvr>
+    <a:masterClrMapping/>
+  </p:clrMapOvr>
+</p:sld>
+</file>
+
+<file path=ppt/slides/slide18.xml><?xml version="1.0" encoding="utf-8"?>
+<p:sld xmlns:a="http://schemas.openxmlformats.org/drawingml/2006/main" xmlns:r="http://schemas.openxmlformats.org/officeDocument/2006/relationships" xmlns:p="http://schemas.openxmlformats.org/presentationml/2006/main">
+  <p:cSld>
+    <p:spTree>
+      <p:nvGrpSpPr>
+        <p:cNvPr id="1" name=""/>
+        <p:cNvGrpSpPr/>
+        <p:nvPr/>
+      </p:nvGrpSpPr>
+      <p:grpSpPr>
+        <a:xfrm>
+          <a:off x="0" y="0"/>
+          <a:ext cx="0" cy="0"/>
+          <a:chOff x="0" y="0"/>
+          <a:chExt cx="0" cy="0"/>
+        </a:xfrm>
+      </p:grpSpPr>
+      <p:sp>
+        <p:nvSpPr>
+          <p:cNvPr id="2" name="Title 1">
+            <a:extLst>
+              <a:ext uri="{FF2B5EF4-FFF2-40B4-BE49-F238E27FC236}">
+                <a16:creationId xmlns:a16="http://schemas.microsoft.com/office/drawing/2014/main" id="{0E1E82D3-764D-A644-B270-444AE1F7C28C}"/>
+              </a:ext>
+            </a:extLst>
+          </p:cNvPr>
+          <p:cNvSpPr>
+            <a:spLocks noGrp="1"/>
+          </p:cNvSpPr>
+          <p:nvPr>
+            <p:ph type="title"/>
+          </p:nvPr>
+        </p:nvSpPr>
+        <p:spPr/>
+        <p:txBody>
+          <a:bodyPr/>
+          <a:lstStyle/>
+          <a:p>
+            <a:r>
+              <a:rPr lang="en-US" dirty="0"/>
+              <a:t>Executing python scripts</a:t>
+            </a:r>
+          </a:p>
+        </p:txBody>
+      </p:sp>
+      <p:sp>
+        <p:nvSpPr>
+          <p:cNvPr id="3" name="Content Placeholder 2">
+            <a:extLst>
+              <a:ext uri="{FF2B5EF4-FFF2-40B4-BE49-F238E27FC236}">
+                <a16:creationId xmlns:a16="http://schemas.microsoft.com/office/drawing/2014/main" id="{76D2AB44-47E7-0642-B14B-291A2758ED3A}"/>
+              </a:ext>
+            </a:extLst>
+          </p:cNvPr>
+          <p:cNvSpPr>
+            <a:spLocks noGrp="1"/>
+          </p:cNvSpPr>
+          <p:nvPr>
+            <p:ph idx="1"/>
+          </p:nvPr>
+        </p:nvSpPr>
+        <p:spPr/>
+        <p:txBody>
+          <a:bodyPr/>
+          <a:lstStyle/>
+          <a:p>
+            <a:endParaRPr lang="en-US"/>
+          </a:p>
+        </p:txBody>
+      </p:sp>
+    </p:spTree>
+    <p:extLst>
+      <p:ext uri="{BB962C8B-B14F-4D97-AF65-F5344CB8AC3E}">
+        <p14:creationId xmlns:p14="http://schemas.microsoft.com/office/powerpoint/2010/main" val="4173875093"/>
+      </p:ext>
+    </p:extLst>
+  </p:cSld>
+  <p:clrMapOvr>
+    <a:masterClrMapping/>
+  </p:clrMapOvr>
+</p:sld>
+</file>
+
+<file path=ppt/slides/slide19.xml><?xml version="1.0" encoding="utf-8"?>
+<p:sld xmlns:a="http://schemas.openxmlformats.org/drawingml/2006/main" xmlns:r="http://schemas.openxmlformats.org/officeDocument/2006/relationships" xmlns:p="http://schemas.openxmlformats.org/presentationml/2006/main">
+  <p:cSld>
+    <p:spTree>
+      <p:nvGrpSpPr>
+        <p:cNvPr id="1" name=""/>
+        <p:cNvGrpSpPr/>
+        <p:nvPr/>
+      </p:nvGrpSpPr>
+      <p:grpSpPr>
+        <a:xfrm>
+          <a:off x="0" y="0"/>
+          <a:ext cx="0" cy="0"/>
+          <a:chOff x="0" y="0"/>
+          <a:chExt cx="0" cy="0"/>
+        </a:xfrm>
+      </p:grpSpPr>
+      <p:sp>
+        <p:nvSpPr>
+          <p:cNvPr id="2" name="Title 1">
+            <a:extLst>
+              <a:ext uri="{FF2B5EF4-FFF2-40B4-BE49-F238E27FC236}">
+                <a16:creationId xmlns:a16="http://schemas.microsoft.com/office/drawing/2014/main" id="{30187F34-DCEF-0E4B-867D-7CDDA1253D3E}"/>
+              </a:ext>
+            </a:extLst>
+          </p:cNvPr>
+          <p:cNvSpPr>
+            <a:spLocks noGrp="1"/>
+          </p:cNvSpPr>
+          <p:nvPr>
+            <p:ph type="title"/>
+          </p:nvPr>
+        </p:nvSpPr>
+        <p:spPr/>
+        <p:txBody>
+          <a:bodyPr/>
+          <a:lstStyle/>
+          <a:p>
+            <a:r>
+              <a:rPr lang="en-US" dirty="0"/>
+              <a:t>Launch </a:t>
+            </a:r>
+            <a:r>
+              <a:rPr lang="en-US" dirty="0" err="1"/>
+              <a:t>Jupyter</a:t>
+            </a:r>
+            <a:r>
+              <a:rPr lang="en-US" dirty="0"/>
+              <a:t> Lab (notebooks)</a:t>
+            </a:r>
+          </a:p>
+        </p:txBody>
+      </p:sp>
+      <p:sp>
+        <p:nvSpPr>
+          <p:cNvPr id="3" name="Content Placeholder 2">
+            <a:extLst>
+              <a:ext uri="{FF2B5EF4-FFF2-40B4-BE49-F238E27FC236}">
+                <a16:creationId xmlns:a16="http://schemas.microsoft.com/office/drawing/2014/main" id="{C0629AE9-A7BF-DD44-81CE-502DD1C7EAC5}"/>
+              </a:ext>
+            </a:extLst>
+          </p:cNvPr>
+          <p:cNvSpPr>
+            <a:spLocks noGrp="1"/>
+          </p:cNvSpPr>
+          <p:nvPr>
+            <p:ph idx="1"/>
+          </p:nvPr>
+        </p:nvSpPr>
+        <p:spPr/>
+        <p:txBody>
+          <a:bodyPr/>
+          <a:lstStyle/>
+          <a:p>
+            <a:endParaRPr lang="en-US"/>
+          </a:p>
+        </p:txBody>
+      </p:sp>
+    </p:spTree>
+    <p:extLst>
+      <p:ext uri="{BB962C8B-B14F-4D97-AF65-F5344CB8AC3E}">
+        <p14:creationId xmlns:p14="http://schemas.microsoft.com/office/powerpoint/2010/main" val="918771271"/>
       </p:ext>
     </p:extLst>
   </p:cSld>

--- a/slides/terminal.pptx
+++ b/slides/terminal.pptx
@@ -5,10 +5,10 @@
     <p:sldMasterId id="2147483672" r:id="rId1"/>
   </p:sldMasterIdLst>
   <p:notesMasterIdLst>
-    <p:notesMasterId r:id="rId21"/>
+    <p:notesMasterId r:id="rId22"/>
   </p:notesMasterIdLst>
   <p:handoutMasterIdLst>
-    <p:handoutMasterId r:id="rId22"/>
+    <p:handoutMasterId r:id="rId23"/>
   </p:handoutMasterIdLst>
   <p:sldIdLst>
     <p:sldId id="256" r:id="rId2"/>
@@ -16,20 +16,21 @@
     <p:sldId id="258" r:id="rId4"/>
     <p:sldId id="259" r:id="rId5"/>
     <p:sldId id="261" r:id="rId6"/>
-    <p:sldId id="260" r:id="rId7"/>
-    <p:sldId id="262" r:id="rId8"/>
-    <p:sldId id="264" r:id="rId9"/>
-    <p:sldId id="263" r:id="rId10"/>
-    <p:sldId id="266" r:id="rId11"/>
-    <p:sldId id="265" r:id="rId12"/>
-    <p:sldId id="267" r:id="rId13"/>
-    <p:sldId id="268" r:id="rId14"/>
-    <p:sldId id="269" r:id="rId15"/>
-    <p:sldId id="274" r:id="rId16"/>
-    <p:sldId id="270" r:id="rId17"/>
-    <p:sldId id="271" r:id="rId18"/>
-    <p:sldId id="272" r:id="rId19"/>
-    <p:sldId id="273" r:id="rId20"/>
+    <p:sldId id="275" r:id="rId7"/>
+    <p:sldId id="260" r:id="rId8"/>
+    <p:sldId id="262" r:id="rId9"/>
+    <p:sldId id="264" r:id="rId10"/>
+    <p:sldId id="263" r:id="rId11"/>
+    <p:sldId id="266" r:id="rId12"/>
+    <p:sldId id="265" r:id="rId13"/>
+    <p:sldId id="267" r:id="rId14"/>
+    <p:sldId id="268" r:id="rId15"/>
+    <p:sldId id="269" r:id="rId16"/>
+    <p:sldId id="274" r:id="rId17"/>
+    <p:sldId id="270" r:id="rId18"/>
+    <p:sldId id="271" r:id="rId19"/>
+    <p:sldId id="272" r:id="rId20"/>
+    <p:sldId id="273" r:id="rId21"/>
   </p:sldIdLst>
   <p:sldSz cx="12192000" cy="6858000"/>
   <p:notesSz cx="9144000" cy="6858000"/>
@@ -224,7 +225,7 @@
           <a:p>
             <a:fld id="{8A1B613A-EFF1-404F-BEE8-EFAE84A4E5E2}" type="datetimeFigureOut">
               <a:rPr lang="en-US" smtClean="0"/>
-              <a:t>6/6/21</a:t>
+              <a:t>6/8/21</a:t>
             </a:fld>
             <a:endParaRPr lang="en-US"/>
           </a:p>
@@ -389,7 +390,7 @@
           <a:p>
             <a:fld id="{690847EA-AC25-3D4E-89E1-FD3F6A9702B6}" type="datetimeFigureOut">
               <a:rPr lang="en-US" smtClean="0"/>
-              <a:t>6/6/21</a:t>
+              <a:t>6/8/21</a:t>
             </a:fld>
             <a:endParaRPr lang="en-US"/>
           </a:p>
@@ -803,7 +804,7 @@
           <a:p>
             <a:fld id="{BE5295ED-3BAF-1140-8495-3D368771D6B1}" type="datetimeFigureOut">
               <a:rPr lang="en-US" smtClean="0"/>
-              <a:t>6/6/21</a:t>
+              <a:t>6/8/21</a:t>
             </a:fld>
             <a:endParaRPr lang="en-US"/>
           </a:p>
@@ -1001,7 +1002,7 @@
           <a:p>
             <a:fld id="{BE5295ED-3BAF-1140-8495-3D368771D6B1}" type="datetimeFigureOut">
               <a:rPr lang="en-US" smtClean="0"/>
-              <a:t>6/6/21</a:t>
+              <a:t>6/8/21</a:t>
             </a:fld>
             <a:endParaRPr lang="en-US"/>
           </a:p>
@@ -1209,7 +1210,7 @@
           <a:p>
             <a:fld id="{BE5295ED-3BAF-1140-8495-3D368771D6B1}" type="datetimeFigureOut">
               <a:rPr lang="en-US" smtClean="0"/>
-              <a:t>6/6/21</a:t>
+              <a:t>6/8/21</a:t>
             </a:fld>
             <a:endParaRPr lang="en-US"/>
           </a:p>
@@ -1407,7 +1408,7 @@
           <a:p>
             <a:fld id="{BE5295ED-3BAF-1140-8495-3D368771D6B1}" type="datetimeFigureOut">
               <a:rPr lang="en-US" smtClean="0"/>
-              <a:t>6/6/21</a:t>
+              <a:t>6/8/21</a:t>
             </a:fld>
             <a:endParaRPr lang="en-US"/>
           </a:p>
@@ -1682,7 +1683,7 @@
           <a:p>
             <a:fld id="{BE5295ED-3BAF-1140-8495-3D368771D6B1}" type="datetimeFigureOut">
               <a:rPr lang="en-US" smtClean="0"/>
-              <a:t>6/6/21</a:t>
+              <a:t>6/8/21</a:t>
             </a:fld>
             <a:endParaRPr lang="en-US"/>
           </a:p>
@@ -1947,7 +1948,7 @@
           <a:p>
             <a:fld id="{BE5295ED-3BAF-1140-8495-3D368771D6B1}" type="datetimeFigureOut">
               <a:rPr lang="en-US" smtClean="0"/>
-              <a:t>6/6/21</a:t>
+              <a:t>6/8/21</a:t>
             </a:fld>
             <a:endParaRPr lang="en-US"/>
           </a:p>
@@ -2359,7 +2360,7 @@
           <a:p>
             <a:fld id="{BE5295ED-3BAF-1140-8495-3D368771D6B1}" type="datetimeFigureOut">
               <a:rPr lang="en-US" smtClean="0"/>
-              <a:t>6/6/21</a:t>
+              <a:t>6/8/21</a:t>
             </a:fld>
             <a:endParaRPr lang="en-US"/>
           </a:p>
@@ -2500,7 +2501,7 @@
           <a:p>
             <a:fld id="{BE5295ED-3BAF-1140-8495-3D368771D6B1}" type="datetimeFigureOut">
               <a:rPr lang="en-US" smtClean="0"/>
-              <a:t>6/6/21</a:t>
+              <a:t>6/8/21</a:t>
             </a:fld>
             <a:endParaRPr lang="en-US"/>
           </a:p>
@@ -2613,7 +2614,7 @@
           <a:p>
             <a:fld id="{BE5295ED-3BAF-1140-8495-3D368771D6B1}" type="datetimeFigureOut">
               <a:rPr lang="en-US" smtClean="0"/>
-              <a:t>6/6/21</a:t>
+              <a:t>6/8/21</a:t>
             </a:fld>
             <a:endParaRPr lang="en-US"/>
           </a:p>
@@ -2924,7 +2925,7 @@
           <a:p>
             <a:fld id="{BE5295ED-3BAF-1140-8495-3D368771D6B1}" type="datetimeFigureOut">
               <a:rPr lang="en-US" smtClean="0"/>
-              <a:t>6/6/21</a:t>
+              <a:t>6/8/21</a:t>
             </a:fld>
             <a:endParaRPr lang="en-US"/>
           </a:p>
@@ -3215,7 +3216,7 @@
           <a:p>
             <a:fld id="{BE5295ED-3BAF-1140-8495-3D368771D6B1}" type="datetimeFigureOut">
               <a:rPr lang="en-US" smtClean="0"/>
-              <a:t>6/6/21</a:t>
+              <a:t>6/8/21</a:t>
             </a:fld>
             <a:endParaRPr lang="en-US"/>
           </a:p>
@@ -3456,7 +3457,7 @@
           <a:p>
             <a:fld id="{BE5295ED-3BAF-1140-8495-3D368771D6B1}" type="datetimeFigureOut">
               <a:rPr lang="en-US" smtClean="0"/>
-              <a:t>6/6/21</a:t>
+              <a:t>6/8/21</a:t>
             </a:fld>
             <a:endParaRPr lang="en-US"/>
           </a:p>
@@ -4096,7 +4097,7 @@
           <p:cNvPr id="2" name="Title 1">
             <a:extLst>
               <a:ext uri="{FF2B5EF4-FFF2-40B4-BE49-F238E27FC236}">
-                <a16:creationId xmlns:a16="http://schemas.microsoft.com/office/drawing/2014/main" id="{E22BB185-CA8F-B344-83B4-AF1D18210C4D}"/>
+                <a16:creationId xmlns:a16="http://schemas.microsoft.com/office/drawing/2014/main" id="{FDB7EB2A-871D-7D49-995E-1432D2F87461}"/>
               </a:ext>
             </a:extLst>
           </p:cNvPr>
@@ -4113,8 +4114,12 @@
           <a:lstStyle/>
           <a:p>
             <a:r>
-              <a:rPr lang="en-US" dirty="0"/>
-              <a:t>Dot, Dot-Dot</a:t>
+              <a:rPr lang="en-US" b="1" dirty="0"/>
+              <a:t>cd</a:t>
+            </a:r>
+            <a:r>
+              <a:rPr lang="en-US" dirty="0"/>
+              <a:t>: change working directory</a:t>
             </a:r>
           </a:p>
         </p:txBody>
@@ -4124,7 +4129,7 @@
           <p:cNvPr id="3" name="Content Placeholder 2">
             <a:extLst>
               <a:ext uri="{FF2B5EF4-FFF2-40B4-BE49-F238E27FC236}">
-                <a16:creationId xmlns:a16="http://schemas.microsoft.com/office/drawing/2014/main" id="{1932AB85-A6D0-514C-8A56-CD6BBAD69934}"/>
+                <a16:creationId xmlns:a16="http://schemas.microsoft.com/office/drawing/2014/main" id="{5E3EAE7A-A2B8-CA46-B82C-5716CC01FAD4}"/>
               </a:ext>
             </a:extLst>
           </p:cNvPr>
@@ -4142,23 +4147,17 @@
           <a:p>
             <a:r>
               <a:rPr lang="en-US" dirty="0"/>
-              <a:t>Dot "." means current directory</a:t>
-            </a:r>
-          </a:p>
-          <a:p>
-            <a:r>
-              <a:rPr lang="en-US" dirty="0"/>
-              <a:t>Dot-Dot ".." means directory above current directory</a:t>
+              <a:t>To "move" around the disk hierarchy/tree, use cd command to change the current working directory (i.e., where am I?)</a:t>
             </a:r>
           </a:p>
         </p:txBody>
       </p:sp>
       <p:pic>
         <p:nvPicPr>
-          <p:cNvPr id="7" name="Picture 6">
-            <a:extLst>
-              <a:ext uri="{FF2B5EF4-FFF2-40B4-BE49-F238E27FC236}">
-                <a16:creationId xmlns:a16="http://schemas.microsoft.com/office/drawing/2014/main" id="{0204E736-DEF7-8147-A17C-D078F71FB79C}"/>
+          <p:cNvPr id="5" name="Picture 4">
+            <a:extLst>
+              <a:ext uri="{FF2B5EF4-FFF2-40B4-BE49-F238E27FC236}">
+                <a16:creationId xmlns:a16="http://schemas.microsoft.com/office/drawing/2014/main" id="{9CB7B0DB-38ED-6D4D-962D-52BF670958C5}"/>
               </a:ext>
             </a:extLst>
           </p:cNvPr>
@@ -4175,8 +4174,8 @@
         </p:blipFill>
         <p:spPr>
           <a:xfrm>
-            <a:off x="3270250" y="3086099"/>
-            <a:ext cx="5244730" cy="2951163"/>
+            <a:off x="2736140" y="2913063"/>
+            <a:ext cx="6248400" cy="3263900"/>
           </a:xfrm>
           <a:prstGeom prst="rect">
             <a:avLst/>
@@ -4186,7 +4185,7 @@
     </p:spTree>
     <p:extLst>
       <p:ext uri="{BB962C8B-B14F-4D97-AF65-F5344CB8AC3E}">
-        <p14:creationId xmlns:p14="http://schemas.microsoft.com/office/powerpoint/2010/main" val="1869468511"/>
+        <p14:creationId xmlns:p14="http://schemas.microsoft.com/office/powerpoint/2010/main" val="2710044410"/>
       </p:ext>
     </p:extLst>
   </p:cSld>
@@ -4218,7 +4217,7 @@
           <p:cNvPr id="2" name="Title 1">
             <a:extLst>
               <a:ext uri="{FF2B5EF4-FFF2-40B4-BE49-F238E27FC236}">
-                <a16:creationId xmlns:a16="http://schemas.microsoft.com/office/drawing/2014/main" id="{E392D57F-1D14-C146-986D-F0FE32E0D3C8}"/>
+                <a16:creationId xmlns:a16="http://schemas.microsoft.com/office/drawing/2014/main" id="{E22BB185-CA8F-B344-83B4-AF1D18210C4D}"/>
               </a:ext>
             </a:extLst>
           </p:cNvPr>
@@ -4229,31 +4228,24 @@
             <p:ph type="title"/>
           </p:nvPr>
         </p:nvSpPr>
-        <p:spPr>
-          <a:xfrm>
-            <a:off x="838200" y="365125"/>
-            <a:ext cx="10515600" cy="473075"/>
-          </a:xfrm>
-        </p:spPr>
-        <p:txBody>
-          <a:bodyPr>
-            <a:normAutofit fontScale="90000"/>
-          </a:bodyPr>
-          <a:lstStyle/>
-          <a:p>
-            <a:r>
-              <a:rPr lang="en-US" dirty="0"/>
-              <a:t>Manipulating files and directories</a:t>
-            </a:r>
-          </a:p>
-        </p:txBody>
-      </p:sp>
-      <p:sp>
-        <p:nvSpPr>
-          <p:cNvPr id="7" name="Content Placeholder 6">
-            <a:extLst>
-              <a:ext uri="{FF2B5EF4-FFF2-40B4-BE49-F238E27FC236}">
-                <a16:creationId xmlns:a16="http://schemas.microsoft.com/office/drawing/2014/main" id="{F36C0299-0484-6540-9F9D-12E859DB8EA1}"/>
+        <p:spPr/>
+        <p:txBody>
+          <a:bodyPr/>
+          <a:lstStyle/>
+          <a:p>
+            <a:r>
+              <a:rPr lang="en-US" dirty="0"/>
+              <a:t>Dot, Dot-Dot</a:t>
+            </a:r>
+          </a:p>
+        </p:txBody>
+      </p:sp>
+      <p:sp>
+        <p:nvSpPr>
+          <p:cNvPr id="3" name="Content Placeholder 2">
+            <a:extLst>
+              <a:ext uri="{FF2B5EF4-FFF2-40B4-BE49-F238E27FC236}">
+                <a16:creationId xmlns:a16="http://schemas.microsoft.com/office/drawing/2014/main" id="{1932AB85-A6D0-514C-8A56-CD6BBAD69934}"/>
               </a:ext>
             </a:extLst>
           </p:cNvPr>
@@ -4264,77 +4256,30 @@
             <p:ph idx="1"/>
           </p:nvPr>
         </p:nvSpPr>
-        <p:spPr>
-          <a:xfrm>
-            <a:off x="838200" y="927100"/>
-            <a:ext cx="10515600" cy="5249863"/>
-          </a:xfrm>
-        </p:spPr>
+        <p:spPr/>
         <p:txBody>
           <a:bodyPr/>
           <a:lstStyle/>
           <a:p>
             <a:r>
-              <a:rPr lang="en-US" b="1" dirty="0" err="1"/>
-              <a:t>mkdir</a:t>
-            </a:r>
-            <a:r>
-              <a:rPr lang="en-US" i="1" dirty="0"/>
-              <a:t> </a:t>
-            </a:r>
-            <a:r>
-              <a:rPr lang="en-US" i="1" dirty="0" err="1"/>
-              <a:t>newdirname</a:t>
-            </a:r>
-            <a:r>
-              <a:rPr lang="en-US" dirty="0"/>
-              <a:t>: make directory</a:t>
-            </a:r>
-          </a:p>
-          <a:p>
-            <a:r>
-              <a:rPr lang="en-US" b="1" dirty="0"/>
-              <a:t>cp</a:t>
-            </a:r>
-            <a:r>
-              <a:rPr lang="en-US" i="1" dirty="0"/>
-              <a:t> source target</a:t>
-            </a:r>
-            <a:r>
-              <a:rPr lang="en-US" dirty="0"/>
-              <a:t>: copy file or directory</a:t>
-            </a:r>
-          </a:p>
-          <a:p>
-            <a:r>
-              <a:rPr lang="en-US" b="1" dirty="0"/>
-              <a:t>mv</a:t>
-            </a:r>
-            <a:r>
-              <a:rPr lang="en-US" dirty="0"/>
-              <a:t> </a:t>
-            </a:r>
-            <a:r>
-              <a:rPr lang="en-US" i="1" dirty="0" err="1"/>
-              <a:t>oldname</a:t>
-            </a:r>
-            <a:r>
-              <a:rPr lang="en-US" i="1" dirty="0"/>
-              <a:t> newname</a:t>
-            </a:r>
-            <a:r>
-              <a:rPr lang="en-US" dirty="0"/>
-              <a:t>: rename or move directories</a:t>
+              <a:rPr lang="en-US" dirty="0"/>
+              <a:t>Dot "." means current working directory</a:t>
+            </a:r>
+          </a:p>
+          <a:p>
+            <a:r>
+              <a:rPr lang="en-US" dirty="0"/>
+              <a:t>Dot-Dot ".." means directory above current working directory</a:t>
             </a:r>
           </a:p>
         </p:txBody>
       </p:sp>
       <p:pic>
         <p:nvPicPr>
-          <p:cNvPr id="10" name="Picture 9">
-            <a:extLst>
-              <a:ext uri="{FF2B5EF4-FFF2-40B4-BE49-F238E27FC236}">
-                <a16:creationId xmlns:a16="http://schemas.microsoft.com/office/drawing/2014/main" id="{C8E4F580-11F2-DA46-BBBF-E54C7A7C282E}"/>
+          <p:cNvPr id="7" name="Picture 6">
+            <a:extLst>
+              <a:ext uri="{FF2B5EF4-FFF2-40B4-BE49-F238E27FC236}">
+                <a16:creationId xmlns:a16="http://schemas.microsoft.com/office/drawing/2014/main" id="{0204E736-DEF7-8147-A17C-D078F71FB79C}"/>
               </a:ext>
             </a:extLst>
           </p:cNvPr>
@@ -4351,8 +4296,8 @@
         </p:blipFill>
         <p:spPr>
           <a:xfrm>
-            <a:off x="1511300" y="2600002"/>
-            <a:ext cx="9740900" cy="4257998"/>
+            <a:off x="3270250" y="3086099"/>
+            <a:ext cx="5244730" cy="2951163"/>
           </a:xfrm>
           <a:prstGeom prst="rect">
             <a:avLst/>
@@ -4362,7 +4307,7 @@
     </p:spTree>
     <p:extLst>
       <p:ext uri="{BB962C8B-B14F-4D97-AF65-F5344CB8AC3E}">
-        <p14:creationId xmlns:p14="http://schemas.microsoft.com/office/powerpoint/2010/main" val="2074212523"/>
+        <p14:creationId xmlns:p14="http://schemas.microsoft.com/office/powerpoint/2010/main" val="1869468511"/>
       </p:ext>
     </p:extLst>
   </p:cSld>
@@ -4394,7 +4339,7 @@
           <p:cNvPr id="2" name="Title 1">
             <a:extLst>
               <a:ext uri="{FF2B5EF4-FFF2-40B4-BE49-F238E27FC236}">
-                <a16:creationId xmlns:a16="http://schemas.microsoft.com/office/drawing/2014/main" id="{E275818F-234C-7241-B604-F1ADE455B888}"/>
+                <a16:creationId xmlns:a16="http://schemas.microsoft.com/office/drawing/2014/main" id="{E392D57F-1D14-C146-986D-F0FE32E0D3C8}"/>
               </a:ext>
             </a:extLst>
           </p:cNvPr>
@@ -4405,100 +4350,112 @@
             <p:ph type="title"/>
           </p:nvPr>
         </p:nvSpPr>
-        <p:spPr/>
+        <p:spPr>
+          <a:xfrm>
+            <a:off x="838200" y="365125"/>
+            <a:ext cx="10515600" cy="473075"/>
+          </a:xfrm>
+        </p:spPr>
+        <p:txBody>
+          <a:bodyPr>
+            <a:normAutofit fontScale="90000"/>
+          </a:bodyPr>
+          <a:lstStyle/>
+          <a:p>
+            <a:r>
+              <a:rPr lang="en-US" dirty="0"/>
+              <a:t>Manipulating files and directories</a:t>
+            </a:r>
+          </a:p>
+        </p:txBody>
+      </p:sp>
+      <p:sp>
+        <p:nvSpPr>
+          <p:cNvPr id="7" name="Content Placeholder 6">
+            <a:extLst>
+              <a:ext uri="{FF2B5EF4-FFF2-40B4-BE49-F238E27FC236}">
+                <a16:creationId xmlns:a16="http://schemas.microsoft.com/office/drawing/2014/main" id="{F36C0299-0484-6540-9F9D-12E859DB8EA1}"/>
+              </a:ext>
+            </a:extLst>
+          </p:cNvPr>
+          <p:cNvSpPr>
+            <a:spLocks noGrp="1"/>
+          </p:cNvSpPr>
+          <p:nvPr>
+            <p:ph idx="1"/>
+          </p:nvPr>
+        </p:nvSpPr>
+        <p:spPr>
+          <a:xfrm>
+            <a:off x="838200" y="927100"/>
+            <a:ext cx="10515600" cy="5249863"/>
+          </a:xfrm>
+        </p:spPr>
         <p:txBody>
           <a:bodyPr/>
           <a:lstStyle/>
           <a:p>
             <a:r>
-              <a:rPr lang="en-US" dirty="0"/>
-              <a:t>Removing files and directories</a:t>
-            </a:r>
-          </a:p>
-        </p:txBody>
-      </p:sp>
-      <p:sp>
-        <p:nvSpPr>
-          <p:cNvPr id="3" name="Content Placeholder 2">
-            <a:extLst>
-              <a:ext uri="{FF2B5EF4-FFF2-40B4-BE49-F238E27FC236}">
-                <a16:creationId xmlns:a16="http://schemas.microsoft.com/office/drawing/2014/main" id="{CF929B86-BC32-9C41-B0E8-924494AA2091}"/>
-              </a:ext>
-            </a:extLst>
-          </p:cNvPr>
-          <p:cNvSpPr>
-            <a:spLocks noGrp="1"/>
-          </p:cNvSpPr>
-          <p:nvPr>
-            <p:ph idx="1"/>
-          </p:nvPr>
-        </p:nvSpPr>
-        <p:spPr/>
-        <p:txBody>
-          <a:bodyPr/>
-          <a:lstStyle/>
+              <a:rPr lang="en-US" b="1" dirty="0" err="1"/>
+              <a:t>mkdir</a:t>
+            </a:r>
+            <a:r>
+              <a:rPr lang="en-US" i="1" dirty="0"/>
+              <a:t> </a:t>
+            </a:r>
+            <a:r>
+              <a:rPr lang="en-US" i="1" dirty="0" err="1"/>
+              <a:t>newdirname</a:t>
+            </a:r>
+            <a:r>
+              <a:rPr lang="en-US" dirty="0"/>
+              <a:t>: make directory</a:t>
+            </a:r>
+          </a:p>
           <a:p>
             <a:r>
               <a:rPr lang="en-US" b="1" dirty="0"/>
-              <a:t>rm</a:t>
+              <a:t>cp</a:t>
+            </a:r>
+            <a:r>
+              <a:rPr lang="en-US" i="1" dirty="0"/>
+              <a:t> source target</a:t>
+            </a:r>
+            <a:r>
+              <a:rPr lang="en-US" dirty="0"/>
+              <a:t>: copy file or directory</a:t>
+            </a:r>
+          </a:p>
+          <a:p>
+            <a:r>
+              <a:rPr lang="en-US" b="1" dirty="0"/>
+              <a:t>mv</a:t>
             </a:r>
             <a:r>
               <a:rPr lang="en-US" dirty="0"/>
               <a:t> </a:t>
             </a:r>
             <a:r>
+              <a:rPr lang="en-US" i="1" dirty="0" err="1"/>
+              <a:t>oldname</a:t>
+            </a:r>
+            <a:r>
               <a:rPr lang="en-US" i="1" dirty="0"/>
-              <a:t>filename</a:t>
-            </a:r>
-            <a:r>
-              <a:rPr lang="en-US" dirty="0"/>
-              <a:t>: remove file</a:t>
-            </a:r>
-          </a:p>
-          <a:p>
-            <a:r>
-              <a:rPr lang="en-US" b="1" dirty="0" err="1"/>
-              <a:t>rmdir</a:t>
-            </a:r>
-            <a:r>
-              <a:rPr lang="en-US" dirty="0"/>
-              <a:t> </a:t>
-            </a:r>
-            <a:r>
-              <a:rPr lang="en-US" i="1" dirty="0" err="1"/>
-              <a:t>dirname</a:t>
-            </a:r>
-            <a:r>
-              <a:rPr lang="en-US" dirty="0"/>
-              <a:t>: remove empty directory</a:t>
-            </a:r>
-          </a:p>
-          <a:p>
-            <a:r>
-              <a:rPr lang="en-US" b="1" dirty="0"/>
-              <a:t>rm</a:t>
-            </a:r>
-            <a:r>
-              <a:rPr lang="en-US" dirty="0"/>
-              <a:t> –rf </a:t>
-            </a:r>
-            <a:r>
-              <a:rPr lang="en-US" i="1" dirty="0" err="1"/>
-              <a:t>dirname</a:t>
-            </a:r>
-            <a:r>
-              <a:rPr lang="en-US" dirty="0"/>
-              <a:t>: remove directory and everything underneath it</a:t>
+              <a:t> newname</a:t>
+            </a:r>
+            <a:r>
+              <a:rPr lang="en-US" dirty="0"/>
+              <a:t>: rename or move directories</a:t>
             </a:r>
           </a:p>
         </p:txBody>
       </p:sp>
       <p:pic>
         <p:nvPicPr>
-          <p:cNvPr id="5" name="Picture 4">
-            <a:extLst>
-              <a:ext uri="{FF2B5EF4-FFF2-40B4-BE49-F238E27FC236}">
-                <a16:creationId xmlns:a16="http://schemas.microsoft.com/office/drawing/2014/main" id="{549BA7AF-BB59-EC46-8585-E31FCABD5C91}"/>
+          <p:cNvPr id="10" name="Picture 9">
+            <a:extLst>
+              <a:ext uri="{FF2B5EF4-FFF2-40B4-BE49-F238E27FC236}">
+                <a16:creationId xmlns:a16="http://schemas.microsoft.com/office/drawing/2014/main" id="{C8E4F580-11F2-DA46-BBBF-E54C7A7C282E}"/>
               </a:ext>
             </a:extLst>
           </p:cNvPr>
@@ -4515,18 +4472,91 @@
         </p:blipFill>
         <p:spPr>
           <a:xfrm>
-            <a:off x="1136650" y="3378200"/>
-            <a:ext cx="6684180" cy="3429000"/>
+            <a:off x="1511300" y="2600002"/>
+            <a:ext cx="9740900" cy="4257998"/>
           </a:xfrm>
           <a:prstGeom prst="rect">
             <a:avLst/>
           </a:prstGeom>
         </p:spPr>
       </p:pic>
+      <p:pic>
+        <p:nvPicPr>
+          <p:cNvPr id="4" name="Picture 3">
+            <a:extLst>
+              <a:ext uri="{FF2B5EF4-FFF2-40B4-BE49-F238E27FC236}">
+                <a16:creationId xmlns:a16="http://schemas.microsoft.com/office/drawing/2014/main" id="{FDB8D5C6-4BF6-2048-9187-F465EF518176}"/>
+              </a:ext>
+            </a:extLst>
+          </p:cNvPr>
+          <p:cNvPicPr>
+            <a:picLocks noChangeAspect="1"/>
+          </p:cNvPicPr>
+          <p:nvPr/>
+        </p:nvPicPr>
+        <p:blipFill>
+          <a:blip r:embed="rId3"/>
+          <a:stretch>
+            <a:fillRect/>
+          </a:stretch>
+        </p:blipFill>
+        <p:spPr>
+          <a:xfrm>
+            <a:off x="9547832" y="458232"/>
+            <a:ext cx="2298700" cy="1803400"/>
+          </a:xfrm>
+          <a:prstGeom prst="rect">
+            <a:avLst/>
+          </a:prstGeom>
+        </p:spPr>
+      </p:pic>
+      <p:sp>
+        <p:nvSpPr>
+          <p:cNvPr id="5" name="TextBox 4">
+            <a:extLst>
+              <a:ext uri="{FF2B5EF4-FFF2-40B4-BE49-F238E27FC236}">
+                <a16:creationId xmlns:a16="http://schemas.microsoft.com/office/drawing/2014/main" id="{F173322A-D70C-7449-A1AB-A93EADC8F97F}"/>
+              </a:ext>
+            </a:extLst>
+          </p:cNvPr>
+          <p:cNvSpPr txBox="1"/>
+          <p:nvPr/>
+        </p:nvSpPr>
+        <p:spPr>
+          <a:xfrm>
+            <a:off x="9828996" y="0"/>
+            <a:ext cx="1890261" cy="369332"/>
+          </a:xfrm>
+          <a:prstGeom prst="rect">
+            <a:avLst/>
+          </a:prstGeom>
+          <a:noFill/>
+        </p:spPr>
+        <p:txBody>
+          <a:bodyPr wrap="none" rtlCol="0">
+            <a:spAutoFit/>
+          </a:bodyPr>
+          <a:lstStyle/>
+          <a:p>
+            <a:r>
+              <a:rPr lang="en-US" dirty="0"/>
+              <a:t>watch </a:t>
+            </a:r>
+            <a:r>
+              <a:rPr lang="en-US" dirty="0" err="1"/>
+              <a:t>dir</a:t>
+            </a:r>
+            <a:r>
+              <a:rPr lang="en-US" dirty="0"/>
+              <a:t> appear</a:t>
+            </a:r>
+          </a:p>
+        </p:txBody>
+      </p:sp>
     </p:spTree>
     <p:extLst>
       <p:ext uri="{BB962C8B-B14F-4D97-AF65-F5344CB8AC3E}">
-        <p14:creationId xmlns:p14="http://schemas.microsoft.com/office/powerpoint/2010/main" val="1312219490"/>
+        <p14:creationId xmlns:p14="http://schemas.microsoft.com/office/powerpoint/2010/main" val="2074212523"/>
       </p:ext>
     </p:extLst>
   </p:cSld>
@@ -4597,7 +4627,12 @@
             <p:ph idx="1"/>
           </p:nvPr>
         </p:nvSpPr>
-        <p:spPr/>
+        <p:spPr>
+          <a:xfrm>
+            <a:off x="838200" y="1566153"/>
+            <a:ext cx="10515600" cy="4610810"/>
+          </a:xfrm>
+        </p:spPr>
         <p:txBody>
           <a:bodyPr/>
           <a:lstStyle/>
@@ -4659,10 +4694,10 @@
       </p:sp>
       <p:pic>
         <p:nvPicPr>
-          <p:cNvPr id="7" name="Picture 6">
-            <a:extLst>
-              <a:ext uri="{FF2B5EF4-FFF2-40B4-BE49-F238E27FC236}">
-                <a16:creationId xmlns:a16="http://schemas.microsoft.com/office/drawing/2014/main" id="{D5315841-78B2-F04A-832A-CCF4BBFF6A7C}"/>
+          <p:cNvPr id="5" name="Picture 4">
+            <a:extLst>
+              <a:ext uri="{FF2B5EF4-FFF2-40B4-BE49-F238E27FC236}">
+                <a16:creationId xmlns:a16="http://schemas.microsoft.com/office/drawing/2014/main" id="{549BA7AF-BB59-EC46-8585-E31FCABD5C91}"/>
               </a:ext>
             </a:extLst>
           </p:cNvPr>
@@ -4679,8 +4714,8 @@
         </p:blipFill>
         <p:spPr>
           <a:xfrm>
-            <a:off x="1111249" y="3429000"/>
-            <a:ext cx="7063105" cy="2882900"/>
+            <a:off x="1136650" y="3378200"/>
+            <a:ext cx="6684180" cy="3429000"/>
           </a:xfrm>
           <a:prstGeom prst="rect">
             <a:avLst/>
@@ -4690,7 +4725,7 @@
     </p:spTree>
     <p:extLst>
       <p:ext uri="{BB962C8B-B14F-4D97-AF65-F5344CB8AC3E}">
-        <p14:creationId xmlns:p14="http://schemas.microsoft.com/office/powerpoint/2010/main" val="1598484874"/>
+        <p14:creationId xmlns:p14="http://schemas.microsoft.com/office/powerpoint/2010/main" val="1312219490"/>
       </p:ext>
     </p:extLst>
   </p:cSld>
@@ -4722,7 +4757,7 @@
           <p:cNvPr id="2" name="Title 1">
             <a:extLst>
               <a:ext uri="{FF2B5EF4-FFF2-40B4-BE49-F238E27FC236}">
-                <a16:creationId xmlns:a16="http://schemas.microsoft.com/office/drawing/2014/main" id="{1F76F1D1-EEEE-6641-944B-F139A35520CC}"/>
+                <a16:creationId xmlns:a16="http://schemas.microsoft.com/office/drawing/2014/main" id="{E275818F-234C-7241-B604-F1ADE455B888}"/>
               </a:ext>
             </a:extLst>
           </p:cNvPr>
@@ -4733,45 +4768,38 @@
             <p:ph type="title"/>
           </p:nvPr>
         </p:nvSpPr>
+        <p:spPr/>
+        <p:txBody>
+          <a:bodyPr/>
+          <a:lstStyle/>
+          <a:p>
+            <a:r>
+              <a:rPr lang="en-US" dirty="0"/>
+              <a:t>Removing files and directories Cont’d</a:t>
+            </a:r>
+          </a:p>
+        </p:txBody>
+      </p:sp>
+      <p:sp>
+        <p:nvSpPr>
+          <p:cNvPr id="3" name="Content Placeholder 2">
+            <a:extLst>
+              <a:ext uri="{FF2B5EF4-FFF2-40B4-BE49-F238E27FC236}">
+                <a16:creationId xmlns:a16="http://schemas.microsoft.com/office/drawing/2014/main" id="{CF929B86-BC32-9C41-B0E8-924494AA2091}"/>
+              </a:ext>
+            </a:extLst>
+          </p:cNvPr>
+          <p:cNvSpPr>
+            <a:spLocks noGrp="1"/>
+          </p:cNvSpPr>
+          <p:nvPr>
+            <p:ph idx="1"/>
+          </p:nvPr>
+        </p:nvSpPr>
         <p:spPr>
           <a:xfrm>
-            <a:off x="838200" y="365125"/>
-            <a:ext cx="10515600" cy="688975"/>
-          </a:xfrm>
-        </p:spPr>
-        <p:txBody>
-          <a:bodyPr>
-            <a:normAutofit fontScale="90000"/>
-          </a:bodyPr>
-          <a:lstStyle/>
-          <a:p>
-            <a:r>
-              <a:rPr lang="en-US" dirty="0"/>
-              <a:t>Wildcards</a:t>
-            </a:r>
-          </a:p>
-        </p:txBody>
-      </p:sp>
-      <p:sp>
-        <p:nvSpPr>
-          <p:cNvPr id="3" name="Content Placeholder 2">
-            <a:extLst>
-              <a:ext uri="{FF2B5EF4-FFF2-40B4-BE49-F238E27FC236}">
-                <a16:creationId xmlns:a16="http://schemas.microsoft.com/office/drawing/2014/main" id="{6E3FA207-2347-4649-A4D1-7B2F9E17A44F}"/>
-              </a:ext>
-            </a:extLst>
-          </p:cNvPr>
-          <p:cNvSpPr>
-            <a:spLocks noGrp="1"/>
-          </p:cNvSpPr>
-          <p:nvPr>
-            <p:ph idx="1"/>
-          </p:nvPr>
-        </p:nvSpPr>
-        <p:spPr>
-          <a:xfrm>
-            <a:off x="838200" y="1054100"/>
-            <a:ext cx="10693400" cy="5122863"/>
+            <a:off x="838200" y="1546698"/>
+            <a:ext cx="10515600" cy="4630265"/>
           </a:xfrm>
         </p:spPr>
         <p:txBody>
@@ -4779,18 +4807,57 @@
           <a:lstStyle/>
           <a:p>
             <a:r>
-              <a:rPr lang="en-US" dirty="0"/>
-              <a:t>Star "*" means roughly "any word that matches", such as all files</a:t>
-            </a:r>
-          </a:p>
-          <a:p>
-            <a:r>
-              <a:rPr lang="en-US" dirty="0"/>
-              <a:t>Good example of something that's impossible with a GUI</a:t>
-            </a:r>
-          </a:p>
-          <a:p>
-            <a:endParaRPr lang="en-US" dirty="0"/>
+              <a:rPr lang="en-US" b="1" dirty="0"/>
+              <a:t>rm</a:t>
+            </a:r>
+            <a:r>
+              <a:rPr lang="en-US" dirty="0"/>
+              <a:t> </a:t>
+            </a:r>
+            <a:r>
+              <a:rPr lang="en-US" i="1" dirty="0"/>
+              <a:t>filename</a:t>
+            </a:r>
+            <a:r>
+              <a:rPr lang="en-US" dirty="0"/>
+              <a:t>: remove file</a:t>
+            </a:r>
+          </a:p>
+          <a:p>
+            <a:r>
+              <a:rPr lang="en-US" b="1" dirty="0" err="1"/>
+              <a:t>rmdir</a:t>
+            </a:r>
+            <a:r>
+              <a:rPr lang="en-US" dirty="0"/>
+              <a:t> </a:t>
+            </a:r>
+            <a:r>
+              <a:rPr lang="en-US" i="1" dirty="0" err="1"/>
+              <a:t>dirname</a:t>
+            </a:r>
+            <a:r>
+              <a:rPr lang="en-US" dirty="0"/>
+              <a:t>: remove empty directory</a:t>
+            </a:r>
+          </a:p>
+          <a:p>
+            <a:r>
+              <a:rPr lang="en-US" b="1" dirty="0"/>
+              <a:t>rm</a:t>
+            </a:r>
+            <a:r>
+              <a:rPr lang="en-US" dirty="0"/>
+              <a:t> –rf </a:t>
+            </a:r>
+            <a:r>
+              <a:rPr lang="en-US" i="1" dirty="0" err="1"/>
+              <a:t>dirname</a:t>
+            </a:r>
+            <a:r>
+              <a:rPr lang="en-US" dirty="0"/>
+              <a:t>: remove directory and everything underneath it</a:t>
+            </a:r>
           </a:p>
         </p:txBody>
       </p:sp>
@@ -4799,7 +4866,7 @@
           <p:cNvPr id="7" name="Picture 6">
             <a:extLst>
               <a:ext uri="{FF2B5EF4-FFF2-40B4-BE49-F238E27FC236}">
-                <a16:creationId xmlns:a16="http://schemas.microsoft.com/office/drawing/2014/main" id="{92E9EE47-D9D5-9241-80C5-A8ED3A42F034}"/>
+                <a16:creationId xmlns:a16="http://schemas.microsoft.com/office/drawing/2014/main" id="{D5315841-78B2-F04A-832A-CCF4BBFF6A7C}"/>
               </a:ext>
             </a:extLst>
           </p:cNvPr>
@@ -4816,8 +4883,8 @@
         </p:blipFill>
         <p:spPr>
           <a:xfrm>
-            <a:off x="1256029" y="2133600"/>
-            <a:ext cx="10561320" cy="4724400"/>
+            <a:off x="1111249" y="3429000"/>
+            <a:ext cx="7063105" cy="2882900"/>
           </a:xfrm>
           <a:prstGeom prst="rect">
             <a:avLst/>
@@ -4827,7 +4894,7 @@
     </p:spTree>
     <p:extLst>
       <p:ext uri="{BB962C8B-B14F-4D97-AF65-F5344CB8AC3E}">
-        <p14:creationId xmlns:p14="http://schemas.microsoft.com/office/powerpoint/2010/main" val="1344785367"/>
+        <p14:creationId xmlns:p14="http://schemas.microsoft.com/office/powerpoint/2010/main" val="1598484874"/>
       </p:ext>
     </p:extLst>
   </p:cSld>
@@ -4859,7 +4926,7 @@
           <p:cNvPr id="2" name="Title 1">
             <a:extLst>
               <a:ext uri="{FF2B5EF4-FFF2-40B4-BE49-F238E27FC236}">
-                <a16:creationId xmlns:a16="http://schemas.microsoft.com/office/drawing/2014/main" id="{F93F41B6-7D1D-BC45-A8A4-074853244974}"/>
+                <a16:creationId xmlns:a16="http://schemas.microsoft.com/office/drawing/2014/main" id="{1F76F1D1-EEEE-6641-944B-F139A35520CC}"/>
               </a:ext>
             </a:extLst>
           </p:cNvPr>
@@ -4870,51 +4937,131 @@
             <p:ph type="title"/>
           </p:nvPr>
         </p:nvSpPr>
-        <p:spPr/>
+        <p:spPr>
+          <a:xfrm>
+            <a:off x="838200" y="365125"/>
+            <a:ext cx="10515600" cy="688975"/>
+          </a:xfrm>
+        </p:spPr>
+        <p:txBody>
+          <a:bodyPr>
+            <a:normAutofit fontScale="90000"/>
+          </a:bodyPr>
+          <a:lstStyle/>
+          <a:p>
+            <a:r>
+              <a:rPr lang="en-US" dirty="0"/>
+              <a:t>Wildcards</a:t>
+            </a:r>
+          </a:p>
+        </p:txBody>
+      </p:sp>
+      <p:sp>
+        <p:nvSpPr>
+          <p:cNvPr id="3" name="Content Placeholder 2">
+            <a:extLst>
+              <a:ext uri="{FF2B5EF4-FFF2-40B4-BE49-F238E27FC236}">
+                <a16:creationId xmlns:a16="http://schemas.microsoft.com/office/drawing/2014/main" id="{6E3FA207-2347-4649-A4D1-7B2F9E17A44F}"/>
+              </a:ext>
+            </a:extLst>
+          </p:cNvPr>
+          <p:cNvSpPr>
+            <a:spLocks noGrp="1"/>
+          </p:cNvSpPr>
+          <p:nvPr>
+            <p:ph idx="1"/>
+          </p:nvPr>
+        </p:nvSpPr>
+        <p:spPr>
+          <a:xfrm>
+            <a:off x="838200" y="1054100"/>
+            <a:ext cx="10693400" cy="5122863"/>
+          </a:xfrm>
+        </p:spPr>
         <p:txBody>
           <a:bodyPr/>
           <a:lstStyle/>
           <a:p>
             <a:r>
-              <a:rPr lang="en-US" b="1" dirty="0"/>
-              <a:t>Man</a:t>
-            </a:r>
-            <a:r>
-              <a:rPr lang="en-US" dirty="0"/>
-              <a:t>ual pages</a:t>
-            </a:r>
-          </a:p>
-        </p:txBody>
-      </p:sp>
-      <p:sp>
-        <p:nvSpPr>
-          <p:cNvPr id="3" name="Content Placeholder 2">
-            <a:extLst>
-              <a:ext uri="{FF2B5EF4-FFF2-40B4-BE49-F238E27FC236}">
-                <a16:creationId xmlns:a16="http://schemas.microsoft.com/office/drawing/2014/main" id="{2596C15B-42EF-2F44-B6CD-90F5B3241CDC}"/>
-              </a:ext>
-            </a:extLst>
-          </p:cNvPr>
-          <p:cNvSpPr>
-            <a:spLocks noGrp="1"/>
-          </p:cNvSpPr>
-          <p:nvPr>
-            <p:ph idx="1"/>
-          </p:nvPr>
-        </p:nvSpPr>
-        <p:spPr/>
-        <p:txBody>
-          <a:bodyPr/>
-          <a:lstStyle/>
-          <a:p>
-            <a:endParaRPr lang="en-US"/>
-          </a:p>
-        </p:txBody>
-      </p:sp>
+              <a:rPr lang="en-US" dirty="0"/>
+              <a:t>Star "*" means roughly "any word that matches", such as all files</a:t>
+            </a:r>
+          </a:p>
+          <a:p>
+            <a:r>
+              <a:rPr lang="en-US" dirty="0"/>
+              <a:t>Good example of something that's impossible with a GUI; imagine that you have 1000 datafiles and you need to delete any file whose name has the word “old”</a:t>
+            </a:r>
+          </a:p>
+          <a:p>
+            <a:endParaRPr lang="en-US" dirty="0"/>
+          </a:p>
+        </p:txBody>
+      </p:sp>
+      <p:pic>
+        <p:nvPicPr>
+          <p:cNvPr id="5" name="Picture 4">
+            <a:extLst>
+              <a:ext uri="{FF2B5EF4-FFF2-40B4-BE49-F238E27FC236}">
+                <a16:creationId xmlns:a16="http://schemas.microsoft.com/office/drawing/2014/main" id="{6B6B7E17-5E5E-3643-98F1-F85CB00AB94D}"/>
+              </a:ext>
+            </a:extLst>
+          </p:cNvPr>
+          <p:cNvPicPr>
+            <a:picLocks noChangeAspect="1"/>
+          </p:cNvPicPr>
+          <p:nvPr/>
+        </p:nvPicPr>
+        <p:blipFill>
+          <a:blip r:embed="rId2"/>
+          <a:stretch>
+            <a:fillRect/>
+          </a:stretch>
+        </p:blipFill>
+        <p:spPr>
+          <a:xfrm>
+            <a:off x="486517" y="3073941"/>
+            <a:ext cx="5735248" cy="2305456"/>
+          </a:xfrm>
+          <a:prstGeom prst="rect">
+            <a:avLst/>
+          </a:prstGeom>
+        </p:spPr>
+      </p:pic>
+      <p:pic>
+        <p:nvPicPr>
+          <p:cNvPr id="8" name="Picture 7">
+            <a:extLst>
+              <a:ext uri="{FF2B5EF4-FFF2-40B4-BE49-F238E27FC236}">
+                <a16:creationId xmlns:a16="http://schemas.microsoft.com/office/drawing/2014/main" id="{54534AE4-88AA-334C-9C4D-D3312A4827B7}"/>
+              </a:ext>
+            </a:extLst>
+          </p:cNvPr>
+          <p:cNvPicPr>
+            <a:picLocks noChangeAspect="1"/>
+          </p:cNvPicPr>
+          <p:nvPr/>
+        </p:nvPicPr>
+        <p:blipFill>
+          <a:blip r:embed="rId3"/>
+          <a:stretch>
+            <a:fillRect/>
+          </a:stretch>
+        </p:blipFill>
+        <p:spPr>
+          <a:xfrm>
+            <a:off x="6535365" y="3073941"/>
+            <a:ext cx="5332379" cy="2542181"/>
+          </a:xfrm>
+          <a:prstGeom prst="rect">
+            <a:avLst/>
+          </a:prstGeom>
+        </p:spPr>
+      </p:pic>
     </p:spTree>
     <p:extLst>
       <p:ext uri="{BB962C8B-B14F-4D97-AF65-F5344CB8AC3E}">
-        <p14:creationId xmlns:p14="http://schemas.microsoft.com/office/powerpoint/2010/main" val="2621347548"/>
+        <p14:creationId xmlns:p14="http://schemas.microsoft.com/office/powerpoint/2010/main" val="1344785367"/>
       </p:ext>
     </p:extLst>
   </p:cSld>
@@ -4946,7 +5093,7 @@
           <p:cNvPr id="2" name="Title 1">
             <a:extLst>
               <a:ext uri="{FF2B5EF4-FFF2-40B4-BE49-F238E27FC236}">
-                <a16:creationId xmlns:a16="http://schemas.microsoft.com/office/drawing/2014/main" id="{AEAC0E36-C876-1946-BC3D-7AB26359137F}"/>
+                <a16:creationId xmlns:a16="http://schemas.microsoft.com/office/drawing/2014/main" id="{F93F41B6-7D1D-BC45-A8A4-074853244974}"/>
               </a:ext>
             </a:extLst>
           </p:cNvPr>
@@ -4963,26 +5110,30 @@
           <a:lstStyle/>
           <a:p>
             <a:r>
-              <a:rPr lang="en-US" dirty="0"/>
-              <a:t>Python-related commands</a:t>
-            </a:r>
-          </a:p>
-        </p:txBody>
-      </p:sp>
-      <p:sp>
-        <p:nvSpPr>
-          <p:cNvPr id="3" name="Text Placeholder 2">
-            <a:extLst>
-              <a:ext uri="{FF2B5EF4-FFF2-40B4-BE49-F238E27FC236}">
-                <a16:creationId xmlns:a16="http://schemas.microsoft.com/office/drawing/2014/main" id="{0163B098-4CDD-DA43-9E15-F690B3B3E770}"/>
-              </a:ext>
-            </a:extLst>
-          </p:cNvPr>
-          <p:cNvSpPr>
-            <a:spLocks noGrp="1"/>
-          </p:cNvSpPr>
-          <p:nvPr>
-            <p:ph type="body" idx="1"/>
+              <a:rPr lang="en-US" b="1" dirty="0"/>
+              <a:t>Man</a:t>
+            </a:r>
+            <a:r>
+              <a:rPr lang="en-US" dirty="0"/>
+              <a:t>ual pages; Getting help</a:t>
+            </a:r>
+          </a:p>
+        </p:txBody>
+      </p:sp>
+      <p:sp>
+        <p:nvSpPr>
+          <p:cNvPr id="3" name="Content Placeholder 2">
+            <a:extLst>
+              <a:ext uri="{FF2B5EF4-FFF2-40B4-BE49-F238E27FC236}">
+                <a16:creationId xmlns:a16="http://schemas.microsoft.com/office/drawing/2014/main" id="{2596C15B-42EF-2F44-B6CD-90F5B3241CDC}"/>
+              </a:ext>
+            </a:extLst>
+          </p:cNvPr>
+          <p:cNvSpPr>
+            <a:spLocks noGrp="1"/>
+          </p:cNvSpPr>
+          <p:nvPr>
+            <p:ph idx="1"/>
           </p:nvPr>
         </p:nvSpPr>
         <p:spPr/>
@@ -4990,14 +5141,123 @@
           <a:bodyPr/>
           <a:lstStyle/>
           <a:p>
-            <a:endParaRPr lang="en-US"/>
-          </a:p>
-        </p:txBody>
-      </p:sp>
+            <a:r>
+              <a:rPr lang="en-US" dirty="0"/>
+              <a:t>Google search (your shell is called </a:t>
+            </a:r>
+            <a:r>
+              <a:rPr lang="en-US" b="1" dirty="0" err="1"/>
+              <a:t>zsh</a:t>
+            </a:r>
+            <a:r>
+              <a:rPr lang="en-US" dirty="0"/>
+              <a:t>)</a:t>
+            </a:r>
+          </a:p>
+          <a:p>
+            <a:r>
+              <a:rPr lang="en-US" dirty="0" err="1">
+                <a:hlinkClick r:id="rId2"/>
+              </a:rPr>
+              <a:t>Stackoverflow</a:t>
+            </a:r>
+            <a:endParaRPr lang="en-US" dirty="0"/>
+          </a:p>
+          <a:p>
+            <a:r>
+              <a:rPr lang="en-US" dirty="0"/>
+              <a:t>Often you can type the command without arguments and it will give a help line</a:t>
+            </a:r>
+          </a:p>
+          <a:p>
+            <a:endParaRPr lang="en-US" dirty="0"/>
+          </a:p>
+          <a:p>
+            <a:endParaRPr lang="en-US" dirty="0"/>
+          </a:p>
+          <a:p>
+            <a:endParaRPr lang="en-US" dirty="0"/>
+          </a:p>
+          <a:p>
+            <a:r>
+              <a:rPr lang="en-US" dirty="0"/>
+              <a:t>Or, type “man </a:t>
+            </a:r>
+            <a:r>
+              <a:rPr lang="en-US" dirty="0" err="1"/>
+              <a:t>rm</a:t>
+            </a:r>
+            <a:r>
+              <a:rPr lang="en-US" dirty="0"/>
+              <a:t>” to get the manual page:</a:t>
+            </a:r>
+          </a:p>
+        </p:txBody>
+      </p:sp>
+      <p:pic>
+        <p:nvPicPr>
+          <p:cNvPr id="5" name="Picture 4">
+            <a:extLst>
+              <a:ext uri="{FF2B5EF4-FFF2-40B4-BE49-F238E27FC236}">
+                <a16:creationId xmlns:a16="http://schemas.microsoft.com/office/drawing/2014/main" id="{14236537-55C5-E541-9424-D52C6E4FCF4D}"/>
+              </a:ext>
+            </a:extLst>
+          </p:cNvPr>
+          <p:cNvPicPr>
+            <a:picLocks noChangeAspect="1"/>
+          </p:cNvPicPr>
+          <p:nvPr/>
+        </p:nvPicPr>
+        <p:blipFill>
+          <a:blip r:embed="rId3"/>
+          <a:stretch>
+            <a:fillRect/>
+          </a:stretch>
+        </p:blipFill>
+        <p:spPr>
+          <a:xfrm>
+            <a:off x="2571885" y="3822413"/>
+            <a:ext cx="4927600" cy="863600"/>
+          </a:xfrm>
+          <a:prstGeom prst="rect">
+            <a:avLst/>
+          </a:prstGeom>
+        </p:spPr>
+      </p:pic>
+      <p:pic>
+        <p:nvPicPr>
+          <p:cNvPr id="7" name="Picture 6">
+            <a:extLst>
+              <a:ext uri="{FF2B5EF4-FFF2-40B4-BE49-F238E27FC236}">
+                <a16:creationId xmlns:a16="http://schemas.microsoft.com/office/drawing/2014/main" id="{FBCDE661-5354-1349-B1F9-C9BCA4E86532}"/>
+              </a:ext>
+            </a:extLst>
+          </p:cNvPr>
+          <p:cNvPicPr>
+            <a:picLocks noChangeAspect="1"/>
+          </p:cNvPicPr>
+          <p:nvPr/>
+        </p:nvPicPr>
+        <p:blipFill>
+          <a:blip r:embed="rId4"/>
+          <a:stretch>
+            <a:fillRect/>
+          </a:stretch>
+        </p:blipFill>
+        <p:spPr>
+          <a:xfrm>
+            <a:off x="7910073" y="4601846"/>
+            <a:ext cx="4281927" cy="2256154"/>
+          </a:xfrm>
+          <a:prstGeom prst="rect">
+            <a:avLst/>
+          </a:prstGeom>
+        </p:spPr>
+      </p:pic>
     </p:spTree>
     <p:extLst>
       <p:ext uri="{BB962C8B-B14F-4D97-AF65-F5344CB8AC3E}">
-        <p14:creationId xmlns:p14="http://schemas.microsoft.com/office/powerpoint/2010/main" val="2583017535"/>
+        <p14:creationId xmlns:p14="http://schemas.microsoft.com/office/powerpoint/2010/main" val="2621347548"/>
       </p:ext>
     </p:extLst>
   </p:cSld>
@@ -5029,7 +5289,7 @@
           <p:cNvPr id="2" name="Title 1">
             <a:extLst>
               <a:ext uri="{FF2B5EF4-FFF2-40B4-BE49-F238E27FC236}">
-                <a16:creationId xmlns:a16="http://schemas.microsoft.com/office/drawing/2014/main" id="{DA5CC27F-826F-294F-AF48-144951905E9E}"/>
+                <a16:creationId xmlns:a16="http://schemas.microsoft.com/office/drawing/2014/main" id="{AEAC0E36-C876-1946-BC3D-7AB26359137F}"/>
               </a:ext>
             </a:extLst>
           </p:cNvPr>
@@ -5047,25 +5307,25 @@
           <a:p>
             <a:r>
               <a:rPr lang="en-US" dirty="0"/>
-              <a:t>Interactive Python from terminal</a:t>
-            </a:r>
-          </a:p>
-        </p:txBody>
-      </p:sp>
-      <p:sp>
-        <p:nvSpPr>
-          <p:cNvPr id="3" name="Content Placeholder 2">
-            <a:extLst>
-              <a:ext uri="{FF2B5EF4-FFF2-40B4-BE49-F238E27FC236}">
-                <a16:creationId xmlns:a16="http://schemas.microsoft.com/office/drawing/2014/main" id="{EA727D31-256D-A246-804F-AF29CDB9C90F}"/>
-              </a:ext>
-            </a:extLst>
-          </p:cNvPr>
-          <p:cNvSpPr>
-            <a:spLocks noGrp="1"/>
-          </p:cNvSpPr>
-          <p:nvPr>
-            <p:ph idx="1"/>
+              <a:t>Python-related commands</a:t>
+            </a:r>
+          </a:p>
+        </p:txBody>
+      </p:sp>
+      <p:sp>
+        <p:nvSpPr>
+          <p:cNvPr id="3" name="Text Placeholder 2">
+            <a:extLst>
+              <a:ext uri="{FF2B5EF4-FFF2-40B4-BE49-F238E27FC236}">
+                <a16:creationId xmlns:a16="http://schemas.microsoft.com/office/drawing/2014/main" id="{0163B098-4CDD-DA43-9E15-F690B3B3E770}"/>
+              </a:ext>
+            </a:extLst>
+          </p:cNvPr>
+          <p:cNvSpPr>
+            <a:spLocks noGrp="1"/>
+          </p:cNvSpPr>
+          <p:nvPr>
+            <p:ph type="body" idx="1"/>
           </p:nvPr>
         </p:nvSpPr>
         <p:spPr/>
@@ -5080,7 +5340,7 @@
     </p:spTree>
     <p:extLst>
       <p:ext uri="{BB962C8B-B14F-4D97-AF65-F5344CB8AC3E}">
-        <p14:creationId xmlns:p14="http://schemas.microsoft.com/office/powerpoint/2010/main" val="2983688990"/>
+        <p14:creationId xmlns:p14="http://schemas.microsoft.com/office/powerpoint/2010/main" val="2583017535"/>
       </p:ext>
     </p:extLst>
   </p:cSld>
@@ -5112,7 +5372,7 @@
           <p:cNvPr id="2" name="Title 1">
             <a:extLst>
               <a:ext uri="{FF2B5EF4-FFF2-40B4-BE49-F238E27FC236}">
-                <a16:creationId xmlns:a16="http://schemas.microsoft.com/office/drawing/2014/main" id="{0E1E82D3-764D-A644-B270-444AE1F7C28C}"/>
+                <a16:creationId xmlns:a16="http://schemas.microsoft.com/office/drawing/2014/main" id="{DA5CC27F-826F-294F-AF48-144951905E9E}"/>
               </a:ext>
             </a:extLst>
           </p:cNvPr>
@@ -5130,7 +5390,7 @@
           <a:p>
             <a:r>
               <a:rPr lang="en-US" dirty="0"/>
-              <a:t>Executing python scripts</a:t>
+              <a:t>Interactive Python console from terminal</a:t>
             </a:r>
           </a:p>
         </p:txBody>
@@ -5140,7 +5400,7 @@
           <p:cNvPr id="3" name="Content Placeholder 2">
             <a:extLst>
               <a:ext uri="{FF2B5EF4-FFF2-40B4-BE49-F238E27FC236}">
-                <a16:creationId xmlns:a16="http://schemas.microsoft.com/office/drawing/2014/main" id="{76D2AB44-47E7-0642-B14B-291A2758ED3A}"/>
+                <a16:creationId xmlns:a16="http://schemas.microsoft.com/office/drawing/2014/main" id="{EA727D31-256D-A246-804F-AF29CDB9C90F}"/>
               </a:ext>
             </a:extLst>
           </p:cNvPr>
@@ -5151,19 +5411,222 @@
             <p:ph idx="1"/>
           </p:nvPr>
         </p:nvSpPr>
-        <p:spPr/>
+        <p:spPr>
+          <a:xfrm>
+            <a:off x="838200" y="1690688"/>
+            <a:ext cx="10515600" cy="4486275"/>
+          </a:xfrm>
+        </p:spPr>
         <p:txBody>
           <a:bodyPr/>
           <a:lstStyle/>
           <a:p>
-            <a:endParaRPr lang="en-US"/>
+            <a:r>
+              <a:rPr lang="en-US" dirty="0" err="1"/>
+              <a:t>Pythontutor</a:t>
+            </a:r>
+            <a:r>
+              <a:rPr lang="en-US" dirty="0"/>
+              <a:t> gives us a text box to</a:t>
+            </a:r>
+            <a:br>
+              <a:rPr lang="en-US" dirty="0"/>
+            </a:br>
+            <a:r>
+              <a:rPr lang="en-US" dirty="0"/>
+              <a:t>edit code and a run button to</a:t>
+            </a:r>
+            <a:br>
+              <a:rPr lang="en-US" dirty="0"/>
+            </a:br>
+            <a:r>
+              <a:rPr lang="en-US" dirty="0"/>
+              <a:t>visualize the execution</a:t>
+            </a:r>
+          </a:p>
+          <a:p>
+            <a:r>
+              <a:rPr lang="en-US" dirty="0"/>
+              <a:t>Can also execute Python interactively line by line from the shell</a:t>
+            </a:r>
+          </a:p>
+        </p:txBody>
+      </p:sp>
+      <p:pic>
+        <p:nvPicPr>
+          <p:cNvPr id="5" name="Picture 4">
+            <a:extLst>
+              <a:ext uri="{FF2B5EF4-FFF2-40B4-BE49-F238E27FC236}">
+                <a16:creationId xmlns:a16="http://schemas.microsoft.com/office/drawing/2014/main" id="{9AB4F975-5076-2F47-BA0B-DD4C32CF6CD6}"/>
+              </a:ext>
+            </a:extLst>
+          </p:cNvPr>
+          <p:cNvPicPr>
+            <a:picLocks noChangeAspect="1"/>
+          </p:cNvPicPr>
+          <p:nvPr/>
+        </p:nvPicPr>
+        <p:blipFill>
+          <a:blip r:embed="rId2"/>
+          <a:stretch>
+            <a:fillRect/>
+          </a:stretch>
+        </p:blipFill>
+        <p:spPr>
+          <a:xfrm>
+            <a:off x="6608845" y="1785541"/>
+            <a:ext cx="5583155" cy="918747"/>
+          </a:xfrm>
+          <a:prstGeom prst="rect">
+            <a:avLst/>
+          </a:prstGeom>
+        </p:spPr>
+      </p:pic>
+      <p:pic>
+        <p:nvPicPr>
+          <p:cNvPr id="7" name="Picture 6">
+            <a:extLst>
+              <a:ext uri="{FF2B5EF4-FFF2-40B4-BE49-F238E27FC236}">
+                <a16:creationId xmlns:a16="http://schemas.microsoft.com/office/drawing/2014/main" id="{9E45F1D2-815F-A442-B94B-DA48D1C77B92}"/>
+              </a:ext>
+            </a:extLst>
+          </p:cNvPr>
+          <p:cNvPicPr>
+            <a:picLocks noChangeAspect="1"/>
+          </p:cNvPicPr>
+          <p:nvPr/>
+        </p:nvPicPr>
+        <p:blipFill>
+          <a:blip r:embed="rId3"/>
+          <a:stretch>
+            <a:fillRect/>
+          </a:stretch>
+        </p:blipFill>
+        <p:spPr>
+          <a:xfrm>
+            <a:off x="1573760" y="3624263"/>
+            <a:ext cx="9029700" cy="2552700"/>
+          </a:xfrm>
+          <a:prstGeom prst="rect">
+            <a:avLst/>
+          </a:prstGeom>
+        </p:spPr>
+      </p:pic>
+      <p:cxnSp>
+        <p:nvCxnSpPr>
+          <p:cNvPr id="10" name="Straight Arrow Connector 9">
+            <a:extLst>
+              <a:ext uri="{FF2B5EF4-FFF2-40B4-BE49-F238E27FC236}">
+                <a16:creationId xmlns:a16="http://schemas.microsoft.com/office/drawing/2014/main" id="{D1A24A27-3CDE-D345-AD9F-6443DC737815}"/>
+              </a:ext>
+            </a:extLst>
+          </p:cNvPr>
+          <p:cNvCxnSpPr>
+            <a:cxnSpLocks/>
+          </p:cNvCxnSpPr>
+          <p:nvPr/>
+        </p:nvCxnSpPr>
+        <p:spPr>
+          <a:xfrm flipV="1">
+            <a:off x="514350" y="4027252"/>
+            <a:ext cx="964160" cy="2472649"/>
+          </a:xfrm>
+          <a:prstGeom prst="straightConnector1">
+            <a:avLst/>
+          </a:prstGeom>
+          <a:ln>
+            <a:tailEnd type="triangle"/>
+          </a:ln>
+        </p:spPr>
+        <p:style>
+          <a:lnRef idx="1">
+            <a:schemeClr val="accent1"/>
+          </a:lnRef>
+          <a:fillRef idx="0">
+            <a:schemeClr val="accent1"/>
+          </a:fillRef>
+          <a:effectRef idx="0">
+            <a:schemeClr val="accent1"/>
+          </a:effectRef>
+          <a:fontRef idx="minor">
+            <a:schemeClr val="tx1"/>
+          </a:fontRef>
+        </p:style>
+      </p:cxnSp>
+      <p:sp>
+        <p:nvSpPr>
+          <p:cNvPr id="13" name="TextBox 12">
+            <a:extLst>
+              <a:ext uri="{FF2B5EF4-FFF2-40B4-BE49-F238E27FC236}">
+                <a16:creationId xmlns:a16="http://schemas.microsoft.com/office/drawing/2014/main" id="{49F78D3E-C01E-424C-9A2D-8BD0D4C2DF67}"/>
+              </a:ext>
+            </a:extLst>
+          </p:cNvPr>
+          <p:cNvSpPr txBox="1"/>
+          <p:nvPr/>
+        </p:nvSpPr>
+        <p:spPr>
+          <a:xfrm>
+            <a:off x="0" y="6488668"/>
+            <a:ext cx="6947158" cy="369332"/>
+          </a:xfrm>
+          <a:prstGeom prst="rect">
+            <a:avLst/>
+          </a:prstGeom>
+          <a:noFill/>
+        </p:spPr>
+        <p:txBody>
+          <a:bodyPr wrap="none" rtlCol="0">
+            <a:spAutoFit/>
+          </a:bodyPr>
+          <a:lstStyle/>
+          <a:p>
+            <a:r>
+              <a:rPr lang="en-US" dirty="0"/>
+              <a:t>Warning: there are multiple copies of Python on your Mac possibly</a:t>
+            </a:r>
+          </a:p>
+        </p:txBody>
+      </p:sp>
+      <p:sp>
+        <p:nvSpPr>
+          <p:cNvPr id="20" name="TextBox 19">
+            <a:extLst>
+              <a:ext uri="{FF2B5EF4-FFF2-40B4-BE49-F238E27FC236}">
+                <a16:creationId xmlns:a16="http://schemas.microsoft.com/office/drawing/2014/main" id="{0EF910C0-AD55-5A4C-903A-A3EF7CF1545F}"/>
+              </a:ext>
+            </a:extLst>
+          </p:cNvPr>
+          <p:cNvSpPr txBox="1"/>
+          <p:nvPr/>
+        </p:nvSpPr>
+        <p:spPr>
+          <a:xfrm>
+            <a:off x="7736934" y="48894"/>
+            <a:ext cx="4455066" cy="369332"/>
+          </a:xfrm>
+          <a:prstGeom prst="rect">
+            <a:avLst/>
+          </a:prstGeom>
+          <a:noFill/>
+        </p:spPr>
+        <p:txBody>
+          <a:bodyPr wrap="none" rtlCol="0">
+            <a:spAutoFit/>
+          </a:bodyPr>
+          <a:lstStyle/>
+          <a:p>
+            <a:r>
+              <a:rPr lang="en-US" i="1" dirty="0"/>
+              <a:t>(Hit Ctrl-D to exit python, go back to shell)</a:t>
+            </a:r>
           </a:p>
         </p:txBody>
       </p:sp>
     </p:spTree>
     <p:extLst>
       <p:ext uri="{BB962C8B-B14F-4D97-AF65-F5344CB8AC3E}">
-        <p14:creationId xmlns:p14="http://schemas.microsoft.com/office/powerpoint/2010/main" val="4173875093"/>
+        <p14:creationId xmlns:p14="http://schemas.microsoft.com/office/powerpoint/2010/main" val="2983688990"/>
       </p:ext>
     </p:extLst>
   </p:cSld>
@@ -5195,7 +5658,7 @@
           <p:cNvPr id="2" name="Title 1">
             <a:extLst>
               <a:ext uri="{FF2B5EF4-FFF2-40B4-BE49-F238E27FC236}">
-                <a16:creationId xmlns:a16="http://schemas.microsoft.com/office/drawing/2014/main" id="{30187F34-DCEF-0E4B-867D-7CDDA1253D3E}"/>
+                <a16:creationId xmlns:a16="http://schemas.microsoft.com/office/drawing/2014/main" id="{0E1E82D3-764D-A644-B270-444AE1F7C28C}"/>
               </a:ext>
             </a:extLst>
           </p:cNvPr>
@@ -5206,22 +5669,19 @@
             <p:ph type="title"/>
           </p:nvPr>
         </p:nvSpPr>
-        <p:spPr/>
+        <p:spPr>
+          <a:xfrm>
+            <a:off x="838200" y="365126"/>
+            <a:ext cx="10515600" cy="794078"/>
+          </a:xfrm>
+        </p:spPr>
         <p:txBody>
           <a:bodyPr/>
           <a:lstStyle/>
           <a:p>
             <a:r>
               <a:rPr lang="en-US" dirty="0"/>
-              <a:t>Launch </a:t>
-            </a:r>
-            <a:r>
-              <a:rPr lang="en-US" dirty="0" err="1"/>
-              <a:t>Jupyter</a:t>
-            </a:r>
-            <a:r>
-              <a:rPr lang="en-US" dirty="0"/>
-              <a:t> Lab (notebooks)</a:t>
+              <a:t>Executing python scripts</a:t>
             </a:r>
           </a:p>
         </p:txBody>
@@ -5231,7 +5691,7 @@
           <p:cNvPr id="3" name="Content Placeholder 2">
             <a:extLst>
               <a:ext uri="{FF2B5EF4-FFF2-40B4-BE49-F238E27FC236}">
-                <a16:creationId xmlns:a16="http://schemas.microsoft.com/office/drawing/2014/main" id="{C0629AE9-A7BF-DD44-81CE-502DD1C7EAC5}"/>
+                <a16:creationId xmlns:a16="http://schemas.microsoft.com/office/drawing/2014/main" id="{76D2AB44-47E7-0642-B14B-291A2758ED3A}"/>
               </a:ext>
             </a:extLst>
           </p:cNvPr>
@@ -5242,19 +5702,257 @@
             <p:ph idx="1"/>
           </p:nvPr>
         </p:nvSpPr>
-        <p:spPr/>
-        <p:txBody>
-          <a:bodyPr/>
-          <a:lstStyle/>
-          <a:p>
-            <a:endParaRPr lang="en-US"/>
+        <p:spPr>
+          <a:xfrm>
+            <a:off x="838199" y="1365956"/>
+            <a:ext cx="10747444" cy="4811007"/>
+          </a:xfrm>
+        </p:spPr>
+        <p:txBody>
+          <a:bodyPr>
+            <a:normAutofit fontScale="77500" lnSpcReduction="20000"/>
+          </a:bodyPr>
+          <a:lstStyle/>
+          <a:p>
+            <a:r>
+              <a:rPr lang="en-US" sz="3300" dirty="0"/>
+              <a:t>All of the code we type into the Python console disappears when we exit and return to the command line</a:t>
+            </a:r>
+          </a:p>
+          <a:p>
+            <a:r>
+              <a:rPr lang="en-US" sz="3300" dirty="0"/>
+              <a:t>Save python into a .</a:t>
+            </a:r>
+            <a:r>
+              <a:rPr lang="en-US" sz="3300" dirty="0" err="1"/>
+              <a:t>py</a:t>
+            </a:r>
+            <a:r>
+              <a:rPr lang="en-US" sz="3300" dirty="0"/>
+              <a:t> file, using your favorite editor, such as </a:t>
+            </a:r>
+            <a:r>
+              <a:rPr lang="en-US" sz="3300" b="1" dirty="0" err="1"/>
+              <a:t>nano</a:t>
+            </a:r>
+            <a:endParaRPr lang="en-US" sz="3300" b="1" dirty="0"/>
+          </a:p>
+          <a:p>
+            <a:endParaRPr lang="en-US" dirty="0"/>
+          </a:p>
+          <a:p>
+            <a:endParaRPr lang="en-US" dirty="0"/>
+          </a:p>
+          <a:p>
+            <a:endParaRPr lang="en-US" dirty="0"/>
+          </a:p>
+          <a:p>
+            <a:endParaRPr lang="en-US" dirty="0"/>
+          </a:p>
+          <a:p>
+            <a:endParaRPr lang="en-US" dirty="0"/>
+          </a:p>
+          <a:p>
+            <a:endParaRPr lang="en-US" dirty="0"/>
+          </a:p>
+          <a:p>
+            <a:r>
+              <a:rPr lang="en-US" sz="3100" dirty="0"/>
+              <a:t>We call this a Python script or simply a Python file</a:t>
+            </a:r>
+          </a:p>
+          <a:p>
+            <a:r>
+              <a:rPr lang="en-US" sz="3100" dirty="0"/>
+              <a:t>Use “</a:t>
+            </a:r>
+            <a:r>
+              <a:rPr lang="en-US" sz="3100" b="1" dirty="0"/>
+              <a:t>python</a:t>
+            </a:r>
+            <a:r>
+              <a:rPr lang="en-US" sz="3100" dirty="0"/>
+              <a:t> </a:t>
+            </a:r>
+            <a:r>
+              <a:rPr lang="en-US" sz="3100" i="1" dirty="0" err="1"/>
+              <a:t>file.py</a:t>
+            </a:r>
+            <a:r>
+              <a:rPr lang="en-US" sz="3100" dirty="0"/>
+              <a:t>” from terminal to execute the script in “batch mode”</a:t>
+            </a:r>
+          </a:p>
+          <a:p>
+            <a:r>
+              <a:rPr lang="en-US" sz="3100" dirty="0"/>
+              <a:t>NOTE: </a:t>
+            </a:r>
+            <a:r>
+              <a:rPr lang="en-US" sz="3100" i="1" dirty="0" err="1"/>
+              <a:t>file.py</a:t>
+            </a:r>
+            <a:r>
+              <a:rPr lang="en-US" sz="3100" i="1" dirty="0"/>
+              <a:t> </a:t>
+            </a:r>
+            <a:r>
+              <a:rPr lang="en-US" sz="3100" dirty="0"/>
+              <a:t>must be a TEXT file, no formatting like Word file</a:t>
+            </a:r>
+          </a:p>
+        </p:txBody>
+      </p:sp>
+      <p:pic>
+        <p:nvPicPr>
+          <p:cNvPr id="7" name="Picture 6">
+            <a:extLst>
+              <a:ext uri="{FF2B5EF4-FFF2-40B4-BE49-F238E27FC236}">
+                <a16:creationId xmlns:a16="http://schemas.microsoft.com/office/drawing/2014/main" id="{42690BF2-1CEC-E248-9668-D53349A1918F}"/>
+              </a:ext>
+            </a:extLst>
+          </p:cNvPr>
+          <p:cNvPicPr>
+            <a:picLocks noChangeAspect="1"/>
+          </p:cNvPicPr>
+          <p:nvPr/>
+        </p:nvPicPr>
+        <p:blipFill>
+          <a:blip r:embed="rId2"/>
+          <a:stretch>
+            <a:fillRect/>
+          </a:stretch>
+        </p:blipFill>
+        <p:spPr>
+          <a:xfrm>
+            <a:off x="2492713" y="2633737"/>
+            <a:ext cx="2362200" cy="1752600"/>
+          </a:xfrm>
+          <a:prstGeom prst="rect">
+            <a:avLst/>
+          </a:prstGeom>
+        </p:spPr>
+      </p:pic>
+      <p:pic>
+        <p:nvPicPr>
+          <p:cNvPr id="9" name="Picture 8">
+            <a:extLst>
+              <a:ext uri="{FF2B5EF4-FFF2-40B4-BE49-F238E27FC236}">
+                <a16:creationId xmlns:a16="http://schemas.microsoft.com/office/drawing/2014/main" id="{64A2F4C9-4019-E94E-B871-84F762DA7DBB}"/>
+              </a:ext>
+            </a:extLst>
+          </p:cNvPr>
+          <p:cNvPicPr>
+            <a:picLocks noChangeAspect="1"/>
+          </p:cNvPicPr>
+          <p:nvPr/>
+        </p:nvPicPr>
+        <p:blipFill>
+          <a:blip r:embed="rId3"/>
+          <a:stretch>
+            <a:fillRect/>
+          </a:stretch>
+        </p:blipFill>
+        <p:spPr>
+          <a:xfrm>
+            <a:off x="5321975" y="2633737"/>
+            <a:ext cx="5575300" cy="1003300"/>
+          </a:xfrm>
+          <a:prstGeom prst="rect">
+            <a:avLst/>
+          </a:prstGeom>
+        </p:spPr>
+      </p:pic>
+      <p:cxnSp>
+        <p:nvCxnSpPr>
+          <p:cNvPr id="11" name="Straight Arrow Connector 10">
+            <a:extLst>
+              <a:ext uri="{FF2B5EF4-FFF2-40B4-BE49-F238E27FC236}">
+                <a16:creationId xmlns:a16="http://schemas.microsoft.com/office/drawing/2014/main" id="{7AFDD6A8-AAD3-164E-A8E0-6384EAC8A430}"/>
+              </a:ext>
+            </a:extLst>
+          </p:cNvPr>
+          <p:cNvCxnSpPr>
+            <a:cxnSpLocks/>
+          </p:cNvCxnSpPr>
+          <p:nvPr/>
+        </p:nvCxnSpPr>
+        <p:spPr>
+          <a:xfrm>
+            <a:off x="4633607" y="2796996"/>
+            <a:ext cx="590147" cy="1"/>
+          </a:xfrm>
+          <a:prstGeom prst="straightConnector1">
+            <a:avLst/>
+          </a:prstGeom>
+          <a:ln w="25400">
+            <a:solidFill>
+              <a:srgbClr val="E4754F"/>
+            </a:solidFill>
+            <a:tailEnd type="triangle"/>
+          </a:ln>
+        </p:spPr>
+        <p:style>
+          <a:lnRef idx="1">
+            <a:schemeClr val="accent1"/>
+          </a:lnRef>
+          <a:fillRef idx="0">
+            <a:schemeClr val="accent1"/>
+          </a:fillRef>
+          <a:effectRef idx="0">
+            <a:schemeClr val="accent1"/>
+          </a:effectRef>
+          <a:fontRef idx="minor">
+            <a:schemeClr val="tx1"/>
+          </a:fontRef>
+        </p:style>
+      </p:cxnSp>
+      <p:sp>
+        <p:nvSpPr>
+          <p:cNvPr id="14" name="TextBox 13">
+            <a:extLst>
+              <a:ext uri="{FF2B5EF4-FFF2-40B4-BE49-F238E27FC236}">
+                <a16:creationId xmlns:a16="http://schemas.microsoft.com/office/drawing/2014/main" id="{3CA77873-DD8F-384F-B78C-46F1A284F654}"/>
+              </a:ext>
+            </a:extLst>
+          </p:cNvPr>
+          <p:cNvSpPr txBox="1"/>
+          <p:nvPr/>
+        </p:nvSpPr>
+        <p:spPr>
+          <a:xfrm>
+            <a:off x="6903874" y="3637037"/>
+            <a:ext cx="4754507" cy="646331"/>
+          </a:xfrm>
+          <a:prstGeom prst="rect">
+            <a:avLst/>
+          </a:prstGeom>
+          <a:noFill/>
+        </p:spPr>
+        <p:txBody>
+          <a:bodyPr wrap="none" rtlCol="0">
+            <a:spAutoFit/>
+          </a:bodyPr>
+          <a:lstStyle/>
+          <a:p>
+            <a:r>
+              <a:rPr lang="en-US" i="1" dirty="0"/>
+              <a:t>(To Save, hit Ctrl-X then “Y” to save changes</a:t>
+            </a:r>
+          </a:p>
+          <a:p>
+            <a:r>
+              <a:rPr lang="en-US" i="1" dirty="0"/>
+              <a:t> then hit return at “File Name to Write: …”)</a:t>
+            </a:r>
           </a:p>
         </p:txBody>
       </p:sp>
     </p:spTree>
     <p:extLst>
       <p:ext uri="{BB962C8B-B14F-4D97-AF65-F5344CB8AC3E}">
-        <p14:creationId xmlns:p14="http://schemas.microsoft.com/office/powerpoint/2010/main" val="918771271"/>
+        <p14:creationId xmlns:p14="http://schemas.microsoft.com/office/powerpoint/2010/main" val="4173875093"/>
       </p:ext>
     </p:extLst>
   </p:cSld>
@@ -5434,6 +6132,266 @@
 </p:sld>
 </file>
 
+<file path=ppt/slides/slide20.xml><?xml version="1.0" encoding="utf-8"?>
+<p:sld xmlns:a="http://schemas.openxmlformats.org/drawingml/2006/main" xmlns:r="http://schemas.openxmlformats.org/officeDocument/2006/relationships" xmlns:p="http://schemas.openxmlformats.org/presentationml/2006/main">
+  <p:cSld>
+    <p:spTree>
+      <p:nvGrpSpPr>
+        <p:cNvPr id="1" name=""/>
+        <p:cNvGrpSpPr/>
+        <p:nvPr/>
+      </p:nvGrpSpPr>
+      <p:grpSpPr>
+        <a:xfrm>
+          <a:off x="0" y="0"/>
+          <a:ext cx="0" cy="0"/>
+          <a:chOff x="0" y="0"/>
+          <a:chExt cx="0" cy="0"/>
+        </a:xfrm>
+      </p:grpSpPr>
+      <p:sp>
+        <p:nvSpPr>
+          <p:cNvPr id="2" name="Title 1">
+            <a:extLst>
+              <a:ext uri="{FF2B5EF4-FFF2-40B4-BE49-F238E27FC236}">
+                <a16:creationId xmlns:a16="http://schemas.microsoft.com/office/drawing/2014/main" id="{30187F34-DCEF-0E4B-867D-7CDDA1253D3E}"/>
+              </a:ext>
+            </a:extLst>
+          </p:cNvPr>
+          <p:cNvSpPr>
+            <a:spLocks noGrp="1"/>
+          </p:cNvSpPr>
+          <p:nvPr>
+            <p:ph type="title"/>
+          </p:nvPr>
+        </p:nvSpPr>
+        <p:spPr>
+          <a:xfrm>
+            <a:off x="519289" y="365125"/>
+            <a:ext cx="10834511" cy="1325563"/>
+          </a:xfrm>
+        </p:spPr>
+        <p:txBody>
+          <a:bodyPr/>
+          <a:lstStyle/>
+          <a:p>
+            <a:r>
+              <a:rPr lang="en-US" dirty="0"/>
+              <a:t>Launch </a:t>
+            </a:r>
+            <a:r>
+              <a:rPr lang="en-US" dirty="0" err="1"/>
+              <a:t>Jupyter</a:t>
+            </a:r>
+            <a:r>
+              <a:rPr lang="en-US" dirty="0"/>
+              <a:t> Lab (notebooks)</a:t>
+            </a:r>
+          </a:p>
+        </p:txBody>
+      </p:sp>
+      <p:sp>
+        <p:nvSpPr>
+          <p:cNvPr id="3" name="Content Placeholder 2">
+            <a:extLst>
+              <a:ext uri="{FF2B5EF4-FFF2-40B4-BE49-F238E27FC236}">
+                <a16:creationId xmlns:a16="http://schemas.microsoft.com/office/drawing/2014/main" id="{C0629AE9-A7BF-DD44-81CE-502DD1C7EAC5}"/>
+              </a:ext>
+            </a:extLst>
+          </p:cNvPr>
+          <p:cNvSpPr>
+            <a:spLocks noGrp="1"/>
+          </p:cNvSpPr>
+          <p:nvPr>
+            <p:ph idx="1"/>
+          </p:nvPr>
+        </p:nvSpPr>
+        <p:spPr>
+          <a:xfrm>
+            <a:off x="838200" y="1690688"/>
+            <a:ext cx="10515600" cy="4486275"/>
+          </a:xfrm>
+        </p:spPr>
+        <p:txBody>
+          <a:bodyPr/>
+          <a:lstStyle/>
+          <a:p>
+            <a:r>
+              <a:rPr lang="en-US" dirty="0"/>
+              <a:t>A “notebook” is a sequence of “cells” that can</a:t>
+            </a:r>
+            <a:br>
+              <a:rPr lang="en-US" dirty="0"/>
+            </a:br>
+            <a:r>
+              <a:rPr lang="en-US" dirty="0"/>
+              <a:t>contain code, output, notes, etc.  </a:t>
+            </a:r>
+          </a:p>
+          <a:p>
+            <a:r>
+              <a:rPr lang="en-US" dirty="0"/>
+              <a:t>A notebook is stored like a script into a </a:t>
+            </a:r>
+            <a:r>
+              <a:rPr lang="en-US" dirty="0" err="1"/>
+              <a:t>file.ipynb</a:t>
+            </a:r>
+            <a:r>
+              <a:rPr lang="en-US" dirty="0"/>
+              <a:t> file not .</a:t>
+            </a:r>
+            <a:r>
+              <a:rPr lang="en-US" dirty="0" err="1"/>
+              <a:t>py</a:t>
+            </a:r>
+            <a:endParaRPr lang="en-US" dirty="0"/>
+          </a:p>
+          <a:p>
+            <a:r>
+              <a:rPr lang="en-US" dirty="0"/>
+              <a:t>A server that we launch from the command line starts up a Python interpreter and connects to a browser window where we can makes notes and execute code snippets</a:t>
+            </a:r>
+          </a:p>
+        </p:txBody>
+      </p:sp>
+      <p:pic>
+        <p:nvPicPr>
+          <p:cNvPr id="5" name="Picture 4">
+            <a:extLst>
+              <a:ext uri="{FF2B5EF4-FFF2-40B4-BE49-F238E27FC236}">
+                <a16:creationId xmlns:a16="http://schemas.microsoft.com/office/drawing/2014/main" id="{34578368-6786-8C4B-A0D9-46FC941BCA48}"/>
+              </a:ext>
+            </a:extLst>
+          </p:cNvPr>
+          <p:cNvPicPr>
+            <a:picLocks noChangeAspect="1"/>
+          </p:cNvPicPr>
+          <p:nvPr/>
+        </p:nvPicPr>
+        <p:blipFill>
+          <a:blip r:embed="rId2"/>
+          <a:stretch>
+            <a:fillRect/>
+          </a:stretch>
+        </p:blipFill>
+        <p:spPr>
+          <a:xfrm>
+            <a:off x="79023" y="4552705"/>
+            <a:ext cx="12028534" cy="1244756"/>
+          </a:xfrm>
+          <a:prstGeom prst="rect">
+            <a:avLst/>
+          </a:prstGeom>
+        </p:spPr>
+      </p:pic>
+      <p:pic>
+        <p:nvPicPr>
+          <p:cNvPr id="7" name="Picture 6">
+            <a:extLst>
+              <a:ext uri="{FF2B5EF4-FFF2-40B4-BE49-F238E27FC236}">
+                <a16:creationId xmlns:a16="http://schemas.microsoft.com/office/drawing/2014/main" id="{73C160DC-A84C-8D45-8030-060A2272EC44}"/>
+              </a:ext>
+            </a:extLst>
+          </p:cNvPr>
+          <p:cNvPicPr>
+            <a:picLocks noChangeAspect="1"/>
+          </p:cNvPicPr>
+          <p:nvPr/>
+        </p:nvPicPr>
+        <p:blipFill>
+          <a:blip r:embed="rId3"/>
+          <a:stretch>
+            <a:fillRect/>
+          </a:stretch>
+        </p:blipFill>
+        <p:spPr>
+          <a:xfrm>
+            <a:off x="9042399" y="478484"/>
+            <a:ext cx="3007608" cy="2005072"/>
+          </a:xfrm>
+          <a:prstGeom prst="rect">
+            <a:avLst/>
+          </a:prstGeom>
+        </p:spPr>
+      </p:pic>
+      <p:sp>
+        <p:nvSpPr>
+          <p:cNvPr id="8" name="TextBox 7">
+            <a:extLst>
+              <a:ext uri="{FF2B5EF4-FFF2-40B4-BE49-F238E27FC236}">
+                <a16:creationId xmlns:a16="http://schemas.microsoft.com/office/drawing/2014/main" id="{A0A5728E-D698-B342-93F3-F2CCC4F04072}"/>
+              </a:ext>
+            </a:extLst>
+          </p:cNvPr>
+          <p:cNvSpPr txBox="1"/>
+          <p:nvPr/>
+        </p:nvSpPr>
+        <p:spPr>
+          <a:xfrm>
+            <a:off x="0" y="5909820"/>
+            <a:ext cx="6186374" cy="923330"/>
+          </a:xfrm>
+          <a:prstGeom prst="rect">
+            <a:avLst/>
+          </a:prstGeom>
+          <a:noFill/>
+        </p:spPr>
+        <p:txBody>
+          <a:bodyPr wrap="none" rtlCol="0">
+            <a:spAutoFit/>
+          </a:bodyPr>
+          <a:lstStyle/>
+          <a:p>
+            <a:r>
+              <a:rPr lang="en-US" dirty="0"/>
+              <a:t>Tutorials:</a:t>
+            </a:r>
+          </a:p>
+          <a:p>
+            <a:r>
+              <a:rPr lang="en-US" dirty="0"/>
+              <a:t>    </a:t>
+            </a:r>
+            <a:r>
+              <a:rPr lang="en-US" dirty="0">
+                <a:hlinkClick r:id="rId4"/>
+              </a:rPr>
+              <a:t>https://www.youtube.com/watch?v=RFabWieskak</a:t>
+            </a:r>
+            <a:endParaRPr lang="en-US" dirty="0"/>
+          </a:p>
+          <a:p>
+            <a:r>
+              <a:rPr lang="en-US" dirty="0"/>
+              <a:t>    </a:t>
+            </a:r>
+            <a:r>
+              <a:rPr lang="en-US" dirty="0">
+                <a:hlinkClick r:id="rId5"/>
+              </a:rPr>
+              <a:t>https://www.dataquest.io/blog/jupyter-notebook-tutorial/</a:t>
+            </a:r>
+            <a:r>
+              <a:rPr lang="en-US" dirty="0"/>
+              <a:t>  </a:t>
+            </a:r>
+          </a:p>
+        </p:txBody>
+      </p:sp>
+    </p:spTree>
+    <p:extLst>
+      <p:ext uri="{BB962C8B-B14F-4D97-AF65-F5344CB8AC3E}">
+        <p14:creationId xmlns:p14="http://schemas.microsoft.com/office/powerpoint/2010/main" val="918771271"/>
+      </p:ext>
+    </p:extLst>
+  </p:cSld>
+  <p:clrMapOvr>
+    <a:masterClrMapping/>
+  </p:clrMapOvr>
+</p:sld>
+</file>
+
 <file path=ppt/slides/slide3.xml><?xml version="1.0" encoding="utf-8"?>
 <p:sld xmlns:a="http://schemas.openxmlformats.org/drawingml/2006/main" xmlns:r="http://schemas.openxmlformats.org/officeDocument/2006/relationships" xmlns:p="http://schemas.openxmlformats.org/presentationml/2006/main">
   <p:cSld>
@@ -5525,6 +6483,14 @@
             <a:r>
               <a:rPr lang="en-US" dirty="0"/>
               <a:t>We type commands at the </a:t>
+            </a:r>
+            <a:r>
+              <a:rPr lang="en-US" b="1" dirty="0"/>
+              <a:t>$</a:t>
+            </a:r>
+            <a:r>
+              <a:rPr lang="en-US" dirty="0"/>
+              <a:t> </a:t>
             </a:r>
             <a:r>
               <a:rPr lang="en-US" i="1" dirty="0"/>
@@ -5732,7 +6698,7 @@
           <a:p>
             <a:r>
               <a:rPr lang="en-US" dirty="0"/>
-              <a:t>In Python we do </a:t>
+              <a:t>In Python we say </a:t>
             </a:r>
             <a:r>
               <a:rPr lang="en-US" b="1" dirty="0"/>
@@ -5740,7 +6706,7 @@
             </a:r>
             <a:r>
               <a:rPr lang="en-US" dirty="0"/>
-              <a:t>, but in the shell we don't use parentheses around arguments</a:t>
+              <a:t>, but in the shell we don't use parentheses around arguments and use spaces not commas</a:t>
             </a:r>
           </a:p>
           <a:p>
@@ -5988,6 +6954,173 @@
           <a:chExt cx="0" cy="0"/>
         </a:xfrm>
       </p:grpSpPr>
+      <p:sp>
+        <p:nvSpPr>
+          <p:cNvPr id="2" name="Title 1">
+            <a:extLst>
+              <a:ext uri="{FF2B5EF4-FFF2-40B4-BE49-F238E27FC236}">
+                <a16:creationId xmlns:a16="http://schemas.microsoft.com/office/drawing/2014/main" id="{66042E9A-6D99-DC4E-B411-A0CE04616E34}"/>
+              </a:ext>
+            </a:extLst>
+          </p:cNvPr>
+          <p:cNvSpPr>
+            <a:spLocks noGrp="1"/>
+          </p:cNvSpPr>
+          <p:nvPr>
+            <p:ph type="title"/>
+          </p:nvPr>
+        </p:nvSpPr>
+        <p:spPr/>
+        <p:txBody>
+          <a:bodyPr/>
+          <a:lstStyle/>
+          <a:p>
+            <a:r>
+              <a:rPr lang="en-US" dirty="0"/>
+              <a:t>Looking at file contents</a:t>
+            </a:r>
+          </a:p>
+        </p:txBody>
+      </p:sp>
+      <p:sp>
+        <p:nvSpPr>
+          <p:cNvPr id="3" name="Content Placeholder 2">
+            <a:extLst>
+              <a:ext uri="{FF2B5EF4-FFF2-40B4-BE49-F238E27FC236}">
+                <a16:creationId xmlns:a16="http://schemas.microsoft.com/office/drawing/2014/main" id="{034D0FAF-2518-B041-BA80-6A49027DF9C0}"/>
+              </a:ext>
+            </a:extLst>
+          </p:cNvPr>
+          <p:cNvSpPr>
+            <a:spLocks noGrp="1"/>
+          </p:cNvSpPr>
+          <p:nvPr>
+            <p:ph idx="1"/>
+          </p:nvPr>
+        </p:nvSpPr>
+        <p:spPr/>
+        <p:txBody>
+          <a:bodyPr/>
+          <a:lstStyle/>
+          <a:p>
+            <a:r>
+              <a:rPr lang="en-US" b="1" dirty="0"/>
+              <a:t>cat</a:t>
+            </a:r>
+            <a:r>
+              <a:rPr lang="en-US" dirty="0"/>
+              <a:t> </a:t>
+            </a:r>
+            <a:r>
+              <a:rPr lang="en-US" i="1" dirty="0"/>
+              <a:t>filename</a:t>
+            </a:r>
+            <a:r>
+              <a:rPr lang="en-US" dirty="0"/>
+              <a:t>: show entire file</a:t>
+            </a:r>
+          </a:p>
+          <a:p>
+            <a:r>
+              <a:rPr lang="en-US" b="1" dirty="0"/>
+              <a:t>head</a:t>
+            </a:r>
+            <a:r>
+              <a:rPr lang="en-US" dirty="0"/>
+              <a:t> </a:t>
+            </a:r>
+            <a:r>
+              <a:rPr lang="en-US" i="1" dirty="0"/>
+              <a:t>filename</a:t>
+            </a:r>
+            <a:r>
+              <a:rPr lang="en-US" dirty="0"/>
+              <a:t>: show first n lines of file</a:t>
+            </a:r>
+          </a:p>
+          <a:p>
+            <a:r>
+              <a:rPr lang="en-US" b="1" dirty="0"/>
+              <a:t>tail</a:t>
+            </a:r>
+            <a:r>
+              <a:rPr lang="en-US" dirty="0"/>
+              <a:t> </a:t>
+            </a:r>
+            <a:r>
+              <a:rPr lang="en-US" i="1" dirty="0"/>
+              <a:t>filename</a:t>
+            </a:r>
+            <a:r>
+              <a:rPr lang="en-US" dirty="0"/>
+              <a:t>: show last n lines of file</a:t>
+            </a:r>
+          </a:p>
+          <a:p>
+            <a:endParaRPr lang="en-US" dirty="0"/>
+          </a:p>
+        </p:txBody>
+      </p:sp>
+      <p:pic>
+        <p:nvPicPr>
+          <p:cNvPr id="5" name="Picture 4">
+            <a:extLst>
+              <a:ext uri="{FF2B5EF4-FFF2-40B4-BE49-F238E27FC236}">
+                <a16:creationId xmlns:a16="http://schemas.microsoft.com/office/drawing/2014/main" id="{2129CA36-F501-C94B-83AA-0952FCCF6123}"/>
+              </a:ext>
+            </a:extLst>
+          </p:cNvPr>
+          <p:cNvPicPr>
+            <a:picLocks noChangeAspect="1"/>
+          </p:cNvPicPr>
+          <p:nvPr/>
+        </p:nvPicPr>
+        <p:blipFill>
+          <a:blip r:embed="rId2"/>
+          <a:stretch>
+            <a:fillRect/>
+          </a:stretch>
+        </p:blipFill>
+        <p:spPr>
+          <a:xfrm>
+            <a:off x="994653" y="3715831"/>
+            <a:ext cx="10591800" cy="1663700"/>
+          </a:xfrm>
+          <a:prstGeom prst="rect">
+            <a:avLst/>
+          </a:prstGeom>
+        </p:spPr>
+      </p:pic>
+    </p:spTree>
+    <p:extLst>
+      <p:ext uri="{BB962C8B-B14F-4D97-AF65-F5344CB8AC3E}">
+        <p14:creationId xmlns:p14="http://schemas.microsoft.com/office/powerpoint/2010/main" val="3490045957"/>
+      </p:ext>
+    </p:extLst>
+  </p:cSld>
+  <p:clrMapOvr>
+    <a:masterClrMapping/>
+  </p:clrMapOvr>
+</p:sld>
+</file>
+
+<file path=ppt/slides/slide7.xml><?xml version="1.0" encoding="utf-8"?>
+<p:sld xmlns:a="http://schemas.openxmlformats.org/drawingml/2006/main" xmlns:r="http://schemas.openxmlformats.org/officeDocument/2006/relationships" xmlns:p="http://schemas.openxmlformats.org/presentationml/2006/main">
+  <p:cSld>
+    <p:spTree>
+      <p:nvGrpSpPr>
+        <p:cNvPr id="1" name=""/>
+        <p:cNvGrpSpPr/>
+        <p:nvPr/>
+      </p:nvGrpSpPr>
+      <p:grpSpPr>
+        <a:xfrm>
+          <a:off x="0" y="0"/>
+          <a:ext cx="0" cy="0"/>
+          <a:chOff x="0" y="0"/>
+          <a:chExt cx="0" cy="0"/>
+        </a:xfrm>
+      </p:grpSpPr>
       <p:pic>
         <p:nvPicPr>
           <p:cNvPr id="17" name="Picture 16">
@@ -6230,161 +7363,6 @@
 </p:sld>
 </file>
 
-<file path=ppt/slides/slide7.xml><?xml version="1.0" encoding="utf-8"?>
-<p:sld xmlns:a="http://schemas.openxmlformats.org/drawingml/2006/main" xmlns:r="http://schemas.openxmlformats.org/officeDocument/2006/relationships" xmlns:p="http://schemas.openxmlformats.org/presentationml/2006/main">
-  <p:cSld>
-    <p:spTree>
-      <p:nvGrpSpPr>
-        <p:cNvPr id="1" name=""/>
-        <p:cNvGrpSpPr/>
-        <p:nvPr/>
-      </p:nvGrpSpPr>
-      <p:grpSpPr>
-        <a:xfrm>
-          <a:off x="0" y="0"/>
-          <a:ext cx="0" cy="0"/>
-          <a:chOff x="0" y="0"/>
-          <a:chExt cx="0" cy="0"/>
-        </a:xfrm>
-      </p:grpSpPr>
-      <p:sp>
-        <p:nvSpPr>
-          <p:cNvPr id="2" name="Title 1">
-            <a:extLst>
-              <a:ext uri="{FF2B5EF4-FFF2-40B4-BE49-F238E27FC236}">
-                <a16:creationId xmlns:a16="http://schemas.microsoft.com/office/drawing/2014/main" id="{3C047498-73D8-B942-B22E-B17DF24422F0}"/>
-              </a:ext>
-            </a:extLst>
-          </p:cNvPr>
-          <p:cNvSpPr>
-            <a:spLocks noGrp="1"/>
-          </p:cNvSpPr>
-          <p:nvPr>
-            <p:ph type="title"/>
-          </p:nvPr>
-        </p:nvSpPr>
-        <p:spPr>
-          <a:xfrm>
-            <a:off x="838200" y="365125"/>
-            <a:ext cx="10515600" cy="775417"/>
-          </a:xfrm>
-        </p:spPr>
-        <p:txBody>
-          <a:bodyPr/>
-          <a:lstStyle/>
-          <a:p>
-            <a:r>
-              <a:rPr lang="en-US" dirty="0"/>
-              <a:t>Path specifications</a:t>
-            </a:r>
-          </a:p>
-        </p:txBody>
-      </p:sp>
-      <p:sp>
-        <p:nvSpPr>
-          <p:cNvPr id="3" name="Content Placeholder 2">
-            <a:extLst>
-              <a:ext uri="{FF2B5EF4-FFF2-40B4-BE49-F238E27FC236}">
-                <a16:creationId xmlns:a16="http://schemas.microsoft.com/office/drawing/2014/main" id="{C3C8DA90-A6FB-F843-AA2D-16210D36CED7}"/>
-              </a:ext>
-            </a:extLst>
-          </p:cNvPr>
-          <p:cNvSpPr>
-            <a:spLocks noGrp="1"/>
-          </p:cNvSpPr>
-          <p:nvPr>
-            <p:ph idx="1"/>
-          </p:nvPr>
-        </p:nvSpPr>
-        <p:spPr>
-          <a:xfrm>
-            <a:off x="838200" y="1288026"/>
-            <a:ext cx="10515600" cy="4888937"/>
-          </a:xfrm>
-        </p:spPr>
-        <p:txBody>
-          <a:bodyPr/>
-          <a:lstStyle/>
-          <a:p>
-            <a:r>
-              <a:rPr lang="en-US" dirty="0"/>
-              <a:t>As we saw previously, the folders or directories on your disk represent a tree; files in a folder represent leaves of the tree</a:t>
-            </a:r>
-          </a:p>
-          <a:p>
-            <a:r>
-              <a:rPr lang="en-US" dirty="0"/>
-              <a:t>A fully-qualified path to a file consists of the directories used to reach the file from the root of the disk; root is "/" and we separate path elements with "/"</a:t>
-            </a:r>
-          </a:p>
-          <a:p>
-            <a:r>
-              <a:rPr lang="en-US" dirty="0"/>
-              <a:t>Relative pathnames do not start with "/" and are relative to WD</a:t>
-            </a:r>
-          </a:p>
-        </p:txBody>
-      </p:sp>
-      <p:pic>
-        <p:nvPicPr>
-          <p:cNvPr id="4" name="Picture 2">
-            <a:extLst>
-              <a:ext uri="{FF2B5EF4-FFF2-40B4-BE49-F238E27FC236}">
-                <a16:creationId xmlns:a16="http://schemas.microsoft.com/office/drawing/2014/main" id="{8E2B0724-764D-8B41-9EC9-0C20ACAD80D6}"/>
-              </a:ext>
-            </a:extLst>
-          </p:cNvPr>
-          <p:cNvPicPr>
-            <a:picLocks noChangeAspect="1" noChangeArrowheads="1"/>
-          </p:cNvPicPr>
-          <p:nvPr/>
-        </p:nvPicPr>
-        <p:blipFill>
-          <a:blip r:embed="rId2">
-            <a:extLst>
-              <a:ext uri="{28A0092B-C50C-407E-A947-70E740481C1C}">
-                <a14:useLocalDpi xmlns:a14="http://schemas.microsoft.com/office/drawing/2010/main" val="0"/>
-              </a:ext>
-            </a:extLst>
-          </a:blip>
-          <a:srcRect/>
-          <a:stretch>
-            <a:fillRect/>
-          </a:stretch>
-        </p:blipFill>
-        <p:spPr bwMode="auto">
-          <a:xfrm>
-            <a:off x="0" y="3867457"/>
-            <a:ext cx="12192000" cy="3000375"/>
-          </a:xfrm>
-          <a:prstGeom prst="rect">
-            <a:avLst/>
-          </a:prstGeom>
-          <a:noFill/>
-          <a:extLst>
-            <a:ext uri="{909E8E84-426E-40DD-AFC4-6F175D3DCCD1}">
-              <a14:hiddenFill xmlns:a14="http://schemas.microsoft.com/office/drawing/2010/main">
-                <a:solidFill>
-                  <a:srgbClr val="FFFFFF"/>
-                </a:solidFill>
-              </a14:hiddenFill>
-            </a:ext>
-          </a:extLst>
-        </p:spPr>
-      </p:pic>
-    </p:spTree>
-    <p:extLst>
-      <p:ext uri="{BB962C8B-B14F-4D97-AF65-F5344CB8AC3E}">
-        <p14:creationId xmlns:p14="http://schemas.microsoft.com/office/powerpoint/2010/main" val="3704643168"/>
-      </p:ext>
-    </p:extLst>
-  </p:cSld>
-  <p:clrMapOvr>
-    <a:masterClrMapping/>
-  </p:clrMapOvr>
-</p:sld>
-</file>
-
 <file path=ppt/slides/slide8.xml><?xml version="1.0" encoding="utf-8"?>
 <p:sld xmlns:a="http://schemas.openxmlformats.org/drawingml/2006/main" xmlns:r="http://schemas.openxmlformats.org/officeDocument/2006/relationships" xmlns:p="http://schemas.openxmlformats.org/presentationml/2006/main">
   <p:cSld>
@@ -6407,7 +7385,7 @@
           <p:cNvPr id="2" name="Title 1">
             <a:extLst>
               <a:ext uri="{FF2B5EF4-FFF2-40B4-BE49-F238E27FC236}">
-                <a16:creationId xmlns:a16="http://schemas.microsoft.com/office/drawing/2014/main" id="{E0A62FDE-AFF0-A243-926C-181E4D3891E7}"/>
+                <a16:creationId xmlns:a16="http://schemas.microsoft.com/office/drawing/2014/main" id="{3C047498-73D8-B942-B22E-B17DF24422F0}"/>
               </a:ext>
             </a:extLst>
           </p:cNvPr>
@@ -6418,14 +7396,19 @@
             <p:ph type="title"/>
           </p:nvPr>
         </p:nvSpPr>
-        <p:spPr/>
+        <p:spPr>
+          <a:xfrm>
+            <a:off x="838200" y="365125"/>
+            <a:ext cx="10515600" cy="775417"/>
+          </a:xfrm>
+        </p:spPr>
         <p:txBody>
           <a:bodyPr/>
           <a:lstStyle/>
           <a:p>
             <a:r>
               <a:rPr lang="en-US" dirty="0"/>
-              <a:t>Useful directories to know about</a:t>
+              <a:t>Path specifications</a:t>
             </a:r>
           </a:p>
         </p:txBody>
@@ -6435,7 +7418,7 @@
           <p:cNvPr id="3" name="Content Placeholder 2">
             <a:extLst>
               <a:ext uri="{FF2B5EF4-FFF2-40B4-BE49-F238E27FC236}">
-                <a16:creationId xmlns:a16="http://schemas.microsoft.com/office/drawing/2014/main" id="{1823D47B-C598-A444-A1F0-4AA2BC771433}"/>
+                <a16:creationId xmlns:a16="http://schemas.microsoft.com/office/drawing/2014/main" id="{C3C8DA90-A6FB-F843-AA2D-16210D36CED7}"/>
               </a:ext>
             </a:extLst>
           </p:cNvPr>
@@ -6446,99 +7429,86 @@
             <p:ph idx="1"/>
           </p:nvPr>
         </p:nvSpPr>
-        <p:spPr/>
+        <p:spPr>
+          <a:xfrm>
+            <a:off x="838200" y="1288026"/>
+            <a:ext cx="10515600" cy="4888937"/>
+          </a:xfrm>
+        </p:spPr>
         <p:txBody>
           <a:bodyPr/>
           <a:lstStyle/>
           <a:p>
             <a:r>
               <a:rPr lang="en-US" dirty="0"/>
-              <a:t>Other then your home directory, /Users/</a:t>
-            </a:r>
-            <a:r>
-              <a:rPr lang="en-US" dirty="0" err="1"/>
-              <a:t>youruser</a:t>
-            </a:r>
-            <a:r>
-              <a:rPr lang="en-US" dirty="0"/>
-              <a:t>, you should know about:</a:t>
-            </a:r>
-          </a:p>
-          <a:p>
-            <a:pPr lvl="1"/>
-            <a:r>
-              <a:rPr lang="en-US" dirty="0"/>
-              <a:t>/Applications</a:t>
-            </a:r>
-          </a:p>
-          <a:p>
-            <a:pPr lvl="1"/>
-            <a:r>
-              <a:rPr lang="en-US" dirty="0"/>
-              <a:t>/</a:t>
-            </a:r>
-            <a:r>
-              <a:rPr lang="en-US" dirty="0" err="1"/>
-              <a:t>tmp</a:t>
-            </a:r>
-            <a:endParaRPr lang="en-US" dirty="0"/>
-          </a:p>
-          <a:p>
-            <a:pPr lvl="1"/>
-            <a:r>
-              <a:rPr lang="en-US" dirty="0"/>
-              <a:t>/</a:t>
-            </a:r>
-            <a:r>
-              <a:rPr lang="en-US" dirty="0" err="1"/>
-              <a:t>usr</a:t>
-            </a:r>
-            <a:r>
-              <a:rPr lang="en-US" dirty="0"/>
-              <a:t>/local (such as brew's install area /</a:t>
-            </a:r>
-            <a:r>
-              <a:rPr lang="en-US" dirty="0" err="1"/>
-              <a:t>usr</a:t>
-            </a:r>
-            <a:r>
-              <a:rPr lang="en-US" dirty="0"/>
-              <a:t>/local/Cellar)</a:t>
-            </a:r>
-          </a:p>
-          <a:p>
-            <a:pPr lvl="1"/>
-            <a:r>
-              <a:rPr lang="en-US" dirty="0"/>
-              <a:t>/bin, /</a:t>
-            </a:r>
-            <a:r>
-              <a:rPr lang="en-US" dirty="0" err="1"/>
-              <a:t>usr</a:t>
-            </a:r>
-            <a:r>
-              <a:rPr lang="en-US" dirty="0"/>
-              <a:t>/local/bin</a:t>
-            </a:r>
-          </a:p>
-          <a:p>
-            <a:pPr lvl="1"/>
-            <a:endParaRPr lang="en-US" dirty="0"/>
-          </a:p>
-          <a:p>
-            <a:pPr lvl="1"/>
-            <a:endParaRPr lang="en-US" dirty="0"/>
-          </a:p>
-          <a:p>
-            <a:pPr lvl="1"/>
-            <a:endParaRPr lang="en-US" dirty="0"/>
-          </a:p>
-        </p:txBody>
-      </p:sp>
+              <a:t>As we saw previously, the folders or directories on your disk represent a tree; files in a folder represent leaves of the tree</a:t>
+            </a:r>
+          </a:p>
+          <a:p>
+            <a:r>
+              <a:rPr lang="en-US" dirty="0"/>
+              <a:t>A fully-qualified path to a file starts with “/” and consists of the directories used to reach the file from the root of the disk; root is "/" and we separate path elements with "/"</a:t>
+            </a:r>
+          </a:p>
+          <a:p>
+            <a:r>
+              <a:rPr lang="en-US" dirty="0"/>
+              <a:t>Relative pathnames do not start with "/" and are relative to WD</a:t>
+            </a:r>
+          </a:p>
+        </p:txBody>
+      </p:sp>
+      <p:pic>
+        <p:nvPicPr>
+          <p:cNvPr id="4" name="Picture 2">
+            <a:extLst>
+              <a:ext uri="{FF2B5EF4-FFF2-40B4-BE49-F238E27FC236}">
+                <a16:creationId xmlns:a16="http://schemas.microsoft.com/office/drawing/2014/main" id="{8E2B0724-764D-8B41-9EC9-0C20ACAD80D6}"/>
+              </a:ext>
+            </a:extLst>
+          </p:cNvPr>
+          <p:cNvPicPr>
+            <a:picLocks noChangeAspect="1" noChangeArrowheads="1"/>
+          </p:cNvPicPr>
+          <p:nvPr/>
+        </p:nvPicPr>
+        <p:blipFill>
+          <a:blip r:embed="rId2">
+            <a:extLst>
+              <a:ext uri="{28A0092B-C50C-407E-A947-70E740481C1C}">
+                <a14:useLocalDpi xmlns:a14="http://schemas.microsoft.com/office/drawing/2010/main" val="0"/>
+              </a:ext>
+            </a:extLst>
+          </a:blip>
+          <a:srcRect/>
+          <a:stretch>
+            <a:fillRect/>
+          </a:stretch>
+        </p:blipFill>
+        <p:spPr bwMode="auto">
+          <a:xfrm>
+            <a:off x="0" y="3867457"/>
+            <a:ext cx="12192000" cy="3000375"/>
+          </a:xfrm>
+          <a:prstGeom prst="rect">
+            <a:avLst/>
+          </a:prstGeom>
+          <a:noFill/>
+          <a:extLst>
+            <a:ext uri="{909E8E84-426E-40DD-AFC4-6F175D3DCCD1}">
+              <a14:hiddenFill xmlns:a14="http://schemas.microsoft.com/office/drawing/2010/main">
+                <a:solidFill>
+                  <a:srgbClr val="FFFFFF"/>
+                </a:solidFill>
+              </a14:hiddenFill>
+            </a:ext>
+          </a:extLst>
+        </p:spPr>
+      </p:pic>
     </p:spTree>
     <p:extLst>
       <p:ext uri="{BB962C8B-B14F-4D97-AF65-F5344CB8AC3E}">
-        <p14:creationId xmlns:p14="http://schemas.microsoft.com/office/powerpoint/2010/main" val="1956743322"/>
+        <p14:creationId xmlns:p14="http://schemas.microsoft.com/office/powerpoint/2010/main" val="3704643168"/>
       </p:ext>
     </p:extLst>
   </p:cSld>
@@ -6570,7 +7540,7 @@
           <p:cNvPr id="2" name="Title 1">
             <a:extLst>
               <a:ext uri="{FF2B5EF4-FFF2-40B4-BE49-F238E27FC236}">
-                <a16:creationId xmlns:a16="http://schemas.microsoft.com/office/drawing/2014/main" id="{FDB7EB2A-871D-7D49-995E-1432D2F87461}"/>
+                <a16:creationId xmlns:a16="http://schemas.microsoft.com/office/drawing/2014/main" id="{E0A62FDE-AFF0-A243-926C-181E4D3891E7}"/>
               </a:ext>
             </a:extLst>
           </p:cNvPr>
@@ -6587,78 +7557,148 @@
           <a:lstStyle/>
           <a:p>
             <a:r>
+              <a:rPr lang="en-US" dirty="0"/>
+              <a:t>Useful directories to know about</a:t>
+            </a:r>
+          </a:p>
+        </p:txBody>
+      </p:sp>
+      <p:sp>
+        <p:nvSpPr>
+          <p:cNvPr id="3" name="Content Placeholder 2">
+            <a:extLst>
+              <a:ext uri="{FF2B5EF4-FFF2-40B4-BE49-F238E27FC236}">
+                <a16:creationId xmlns:a16="http://schemas.microsoft.com/office/drawing/2014/main" id="{1823D47B-C598-A444-A1F0-4AA2BC771433}"/>
+              </a:ext>
+            </a:extLst>
+          </p:cNvPr>
+          <p:cNvSpPr>
+            <a:spLocks noGrp="1"/>
+          </p:cNvSpPr>
+          <p:nvPr>
+            <p:ph idx="1"/>
+          </p:nvPr>
+        </p:nvSpPr>
+        <p:spPr/>
+        <p:txBody>
+          <a:bodyPr/>
+          <a:lstStyle/>
+          <a:p>
+            <a:r>
+              <a:rPr lang="en-US" dirty="0"/>
+              <a:t>Other then your home directory, </a:t>
+            </a:r>
+            <a:r>
               <a:rPr lang="en-US" b="1" dirty="0"/>
-              <a:t>cd</a:t>
-            </a:r>
-            <a:r>
-              <a:rPr lang="en-US" dirty="0"/>
-              <a:t>: change working directory</a:t>
-            </a:r>
-          </a:p>
-        </p:txBody>
-      </p:sp>
-      <p:sp>
-        <p:nvSpPr>
-          <p:cNvPr id="3" name="Content Placeholder 2">
-            <a:extLst>
-              <a:ext uri="{FF2B5EF4-FFF2-40B4-BE49-F238E27FC236}">
-                <a16:creationId xmlns:a16="http://schemas.microsoft.com/office/drawing/2014/main" id="{5E3EAE7A-A2B8-CA46-B82C-5716CC01FAD4}"/>
-              </a:ext>
-            </a:extLst>
-          </p:cNvPr>
-          <p:cNvSpPr>
-            <a:spLocks noGrp="1"/>
-          </p:cNvSpPr>
-          <p:nvPr>
-            <p:ph idx="1"/>
-          </p:nvPr>
-        </p:nvSpPr>
-        <p:spPr/>
-        <p:txBody>
-          <a:bodyPr/>
-          <a:lstStyle/>
-          <a:p>
-            <a:r>
-              <a:rPr lang="en-US" dirty="0"/>
-              <a:t>To "move" around the disk hierarchy/tree, use cd command</a:t>
-            </a:r>
-          </a:p>
-        </p:txBody>
-      </p:sp>
-      <p:pic>
-        <p:nvPicPr>
-          <p:cNvPr id="5" name="Picture 4">
-            <a:extLst>
-              <a:ext uri="{FF2B5EF4-FFF2-40B4-BE49-F238E27FC236}">
-                <a16:creationId xmlns:a16="http://schemas.microsoft.com/office/drawing/2014/main" id="{9CB7B0DB-38ED-6D4D-962D-52BF670958C5}"/>
-              </a:ext>
-            </a:extLst>
-          </p:cNvPr>
-          <p:cNvPicPr>
-            <a:picLocks noChangeAspect="1"/>
-          </p:cNvPicPr>
-          <p:nvPr/>
-        </p:nvPicPr>
-        <p:blipFill>
-          <a:blip r:embed="rId2"/>
-          <a:stretch>
-            <a:fillRect/>
-          </a:stretch>
-        </p:blipFill>
-        <p:spPr>
-          <a:xfrm>
-            <a:off x="2765323" y="2622959"/>
-            <a:ext cx="6248400" cy="3263900"/>
-          </a:xfrm>
-          <a:prstGeom prst="rect">
-            <a:avLst/>
-          </a:prstGeom>
-        </p:spPr>
-      </p:pic>
+              <a:t>/Users/</a:t>
+            </a:r>
+            <a:r>
+              <a:rPr lang="en-US" i="1" dirty="0" err="1"/>
+              <a:t>youruser</a:t>
+            </a:r>
+            <a:r>
+              <a:rPr lang="en-US" dirty="0"/>
+              <a:t>, you should know about:</a:t>
+            </a:r>
+          </a:p>
+          <a:p>
+            <a:pPr lvl="1"/>
+            <a:r>
+              <a:rPr lang="en-US" dirty="0"/>
+              <a:t>/Applications</a:t>
+            </a:r>
+          </a:p>
+          <a:p>
+            <a:pPr lvl="1"/>
+            <a:r>
+              <a:rPr lang="en-US" dirty="0"/>
+              <a:t>/</a:t>
+            </a:r>
+            <a:r>
+              <a:rPr lang="en-US" dirty="0" err="1"/>
+              <a:t>tmp</a:t>
+            </a:r>
+            <a:endParaRPr lang="en-US" dirty="0"/>
+          </a:p>
+          <a:p>
+            <a:pPr lvl="1"/>
+            <a:r>
+              <a:rPr lang="en-US" dirty="0"/>
+              <a:t>/</a:t>
+            </a:r>
+            <a:r>
+              <a:rPr lang="en-US" dirty="0" err="1"/>
+              <a:t>usr</a:t>
+            </a:r>
+            <a:r>
+              <a:rPr lang="en-US" dirty="0"/>
+              <a:t>/local (such as brew's install area /</a:t>
+            </a:r>
+            <a:r>
+              <a:rPr lang="en-US" dirty="0" err="1"/>
+              <a:t>usr</a:t>
+            </a:r>
+            <a:r>
+              <a:rPr lang="en-US" dirty="0"/>
+              <a:t>/local/Cellar)</a:t>
+            </a:r>
+          </a:p>
+          <a:p>
+            <a:pPr lvl="1"/>
+            <a:r>
+              <a:rPr lang="en-US" dirty="0"/>
+              <a:t>/bin, /</a:t>
+            </a:r>
+            <a:r>
+              <a:rPr lang="en-US" dirty="0" err="1"/>
+              <a:t>usr</a:t>
+            </a:r>
+            <a:r>
+              <a:rPr lang="en-US" dirty="0"/>
+              <a:t>/local/bin</a:t>
+            </a:r>
+          </a:p>
+          <a:p>
+            <a:r>
+              <a:rPr lang="en-US" dirty="0"/>
+              <a:t>Also to configure </a:t>
+            </a:r>
+            <a:r>
+              <a:rPr lang="en-US" dirty="0" err="1"/>
+              <a:t>zsh</a:t>
+            </a:r>
+            <a:r>
+              <a:rPr lang="en-US" dirty="0"/>
+              <a:t> (your shell), see file </a:t>
+            </a:r>
+            <a:r>
+              <a:rPr lang="en-US" b="1" dirty="0"/>
+              <a:t>~/.</a:t>
+            </a:r>
+            <a:r>
+              <a:rPr lang="en-US" b="1" dirty="0" err="1"/>
+              <a:t>zshrc</a:t>
+            </a:r>
+            <a:endParaRPr lang="en-US" b="1" dirty="0"/>
+          </a:p>
+          <a:p>
+            <a:pPr lvl="1"/>
+            <a:endParaRPr lang="en-US" dirty="0"/>
+          </a:p>
+          <a:p>
+            <a:pPr lvl="1"/>
+            <a:endParaRPr lang="en-US" dirty="0"/>
+          </a:p>
+          <a:p>
+            <a:pPr lvl="1"/>
+            <a:endParaRPr lang="en-US" dirty="0"/>
+          </a:p>
+        </p:txBody>
+      </p:sp>
     </p:spTree>
     <p:extLst>
       <p:ext uri="{BB962C8B-B14F-4D97-AF65-F5344CB8AC3E}">
-        <p14:creationId xmlns:p14="http://schemas.microsoft.com/office/powerpoint/2010/main" val="2710044410"/>
+        <p14:creationId xmlns:p14="http://schemas.microsoft.com/office/powerpoint/2010/main" val="1956743322"/>
       </p:ext>
     </p:extLst>
   </p:cSld>

--- a/slides/terminal.pptx
+++ b/slides/terminal.pptx
@@ -5,10 +5,10 @@
     <p:sldMasterId id="2147483672" r:id="rId1"/>
   </p:sldMasterIdLst>
   <p:notesMasterIdLst>
-    <p:notesMasterId r:id="rId22"/>
+    <p:notesMasterId r:id="rId23"/>
   </p:notesMasterIdLst>
   <p:handoutMasterIdLst>
-    <p:handoutMasterId r:id="rId23"/>
+    <p:handoutMasterId r:id="rId24"/>
   </p:handoutMasterIdLst>
   <p:sldIdLst>
     <p:sldId id="256" r:id="rId2"/>
@@ -30,7 +30,8 @@
     <p:sldId id="270" r:id="rId18"/>
     <p:sldId id="271" r:id="rId19"/>
     <p:sldId id="272" r:id="rId20"/>
-    <p:sldId id="273" r:id="rId21"/>
+    <p:sldId id="276" r:id="rId21"/>
+    <p:sldId id="273" r:id="rId22"/>
   </p:sldIdLst>
   <p:sldSz cx="12192000" cy="6858000"/>
   <p:notesSz cx="9144000" cy="6858000"/>
@@ -6154,7 +6155,7 @@
           <p:cNvPr id="2" name="Title 1">
             <a:extLst>
               <a:ext uri="{FF2B5EF4-FFF2-40B4-BE49-F238E27FC236}">
-                <a16:creationId xmlns:a16="http://schemas.microsoft.com/office/drawing/2014/main" id="{30187F34-DCEF-0E4B-867D-7CDDA1253D3E}"/>
+                <a16:creationId xmlns:a16="http://schemas.microsoft.com/office/drawing/2014/main" id="{42EBF7B7-227D-8642-8837-F829BF759D36}"/>
               </a:ext>
             </a:extLst>
           </p:cNvPr>
@@ -6165,27 +6166,14 @@
             <p:ph type="title"/>
           </p:nvPr>
         </p:nvSpPr>
-        <p:spPr>
-          <a:xfrm>
-            <a:off x="519289" y="365125"/>
-            <a:ext cx="10834511" cy="1325563"/>
-          </a:xfrm>
-        </p:spPr>
+        <p:spPr/>
         <p:txBody>
           <a:bodyPr/>
           <a:lstStyle/>
           <a:p>
             <a:r>
               <a:rPr lang="en-US" dirty="0"/>
-              <a:t>Launch </a:t>
-            </a:r>
-            <a:r>
-              <a:rPr lang="en-US" dirty="0" err="1"/>
-              <a:t>Jupyter</a:t>
-            </a:r>
-            <a:r>
-              <a:rPr lang="en-US" dirty="0"/>
-              <a:t> Lab (notebooks)</a:t>
+              <a:t>Passing arguments to python scripts</a:t>
             </a:r>
           </a:p>
         </p:txBody>
@@ -6195,7 +6183,7 @@
           <p:cNvPr id="3" name="Content Placeholder 2">
             <a:extLst>
               <a:ext uri="{FF2B5EF4-FFF2-40B4-BE49-F238E27FC236}">
-                <a16:creationId xmlns:a16="http://schemas.microsoft.com/office/drawing/2014/main" id="{C0629AE9-A7BF-DD44-81CE-502DD1C7EAC5}"/>
+                <a16:creationId xmlns:a16="http://schemas.microsoft.com/office/drawing/2014/main" id="{33230E38-C6D7-5545-AA44-3D76DDDF8C14}"/>
               </a:ext>
             </a:extLst>
           </p:cNvPr>
@@ -6208,8 +6196,8 @@
         </p:nvSpPr>
         <p:spPr>
           <a:xfrm>
-            <a:off x="838200" y="1690688"/>
-            <a:ext cx="10515600" cy="4486275"/>
+            <a:off x="838200" y="1580444"/>
+            <a:ext cx="10515600" cy="4596519"/>
           </a:xfrm>
         </p:spPr>
         <p:txBody>
@@ -6218,39 +6206,21 @@
           <a:p>
             <a:r>
               <a:rPr lang="en-US" dirty="0"/>
-              <a:t>A “notebook” is a sequence of “cells” that can</a:t>
-            </a:r>
-            <a:br>
-              <a:rPr lang="en-US" dirty="0"/>
-            </a:br>
-            <a:r>
-              <a:rPr lang="en-US" dirty="0"/>
-              <a:t>contain code, output, notes, etc.  </a:t>
-            </a:r>
-          </a:p>
-          <a:p>
-            <a:r>
-              <a:rPr lang="en-US" dirty="0"/>
-              <a:t>A notebook is stored like a script into a </a:t>
-            </a:r>
-            <a:r>
-              <a:rPr lang="en-US" dirty="0" err="1"/>
-              <a:t>file.ipynb</a:t>
-            </a:r>
-            <a:r>
-              <a:rPr lang="en-US" dirty="0"/>
-              <a:t> file not .</a:t>
-            </a:r>
-            <a:r>
-              <a:rPr lang="en-US" dirty="0" err="1"/>
-              <a:t>py</a:t>
-            </a:r>
-            <a:endParaRPr lang="en-US" dirty="0"/>
-          </a:p>
-          <a:p>
-            <a:r>
-              <a:rPr lang="en-US" dirty="0"/>
-              <a:t>A server that we launch from the command line starts up a Python interpreter and connects to a browser window where we can makes notes and execute code snippets</a:t>
+              <a:t>Sometimes python scripts need information about their environment, such as where to find data files</a:t>
+            </a:r>
+          </a:p>
+          <a:p>
+            <a:r>
+              <a:rPr lang="en-US" dirty="0"/>
+              <a:t>The executing script can access the arguments from the command line used to launch using </a:t>
+            </a:r>
+            <a:r>
+              <a:rPr lang="en-US" b="1" dirty="0"/>
+              <a:t>sys</a:t>
+            </a:r>
+            <a:r>
+              <a:rPr lang="en-US" dirty="0"/>
+              <a:t> package:</a:t>
             </a:r>
           </a:p>
         </p:txBody>
@@ -6260,7 +6230,7 @@
           <p:cNvPr id="5" name="Picture 4">
             <a:extLst>
               <a:ext uri="{FF2B5EF4-FFF2-40B4-BE49-F238E27FC236}">
-                <a16:creationId xmlns:a16="http://schemas.microsoft.com/office/drawing/2014/main" id="{34578368-6786-8C4B-A0D9-46FC941BCA48}"/>
+                <a16:creationId xmlns:a16="http://schemas.microsoft.com/office/drawing/2014/main" id="{4D8DDF24-93EB-4240-B76C-700EB9577934}"/>
               </a:ext>
             </a:extLst>
           </p:cNvPr>
@@ -6277,6 +6247,172 @@
         </p:blipFill>
         <p:spPr>
           <a:xfrm>
+            <a:off x="3587042" y="3636434"/>
+            <a:ext cx="4890637" cy="2675466"/>
+          </a:xfrm>
+          <a:prstGeom prst="rect">
+            <a:avLst/>
+          </a:prstGeom>
+        </p:spPr>
+      </p:pic>
+    </p:spTree>
+    <p:extLst>
+      <p:ext uri="{BB962C8B-B14F-4D97-AF65-F5344CB8AC3E}">
+        <p14:creationId xmlns:p14="http://schemas.microsoft.com/office/powerpoint/2010/main" val="1330563112"/>
+      </p:ext>
+    </p:extLst>
+  </p:cSld>
+  <p:clrMapOvr>
+    <a:masterClrMapping/>
+  </p:clrMapOvr>
+</p:sld>
+</file>
+
+<file path=ppt/slides/slide21.xml><?xml version="1.0" encoding="utf-8"?>
+<p:sld xmlns:a="http://schemas.openxmlformats.org/drawingml/2006/main" xmlns:r="http://schemas.openxmlformats.org/officeDocument/2006/relationships" xmlns:p="http://schemas.openxmlformats.org/presentationml/2006/main">
+  <p:cSld>
+    <p:spTree>
+      <p:nvGrpSpPr>
+        <p:cNvPr id="1" name=""/>
+        <p:cNvGrpSpPr/>
+        <p:nvPr/>
+      </p:nvGrpSpPr>
+      <p:grpSpPr>
+        <a:xfrm>
+          <a:off x="0" y="0"/>
+          <a:ext cx="0" cy="0"/>
+          <a:chOff x="0" y="0"/>
+          <a:chExt cx="0" cy="0"/>
+        </a:xfrm>
+      </p:grpSpPr>
+      <p:sp>
+        <p:nvSpPr>
+          <p:cNvPr id="2" name="Title 1">
+            <a:extLst>
+              <a:ext uri="{FF2B5EF4-FFF2-40B4-BE49-F238E27FC236}">
+                <a16:creationId xmlns:a16="http://schemas.microsoft.com/office/drawing/2014/main" id="{30187F34-DCEF-0E4B-867D-7CDDA1253D3E}"/>
+              </a:ext>
+            </a:extLst>
+          </p:cNvPr>
+          <p:cNvSpPr>
+            <a:spLocks noGrp="1"/>
+          </p:cNvSpPr>
+          <p:nvPr>
+            <p:ph type="title"/>
+          </p:nvPr>
+        </p:nvSpPr>
+        <p:spPr>
+          <a:xfrm>
+            <a:off x="519289" y="365125"/>
+            <a:ext cx="10834511" cy="1325563"/>
+          </a:xfrm>
+        </p:spPr>
+        <p:txBody>
+          <a:bodyPr/>
+          <a:lstStyle/>
+          <a:p>
+            <a:r>
+              <a:rPr lang="en-US" dirty="0"/>
+              <a:t>Launch </a:t>
+            </a:r>
+            <a:r>
+              <a:rPr lang="en-US" dirty="0" err="1"/>
+              <a:t>Jupyter</a:t>
+            </a:r>
+            <a:r>
+              <a:rPr lang="en-US" dirty="0"/>
+              <a:t> Lab (notebooks)</a:t>
+            </a:r>
+          </a:p>
+        </p:txBody>
+      </p:sp>
+      <p:sp>
+        <p:nvSpPr>
+          <p:cNvPr id="3" name="Content Placeholder 2">
+            <a:extLst>
+              <a:ext uri="{FF2B5EF4-FFF2-40B4-BE49-F238E27FC236}">
+                <a16:creationId xmlns:a16="http://schemas.microsoft.com/office/drawing/2014/main" id="{C0629AE9-A7BF-DD44-81CE-502DD1C7EAC5}"/>
+              </a:ext>
+            </a:extLst>
+          </p:cNvPr>
+          <p:cNvSpPr>
+            <a:spLocks noGrp="1"/>
+          </p:cNvSpPr>
+          <p:nvPr>
+            <p:ph idx="1"/>
+          </p:nvPr>
+        </p:nvSpPr>
+        <p:spPr>
+          <a:xfrm>
+            <a:off x="838200" y="1690688"/>
+            <a:ext cx="10515600" cy="4486275"/>
+          </a:xfrm>
+        </p:spPr>
+        <p:txBody>
+          <a:bodyPr/>
+          <a:lstStyle/>
+          <a:p>
+            <a:r>
+              <a:rPr lang="en-US" dirty="0"/>
+              <a:t>A “notebook” is a sequence of “cells” that can</a:t>
+            </a:r>
+            <a:br>
+              <a:rPr lang="en-US" dirty="0"/>
+            </a:br>
+            <a:r>
+              <a:rPr lang="en-US" dirty="0"/>
+              <a:t>contain code, output, notes, etc.  </a:t>
+            </a:r>
+          </a:p>
+          <a:p>
+            <a:r>
+              <a:rPr lang="en-US" dirty="0"/>
+              <a:t>A notebook is stored like a script into a </a:t>
+            </a:r>
+            <a:r>
+              <a:rPr lang="en-US" dirty="0" err="1"/>
+              <a:t>file.ipynb</a:t>
+            </a:r>
+            <a:r>
+              <a:rPr lang="en-US" dirty="0"/>
+              <a:t> file not .</a:t>
+            </a:r>
+            <a:r>
+              <a:rPr lang="en-US" dirty="0" err="1"/>
+              <a:t>py</a:t>
+            </a:r>
+            <a:endParaRPr lang="en-US" dirty="0"/>
+          </a:p>
+          <a:p>
+            <a:r>
+              <a:rPr lang="en-US" dirty="0"/>
+              <a:t>A server that we launch from the command line starts up a Python interpreter and connects to a browser window where we can makes notes and execute code snippets interactively</a:t>
+            </a:r>
+          </a:p>
+        </p:txBody>
+      </p:sp>
+      <p:pic>
+        <p:nvPicPr>
+          <p:cNvPr id="5" name="Picture 4">
+            <a:extLst>
+              <a:ext uri="{FF2B5EF4-FFF2-40B4-BE49-F238E27FC236}">
+                <a16:creationId xmlns:a16="http://schemas.microsoft.com/office/drawing/2014/main" id="{34578368-6786-8C4B-A0D9-46FC941BCA48}"/>
+              </a:ext>
+            </a:extLst>
+          </p:cNvPr>
+          <p:cNvPicPr>
+            <a:picLocks noChangeAspect="1"/>
+          </p:cNvPicPr>
+          <p:nvPr/>
+        </p:nvPicPr>
+        <p:blipFill>
+          <a:blip r:embed="rId2"/>
+          <a:stretch>
+            <a:fillRect/>
+          </a:stretch>
+        </p:blipFill>
+        <p:spPr>
+          <a:xfrm>
             <a:off x="79023" y="4552705"/>
             <a:ext cx="12028534" cy="1244756"/>
           </a:xfrm>
@@ -6307,7 +6443,7 @@
         </p:blipFill>
         <p:spPr>
           <a:xfrm>
-            <a:off x="9042399" y="478484"/>
+            <a:off x="8918221" y="365125"/>
             <a:ext cx="3007608" cy="2005072"/>
           </a:xfrm>
           <a:prstGeom prst="rect">

--- a/slides/terminal.pptx
+++ b/slides/terminal.pptx
@@ -226,7 +226,7 @@
           <a:p>
             <a:fld id="{8A1B613A-EFF1-404F-BEE8-EFAE84A4E5E2}" type="datetimeFigureOut">
               <a:rPr lang="en-US" smtClean="0"/>
-              <a:t>6/8/21</a:t>
+              <a:t>6/9/21</a:t>
             </a:fld>
             <a:endParaRPr lang="en-US"/>
           </a:p>
@@ -391,7 +391,7 @@
           <a:p>
             <a:fld id="{690847EA-AC25-3D4E-89E1-FD3F6A9702B6}" type="datetimeFigureOut">
               <a:rPr lang="en-US" smtClean="0"/>
-              <a:t>6/8/21</a:t>
+              <a:t>6/9/21</a:t>
             </a:fld>
             <a:endParaRPr lang="en-US"/>
           </a:p>
@@ -805,7 +805,7 @@
           <a:p>
             <a:fld id="{BE5295ED-3BAF-1140-8495-3D368771D6B1}" type="datetimeFigureOut">
               <a:rPr lang="en-US" smtClean="0"/>
-              <a:t>6/8/21</a:t>
+              <a:t>6/9/21</a:t>
             </a:fld>
             <a:endParaRPr lang="en-US"/>
           </a:p>
@@ -1003,7 +1003,7 @@
           <a:p>
             <a:fld id="{BE5295ED-3BAF-1140-8495-3D368771D6B1}" type="datetimeFigureOut">
               <a:rPr lang="en-US" smtClean="0"/>
-              <a:t>6/8/21</a:t>
+              <a:t>6/9/21</a:t>
             </a:fld>
             <a:endParaRPr lang="en-US"/>
           </a:p>
@@ -1211,7 +1211,7 @@
           <a:p>
             <a:fld id="{BE5295ED-3BAF-1140-8495-3D368771D6B1}" type="datetimeFigureOut">
               <a:rPr lang="en-US" smtClean="0"/>
-              <a:t>6/8/21</a:t>
+              <a:t>6/9/21</a:t>
             </a:fld>
             <a:endParaRPr lang="en-US"/>
           </a:p>
@@ -1409,7 +1409,7 @@
           <a:p>
             <a:fld id="{BE5295ED-3BAF-1140-8495-3D368771D6B1}" type="datetimeFigureOut">
               <a:rPr lang="en-US" smtClean="0"/>
-              <a:t>6/8/21</a:t>
+              <a:t>6/9/21</a:t>
             </a:fld>
             <a:endParaRPr lang="en-US"/>
           </a:p>
@@ -1684,7 +1684,7 @@
           <a:p>
             <a:fld id="{BE5295ED-3BAF-1140-8495-3D368771D6B1}" type="datetimeFigureOut">
               <a:rPr lang="en-US" smtClean="0"/>
-              <a:t>6/8/21</a:t>
+              <a:t>6/9/21</a:t>
             </a:fld>
             <a:endParaRPr lang="en-US"/>
           </a:p>
@@ -1949,7 +1949,7 @@
           <a:p>
             <a:fld id="{BE5295ED-3BAF-1140-8495-3D368771D6B1}" type="datetimeFigureOut">
               <a:rPr lang="en-US" smtClean="0"/>
-              <a:t>6/8/21</a:t>
+              <a:t>6/9/21</a:t>
             </a:fld>
             <a:endParaRPr lang="en-US"/>
           </a:p>
@@ -2361,7 +2361,7 @@
           <a:p>
             <a:fld id="{BE5295ED-3BAF-1140-8495-3D368771D6B1}" type="datetimeFigureOut">
               <a:rPr lang="en-US" smtClean="0"/>
-              <a:t>6/8/21</a:t>
+              <a:t>6/9/21</a:t>
             </a:fld>
             <a:endParaRPr lang="en-US"/>
           </a:p>
@@ -2502,7 +2502,7 @@
           <a:p>
             <a:fld id="{BE5295ED-3BAF-1140-8495-3D368771D6B1}" type="datetimeFigureOut">
               <a:rPr lang="en-US" smtClean="0"/>
-              <a:t>6/8/21</a:t>
+              <a:t>6/9/21</a:t>
             </a:fld>
             <a:endParaRPr lang="en-US"/>
           </a:p>
@@ -2615,7 +2615,7 @@
           <a:p>
             <a:fld id="{BE5295ED-3BAF-1140-8495-3D368771D6B1}" type="datetimeFigureOut">
               <a:rPr lang="en-US" smtClean="0"/>
-              <a:t>6/8/21</a:t>
+              <a:t>6/9/21</a:t>
             </a:fld>
             <a:endParaRPr lang="en-US"/>
           </a:p>
@@ -2926,7 +2926,7 @@
           <a:p>
             <a:fld id="{BE5295ED-3BAF-1140-8495-3D368771D6B1}" type="datetimeFigureOut">
               <a:rPr lang="en-US" smtClean="0"/>
-              <a:t>6/8/21</a:t>
+              <a:t>6/9/21</a:t>
             </a:fld>
             <a:endParaRPr lang="en-US"/>
           </a:p>
@@ -3217,7 +3217,7 @@
           <a:p>
             <a:fld id="{BE5295ED-3BAF-1140-8495-3D368771D6B1}" type="datetimeFigureOut">
               <a:rPr lang="en-US" smtClean="0"/>
-              <a:t>6/8/21</a:t>
+              <a:t>6/9/21</a:t>
             </a:fld>
             <a:endParaRPr lang="en-US"/>
           </a:p>
@@ -3458,7 +3458,7 @@
           <a:p>
             <a:fld id="{BE5295ED-3BAF-1140-8495-3D368771D6B1}" type="datetimeFigureOut">
               <a:rPr lang="en-US" smtClean="0"/>
-              <a:t>6/8/21</a:t>
+              <a:t>6/9/21</a:t>
             </a:fld>
             <a:endParaRPr lang="en-US"/>
           </a:p>
@@ -6255,6 +6255,46 @@
           </a:prstGeom>
         </p:spPr>
       </p:pic>
+      <p:sp>
+        <p:nvSpPr>
+          <p:cNvPr id="4" name="TextBox 3">
+            <a:extLst>
+              <a:ext uri="{FF2B5EF4-FFF2-40B4-BE49-F238E27FC236}">
+                <a16:creationId xmlns:a16="http://schemas.microsoft.com/office/drawing/2014/main" id="{4B9D05BE-59AC-1548-9E46-396A6A96481F}"/>
+              </a:ext>
+            </a:extLst>
+          </p:cNvPr>
+          <p:cNvSpPr txBox="1"/>
+          <p:nvPr/>
+        </p:nvSpPr>
+        <p:spPr>
+          <a:xfrm>
+            <a:off x="9311241" y="3977025"/>
+            <a:ext cx="2320413" cy="1754326"/>
+          </a:xfrm>
+          <a:prstGeom prst="rect">
+            <a:avLst/>
+          </a:prstGeom>
+          <a:noFill/>
+        </p:spPr>
+        <p:txBody>
+          <a:bodyPr wrap="square" rtlCol="0">
+            <a:spAutoFit/>
+          </a:bodyPr>
+          <a:lstStyle/>
+          <a:p>
+            <a:r>
+              <a:rPr lang="en-US" dirty="0"/>
+              <a:t>This is a very good reason why you should never use spaces in your directory or </a:t>
+            </a:r>
+            <a:r>
+              <a:rPr lang="en-US"/>
+              <a:t>file names</a:t>
+            </a:r>
+            <a:endParaRPr lang="en-US" dirty="0"/>
+          </a:p>
+        </p:txBody>
+      </p:sp>
     </p:spTree>
     <p:extLst>
       <p:ext uri="{BB962C8B-B14F-4D97-AF65-F5344CB8AC3E}">

--- a/slides/terminal.pptx
+++ b/slides/terminal.pptx
@@ -5,10 +5,10 @@
     <p:sldMasterId id="2147483672" r:id="rId1"/>
   </p:sldMasterIdLst>
   <p:notesMasterIdLst>
-    <p:notesMasterId r:id="rId23"/>
+    <p:notesMasterId r:id="rId25"/>
   </p:notesMasterIdLst>
   <p:handoutMasterIdLst>
-    <p:handoutMasterId r:id="rId24"/>
+    <p:handoutMasterId r:id="rId26"/>
   </p:handoutMasterIdLst>
   <p:sldIdLst>
     <p:sldId id="256" r:id="rId2"/>
@@ -27,11 +27,13 @@
     <p:sldId id="268" r:id="rId15"/>
     <p:sldId id="269" r:id="rId16"/>
     <p:sldId id="274" r:id="rId17"/>
-    <p:sldId id="270" r:id="rId18"/>
-    <p:sldId id="271" r:id="rId19"/>
-    <p:sldId id="272" r:id="rId20"/>
-    <p:sldId id="276" r:id="rId21"/>
-    <p:sldId id="273" r:id="rId22"/>
+    <p:sldId id="278" r:id="rId18"/>
+    <p:sldId id="270" r:id="rId19"/>
+    <p:sldId id="271" r:id="rId20"/>
+    <p:sldId id="272" r:id="rId21"/>
+    <p:sldId id="277" r:id="rId22"/>
+    <p:sldId id="276" r:id="rId23"/>
+    <p:sldId id="273" r:id="rId24"/>
   </p:sldIdLst>
   <p:sldSz cx="12192000" cy="6858000"/>
   <p:notesSz cx="9144000" cy="6858000"/>
@@ -226,7 +228,7 @@
           <a:p>
             <a:fld id="{8A1B613A-EFF1-404F-BEE8-EFAE84A4E5E2}" type="datetimeFigureOut">
               <a:rPr lang="en-US" smtClean="0"/>
-              <a:t>6/9/21</a:t>
+              <a:t>6/10/21</a:t>
             </a:fld>
             <a:endParaRPr lang="en-US"/>
           </a:p>
@@ -391,7 +393,7 @@
           <a:p>
             <a:fld id="{690847EA-AC25-3D4E-89E1-FD3F6A9702B6}" type="datetimeFigureOut">
               <a:rPr lang="en-US" smtClean="0"/>
-              <a:t>6/9/21</a:t>
+              <a:t>6/10/21</a:t>
             </a:fld>
             <a:endParaRPr lang="en-US"/>
           </a:p>
@@ -805,7 +807,7 @@
           <a:p>
             <a:fld id="{BE5295ED-3BAF-1140-8495-3D368771D6B1}" type="datetimeFigureOut">
               <a:rPr lang="en-US" smtClean="0"/>
-              <a:t>6/9/21</a:t>
+              <a:t>6/10/21</a:t>
             </a:fld>
             <a:endParaRPr lang="en-US"/>
           </a:p>
@@ -1003,7 +1005,7 @@
           <a:p>
             <a:fld id="{BE5295ED-3BAF-1140-8495-3D368771D6B1}" type="datetimeFigureOut">
               <a:rPr lang="en-US" smtClean="0"/>
-              <a:t>6/9/21</a:t>
+              <a:t>6/10/21</a:t>
             </a:fld>
             <a:endParaRPr lang="en-US"/>
           </a:p>
@@ -1211,7 +1213,7 @@
           <a:p>
             <a:fld id="{BE5295ED-3BAF-1140-8495-3D368771D6B1}" type="datetimeFigureOut">
               <a:rPr lang="en-US" smtClean="0"/>
-              <a:t>6/9/21</a:t>
+              <a:t>6/10/21</a:t>
             </a:fld>
             <a:endParaRPr lang="en-US"/>
           </a:p>
@@ -1409,7 +1411,7 @@
           <a:p>
             <a:fld id="{BE5295ED-3BAF-1140-8495-3D368771D6B1}" type="datetimeFigureOut">
               <a:rPr lang="en-US" smtClean="0"/>
-              <a:t>6/9/21</a:t>
+              <a:t>6/10/21</a:t>
             </a:fld>
             <a:endParaRPr lang="en-US"/>
           </a:p>
@@ -1684,7 +1686,7 @@
           <a:p>
             <a:fld id="{BE5295ED-3BAF-1140-8495-3D368771D6B1}" type="datetimeFigureOut">
               <a:rPr lang="en-US" smtClean="0"/>
-              <a:t>6/9/21</a:t>
+              <a:t>6/10/21</a:t>
             </a:fld>
             <a:endParaRPr lang="en-US"/>
           </a:p>
@@ -1949,7 +1951,7 @@
           <a:p>
             <a:fld id="{BE5295ED-3BAF-1140-8495-3D368771D6B1}" type="datetimeFigureOut">
               <a:rPr lang="en-US" smtClean="0"/>
-              <a:t>6/9/21</a:t>
+              <a:t>6/10/21</a:t>
             </a:fld>
             <a:endParaRPr lang="en-US"/>
           </a:p>
@@ -2361,7 +2363,7 @@
           <a:p>
             <a:fld id="{BE5295ED-3BAF-1140-8495-3D368771D6B1}" type="datetimeFigureOut">
               <a:rPr lang="en-US" smtClean="0"/>
-              <a:t>6/9/21</a:t>
+              <a:t>6/10/21</a:t>
             </a:fld>
             <a:endParaRPr lang="en-US"/>
           </a:p>
@@ -2502,7 +2504,7 @@
           <a:p>
             <a:fld id="{BE5295ED-3BAF-1140-8495-3D368771D6B1}" type="datetimeFigureOut">
               <a:rPr lang="en-US" smtClean="0"/>
-              <a:t>6/9/21</a:t>
+              <a:t>6/10/21</a:t>
             </a:fld>
             <a:endParaRPr lang="en-US"/>
           </a:p>
@@ -2615,7 +2617,7 @@
           <a:p>
             <a:fld id="{BE5295ED-3BAF-1140-8495-3D368771D6B1}" type="datetimeFigureOut">
               <a:rPr lang="en-US" smtClean="0"/>
-              <a:t>6/9/21</a:t>
+              <a:t>6/10/21</a:t>
             </a:fld>
             <a:endParaRPr lang="en-US"/>
           </a:p>
@@ -2926,7 +2928,7 @@
           <a:p>
             <a:fld id="{BE5295ED-3BAF-1140-8495-3D368771D6B1}" type="datetimeFigureOut">
               <a:rPr lang="en-US" smtClean="0"/>
-              <a:t>6/9/21</a:t>
+              <a:t>6/10/21</a:t>
             </a:fld>
             <a:endParaRPr lang="en-US"/>
           </a:p>
@@ -3217,7 +3219,7 @@
           <a:p>
             <a:fld id="{BE5295ED-3BAF-1140-8495-3D368771D6B1}" type="datetimeFigureOut">
               <a:rPr lang="en-US" smtClean="0"/>
-              <a:t>6/9/21</a:t>
+              <a:t>6/10/21</a:t>
             </a:fld>
             <a:endParaRPr lang="en-US"/>
           </a:p>
@@ -3458,7 +3460,7 @@
           <a:p>
             <a:fld id="{BE5295ED-3BAF-1140-8495-3D368771D6B1}" type="datetimeFigureOut">
               <a:rPr lang="en-US" smtClean="0"/>
-              <a:t>6/9/21</a:t>
+              <a:t>6/10/21</a:t>
             </a:fld>
             <a:endParaRPr lang="en-US"/>
           </a:p>
@@ -5290,7 +5292,7 @@
           <p:cNvPr id="2" name="Title 1">
             <a:extLst>
               <a:ext uri="{FF2B5EF4-FFF2-40B4-BE49-F238E27FC236}">
-                <a16:creationId xmlns:a16="http://schemas.microsoft.com/office/drawing/2014/main" id="{AEAC0E36-C876-1946-BC3D-7AB26359137F}"/>
+                <a16:creationId xmlns:a16="http://schemas.microsoft.com/office/drawing/2014/main" id="{28D26CF3-AF87-434D-A94E-A572D44C0C22}"/>
               </a:ext>
             </a:extLst>
           </p:cNvPr>
@@ -5308,25 +5310,25 @@
           <a:p>
             <a:r>
               <a:rPr lang="en-US" dirty="0"/>
-              <a:t>Python-related commands</a:t>
-            </a:r>
-          </a:p>
-        </p:txBody>
-      </p:sp>
-      <p:sp>
-        <p:nvSpPr>
-          <p:cNvPr id="3" name="Text Placeholder 2">
-            <a:extLst>
-              <a:ext uri="{FF2B5EF4-FFF2-40B4-BE49-F238E27FC236}">
-                <a16:creationId xmlns:a16="http://schemas.microsoft.com/office/drawing/2014/main" id="{0163B098-4CDD-DA43-9E15-F690B3B3E770}"/>
-              </a:ext>
-            </a:extLst>
-          </p:cNvPr>
-          <p:cNvSpPr>
-            <a:spLocks noGrp="1"/>
-          </p:cNvSpPr>
-          <p:nvPr>
-            <p:ph type="body" idx="1"/>
+              <a:t>Installing more terminal commands</a:t>
+            </a:r>
+          </a:p>
+        </p:txBody>
+      </p:sp>
+      <p:sp>
+        <p:nvSpPr>
+          <p:cNvPr id="3" name="Content Placeholder 2">
+            <a:extLst>
+              <a:ext uri="{FF2B5EF4-FFF2-40B4-BE49-F238E27FC236}">
+                <a16:creationId xmlns:a16="http://schemas.microsoft.com/office/drawing/2014/main" id="{5C977A8D-A1FA-464E-BB7F-DC7A38333415}"/>
+              </a:ext>
+            </a:extLst>
+          </p:cNvPr>
+          <p:cNvSpPr>
+            <a:spLocks noGrp="1"/>
+          </p:cNvSpPr>
+          <p:nvPr>
+            <p:ph idx="1"/>
           </p:nvPr>
         </p:nvSpPr>
         <p:spPr/>
@@ -5334,14 +5336,78 @@
           <a:bodyPr/>
           <a:lstStyle/>
           <a:p>
-            <a:endParaRPr lang="en-US"/>
+            <a:r>
+              <a:rPr lang="en-US" dirty="0"/>
+              <a:t>There are lots of useful UNIX programs available that are not currently installed on your machine</a:t>
+            </a:r>
+          </a:p>
+          <a:p>
+            <a:r>
+              <a:rPr lang="en-US" dirty="0"/>
+              <a:t>The </a:t>
+            </a:r>
+            <a:r>
+              <a:rPr lang="en-US" b="1" dirty="0">
+                <a:hlinkClick r:id="rId2"/>
+              </a:rPr>
+              <a:t>homebrew</a:t>
+            </a:r>
+            <a:r>
+              <a:rPr lang="en-US" dirty="0"/>
+              <a:t> program installs new code for you</a:t>
+            </a:r>
+          </a:p>
+          <a:p>
+            <a:r>
+              <a:rPr lang="en-US" dirty="0"/>
+              <a:t>For example, we’ll likely install a Python library that requires an open source graphing tool called </a:t>
+            </a:r>
+            <a:r>
+              <a:rPr lang="en-US" dirty="0" err="1"/>
+              <a:t>graphviz</a:t>
+            </a:r>
+            <a:r>
+              <a:rPr lang="en-US" dirty="0"/>
+              <a:t>:</a:t>
+            </a:r>
+            <a:br>
+              <a:rPr lang="en-US" dirty="0"/>
+            </a:br>
+            <a:br>
+              <a:rPr lang="en-US" dirty="0"/>
+            </a:br>
+            <a:r>
+              <a:rPr lang="en-US" dirty="0">
+                <a:latin typeface="Consolas" panose="020B0609020204030204" pitchFamily="49" charset="0"/>
+                <a:cs typeface="Consolas" panose="020B0609020204030204" pitchFamily="49" charset="0"/>
+              </a:rPr>
+              <a:t>$ </a:t>
+            </a:r>
+            <a:r>
+              <a:rPr lang="en-US" b="1" dirty="0">
+                <a:latin typeface="Consolas" panose="020B0609020204030204" pitchFamily="49" charset="0"/>
+                <a:cs typeface="Consolas" panose="020B0609020204030204" pitchFamily="49" charset="0"/>
+              </a:rPr>
+              <a:t>brew install </a:t>
+            </a:r>
+            <a:r>
+              <a:rPr lang="en-US" b="1" dirty="0" err="1">
+                <a:latin typeface="Consolas" panose="020B0609020204030204" pitchFamily="49" charset="0"/>
+                <a:cs typeface="Consolas" panose="020B0609020204030204" pitchFamily="49" charset="0"/>
+              </a:rPr>
+              <a:t>graphviz</a:t>
+            </a:r>
+            <a:endParaRPr lang="en-US" b="1" dirty="0">
+              <a:latin typeface="Consolas" panose="020B0609020204030204" pitchFamily="49" charset="0"/>
+              <a:cs typeface="Consolas" panose="020B0609020204030204" pitchFamily="49" charset="0"/>
+            </a:endParaRPr>
           </a:p>
         </p:txBody>
       </p:sp>
     </p:spTree>
     <p:extLst>
       <p:ext uri="{BB962C8B-B14F-4D97-AF65-F5344CB8AC3E}">
-        <p14:creationId xmlns:p14="http://schemas.microsoft.com/office/powerpoint/2010/main" val="2583017535"/>
+        <p14:creationId xmlns:p14="http://schemas.microsoft.com/office/powerpoint/2010/main" val="714868536"/>
       </p:ext>
     </p:extLst>
   </p:cSld>
@@ -5373,7 +5439,7 @@
           <p:cNvPr id="2" name="Title 1">
             <a:extLst>
               <a:ext uri="{FF2B5EF4-FFF2-40B4-BE49-F238E27FC236}">
-                <a16:creationId xmlns:a16="http://schemas.microsoft.com/office/drawing/2014/main" id="{DA5CC27F-826F-294F-AF48-144951905E9E}"/>
+                <a16:creationId xmlns:a16="http://schemas.microsoft.com/office/drawing/2014/main" id="{AEAC0E36-C876-1946-BC3D-7AB26359137F}"/>
               </a:ext>
             </a:extLst>
           </p:cNvPr>
@@ -5391,243 +5457,40 @@
           <a:p>
             <a:r>
               <a:rPr lang="en-US" dirty="0"/>
-              <a:t>Interactive Python console from terminal</a:t>
-            </a:r>
-          </a:p>
-        </p:txBody>
-      </p:sp>
-      <p:sp>
-        <p:nvSpPr>
-          <p:cNvPr id="3" name="Content Placeholder 2">
-            <a:extLst>
-              <a:ext uri="{FF2B5EF4-FFF2-40B4-BE49-F238E27FC236}">
-                <a16:creationId xmlns:a16="http://schemas.microsoft.com/office/drawing/2014/main" id="{EA727D31-256D-A246-804F-AF29CDB9C90F}"/>
-              </a:ext>
-            </a:extLst>
-          </p:cNvPr>
-          <p:cNvSpPr>
-            <a:spLocks noGrp="1"/>
-          </p:cNvSpPr>
-          <p:nvPr>
-            <p:ph idx="1"/>
-          </p:nvPr>
-        </p:nvSpPr>
-        <p:spPr>
-          <a:xfrm>
-            <a:off x="838200" y="1690688"/>
-            <a:ext cx="10515600" cy="4486275"/>
-          </a:xfrm>
-        </p:spPr>
+              <a:t>Python-related commands</a:t>
+            </a:r>
+          </a:p>
+        </p:txBody>
+      </p:sp>
+      <p:sp>
+        <p:nvSpPr>
+          <p:cNvPr id="3" name="Text Placeholder 2">
+            <a:extLst>
+              <a:ext uri="{FF2B5EF4-FFF2-40B4-BE49-F238E27FC236}">
+                <a16:creationId xmlns:a16="http://schemas.microsoft.com/office/drawing/2014/main" id="{0163B098-4CDD-DA43-9E15-F690B3B3E770}"/>
+              </a:ext>
+            </a:extLst>
+          </p:cNvPr>
+          <p:cNvSpPr>
+            <a:spLocks noGrp="1"/>
+          </p:cNvSpPr>
+          <p:nvPr>
+            <p:ph type="body" idx="1"/>
+          </p:nvPr>
+        </p:nvSpPr>
+        <p:spPr/>
         <p:txBody>
           <a:bodyPr/>
           <a:lstStyle/>
           <a:p>
-            <a:r>
-              <a:rPr lang="en-US" dirty="0" err="1"/>
-              <a:t>Pythontutor</a:t>
-            </a:r>
-            <a:r>
-              <a:rPr lang="en-US" dirty="0"/>
-              <a:t> gives us a text box to</a:t>
-            </a:r>
-            <a:br>
-              <a:rPr lang="en-US" dirty="0"/>
-            </a:br>
-            <a:r>
-              <a:rPr lang="en-US" dirty="0"/>
-              <a:t>edit code and a run button to</a:t>
-            </a:r>
-            <a:br>
-              <a:rPr lang="en-US" dirty="0"/>
-            </a:br>
-            <a:r>
-              <a:rPr lang="en-US" dirty="0"/>
-              <a:t>visualize the execution</a:t>
-            </a:r>
-          </a:p>
-          <a:p>
-            <a:r>
-              <a:rPr lang="en-US" dirty="0"/>
-              <a:t>Can also execute Python interactively line by line from the shell</a:t>
-            </a:r>
-          </a:p>
-        </p:txBody>
-      </p:sp>
-      <p:pic>
-        <p:nvPicPr>
-          <p:cNvPr id="5" name="Picture 4">
-            <a:extLst>
-              <a:ext uri="{FF2B5EF4-FFF2-40B4-BE49-F238E27FC236}">
-                <a16:creationId xmlns:a16="http://schemas.microsoft.com/office/drawing/2014/main" id="{9AB4F975-5076-2F47-BA0B-DD4C32CF6CD6}"/>
-              </a:ext>
-            </a:extLst>
-          </p:cNvPr>
-          <p:cNvPicPr>
-            <a:picLocks noChangeAspect="1"/>
-          </p:cNvPicPr>
-          <p:nvPr/>
-        </p:nvPicPr>
-        <p:blipFill>
-          <a:blip r:embed="rId2"/>
-          <a:stretch>
-            <a:fillRect/>
-          </a:stretch>
-        </p:blipFill>
-        <p:spPr>
-          <a:xfrm>
-            <a:off x="6608845" y="1785541"/>
-            <a:ext cx="5583155" cy="918747"/>
-          </a:xfrm>
-          <a:prstGeom prst="rect">
-            <a:avLst/>
-          </a:prstGeom>
-        </p:spPr>
-      </p:pic>
-      <p:pic>
-        <p:nvPicPr>
-          <p:cNvPr id="7" name="Picture 6">
-            <a:extLst>
-              <a:ext uri="{FF2B5EF4-FFF2-40B4-BE49-F238E27FC236}">
-                <a16:creationId xmlns:a16="http://schemas.microsoft.com/office/drawing/2014/main" id="{9E45F1D2-815F-A442-B94B-DA48D1C77B92}"/>
-              </a:ext>
-            </a:extLst>
-          </p:cNvPr>
-          <p:cNvPicPr>
-            <a:picLocks noChangeAspect="1"/>
-          </p:cNvPicPr>
-          <p:nvPr/>
-        </p:nvPicPr>
-        <p:blipFill>
-          <a:blip r:embed="rId3"/>
-          <a:stretch>
-            <a:fillRect/>
-          </a:stretch>
-        </p:blipFill>
-        <p:spPr>
-          <a:xfrm>
-            <a:off x="1573760" y="3624263"/>
-            <a:ext cx="9029700" cy="2552700"/>
-          </a:xfrm>
-          <a:prstGeom prst="rect">
-            <a:avLst/>
-          </a:prstGeom>
-        </p:spPr>
-      </p:pic>
-      <p:cxnSp>
-        <p:nvCxnSpPr>
-          <p:cNvPr id="10" name="Straight Arrow Connector 9">
-            <a:extLst>
-              <a:ext uri="{FF2B5EF4-FFF2-40B4-BE49-F238E27FC236}">
-                <a16:creationId xmlns:a16="http://schemas.microsoft.com/office/drawing/2014/main" id="{D1A24A27-3CDE-D345-AD9F-6443DC737815}"/>
-              </a:ext>
-            </a:extLst>
-          </p:cNvPr>
-          <p:cNvCxnSpPr>
-            <a:cxnSpLocks/>
-          </p:cNvCxnSpPr>
-          <p:nvPr/>
-        </p:nvCxnSpPr>
-        <p:spPr>
-          <a:xfrm flipV="1">
-            <a:off x="514350" y="4027252"/>
-            <a:ext cx="964160" cy="2472649"/>
-          </a:xfrm>
-          <a:prstGeom prst="straightConnector1">
-            <a:avLst/>
-          </a:prstGeom>
-          <a:ln>
-            <a:tailEnd type="triangle"/>
-          </a:ln>
-        </p:spPr>
-        <p:style>
-          <a:lnRef idx="1">
-            <a:schemeClr val="accent1"/>
-          </a:lnRef>
-          <a:fillRef idx="0">
-            <a:schemeClr val="accent1"/>
-          </a:fillRef>
-          <a:effectRef idx="0">
-            <a:schemeClr val="accent1"/>
-          </a:effectRef>
-          <a:fontRef idx="minor">
-            <a:schemeClr val="tx1"/>
-          </a:fontRef>
-        </p:style>
-      </p:cxnSp>
-      <p:sp>
-        <p:nvSpPr>
-          <p:cNvPr id="13" name="TextBox 12">
-            <a:extLst>
-              <a:ext uri="{FF2B5EF4-FFF2-40B4-BE49-F238E27FC236}">
-                <a16:creationId xmlns:a16="http://schemas.microsoft.com/office/drawing/2014/main" id="{49F78D3E-C01E-424C-9A2D-8BD0D4C2DF67}"/>
-              </a:ext>
-            </a:extLst>
-          </p:cNvPr>
-          <p:cNvSpPr txBox="1"/>
-          <p:nvPr/>
-        </p:nvSpPr>
-        <p:spPr>
-          <a:xfrm>
-            <a:off x="0" y="6488668"/>
-            <a:ext cx="6947158" cy="369332"/>
-          </a:xfrm>
-          <a:prstGeom prst="rect">
-            <a:avLst/>
-          </a:prstGeom>
-          <a:noFill/>
-        </p:spPr>
-        <p:txBody>
-          <a:bodyPr wrap="none" rtlCol="0">
-            <a:spAutoFit/>
-          </a:bodyPr>
-          <a:lstStyle/>
-          <a:p>
-            <a:r>
-              <a:rPr lang="en-US" dirty="0"/>
-              <a:t>Warning: there are multiple copies of Python on your Mac possibly</a:t>
-            </a:r>
-          </a:p>
-        </p:txBody>
-      </p:sp>
-      <p:sp>
-        <p:nvSpPr>
-          <p:cNvPr id="20" name="TextBox 19">
-            <a:extLst>
-              <a:ext uri="{FF2B5EF4-FFF2-40B4-BE49-F238E27FC236}">
-                <a16:creationId xmlns:a16="http://schemas.microsoft.com/office/drawing/2014/main" id="{0EF910C0-AD55-5A4C-903A-A3EF7CF1545F}"/>
-              </a:ext>
-            </a:extLst>
-          </p:cNvPr>
-          <p:cNvSpPr txBox="1"/>
-          <p:nvPr/>
-        </p:nvSpPr>
-        <p:spPr>
-          <a:xfrm>
-            <a:off x="7736934" y="48894"/>
-            <a:ext cx="4455066" cy="369332"/>
-          </a:xfrm>
-          <a:prstGeom prst="rect">
-            <a:avLst/>
-          </a:prstGeom>
-          <a:noFill/>
-        </p:spPr>
-        <p:txBody>
-          <a:bodyPr wrap="none" rtlCol="0">
-            <a:spAutoFit/>
-          </a:bodyPr>
-          <a:lstStyle/>
-          <a:p>
-            <a:r>
-              <a:rPr lang="en-US" i="1" dirty="0"/>
-              <a:t>(Hit Ctrl-D to exit python, go back to shell)</a:t>
-            </a:r>
+            <a:endParaRPr lang="en-US"/>
           </a:p>
         </p:txBody>
       </p:sp>
     </p:spTree>
     <p:extLst>
       <p:ext uri="{BB962C8B-B14F-4D97-AF65-F5344CB8AC3E}">
-        <p14:creationId xmlns:p14="http://schemas.microsoft.com/office/powerpoint/2010/main" val="2983688990"/>
+        <p14:creationId xmlns:p14="http://schemas.microsoft.com/office/powerpoint/2010/main" val="2583017535"/>
       </p:ext>
     </p:extLst>
   </p:cSld>
@@ -5659,7 +5522,7 @@
           <p:cNvPr id="2" name="Title 1">
             <a:extLst>
               <a:ext uri="{FF2B5EF4-FFF2-40B4-BE49-F238E27FC236}">
-                <a16:creationId xmlns:a16="http://schemas.microsoft.com/office/drawing/2014/main" id="{0E1E82D3-764D-A644-B270-444AE1F7C28C}"/>
+                <a16:creationId xmlns:a16="http://schemas.microsoft.com/office/drawing/2014/main" id="{DA5CC27F-826F-294F-AF48-144951905E9E}"/>
               </a:ext>
             </a:extLst>
           </p:cNvPr>
@@ -5670,19 +5533,14 @@
             <p:ph type="title"/>
           </p:nvPr>
         </p:nvSpPr>
-        <p:spPr>
-          <a:xfrm>
-            <a:off x="838200" y="365126"/>
-            <a:ext cx="10515600" cy="794078"/>
-          </a:xfrm>
-        </p:spPr>
+        <p:spPr/>
         <p:txBody>
           <a:bodyPr/>
           <a:lstStyle/>
           <a:p>
             <a:r>
               <a:rPr lang="en-US" dirty="0"/>
-              <a:t>Executing python scripts</a:t>
+              <a:t>Interactive Python console from terminal</a:t>
             </a:r>
           </a:p>
         </p:txBody>
@@ -5692,7 +5550,7 @@
           <p:cNvPr id="3" name="Content Placeholder 2">
             <a:extLst>
               <a:ext uri="{FF2B5EF4-FFF2-40B4-BE49-F238E27FC236}">
-                <a16:creationId xmlns:a16="http://schemas.microsoft.com/office/drawing/2014/main" id="{76D2AB44-47E7-0642-B14B-291A2758ED3A}"/>
+                <a16:creationId xmlns:a16="http://schemas.microsoft.com/office/drawing/2014/main" id="{EA727D31-256D-A246-804F-AF29CDB9C90F}"/>
               </a:ext>
             </a:extLst>
           </p:cNvPr>
@@ -5705,112 +5563,51 @@
         </p:nvSpPr>
         <p:spPr>
           <a:xfrm>
-            <a:off x="838199" y="1365956"/>
-            <a:ext cx="10747444" cy="4811007"/>
-          </a:xfrm>
-        </p:spPr>
-        <p:txBody>
-          <a:bodyPr>
-            <a:normAutofit fontScale="77500" lnSpcReduction="20000"/>
-          </a:bodyPr>
-          <a:lstStyle/>
-          <a:p>
-            <a:r>
-              <a:rPr lang="en-US" sz="3300" dirty="0"/>
-              <a:t>All of the code we type into the Python console disappears when we exit and return to the command line</a:t>
-            </a:r>
-          </a:p>
-          <a:p>
-            <a:r>
-              <a:rPr lang="en-US" sz="3300" dirty="0"/>
-              <a:t>Save python into a .</a:t>
-            </a:r>
-            <a:r>
-              <a:rPr lang="en-US" sz="3300" dirty="0" err="1"/>
-              <a:t>py</a:t>
-            </a:r>
-            <a:r>
-              <a:rPr lang="en-US" sz="3300" dirty="0"/>
-              <a:t> file, using your favorite editor, such as </a:t>
-            </a:r>
-            <a:r>
-              <a:rPr lang="en-US" sz="3300" b="1" dirty="0" err="1"/>
-              <a:t>nano</a:t>
-            </a:r>
-            <a:endParaRPr lang="en-US" sz="3300" b="1" dirty="0"/>
-          </a:p>
-          <a:p>
-            <a:endParaRPr lang="en-US" dirty="0"/>
-          </a:p>
-          <a:p>
-            <a:endParaRPr lang="en-US" dirty="0"/>
-          </a:p>
-          <a:p>
-            <a:endParaRPr lang="en-US" dirty="0"/>
-          </a:p>
-          <a:p>
-            <a:endParaRPr lang="en-US" dirty="0"/>
-          </a:p>
-          <a:p>
-            <a:endParaRPr lang="en-US" dirty="0"/>
-          </a:p>
-          <a:p>
-            <a:endParaRPr lang="en-US" dirty="0"/>
-          </a:p>
-          <a:p>
-            <a:r>
-              <a:rPr lang="en-US" sz="3100" dirty="0"/>
-              <a:t>We call this a Python script or simply a Python file</a:t>
-            </a:r>
-          </a:p>
-          <a:p>
-            <a:r>
-              <a:rPr lang="en-US" sz="3100" dirty="0"/>
-              <a:t>Use “</a:t>
-            </a:r>
-            <a:r>
-              <a:rPr lang="en-US" sz="3100" b="1" dirty="0"/>
-              <a:t>python</a:t>
-            </a:r>
-            <a:r>
-              <a:rPr lang="en-US" sz="3100" dirty="0"/>
-              <a:t> </a:t>
-            </a:r>
-            <a:r>
-              <a:rPr lang="en-US" sz="3100" i="1" dirty="0" err="1"/>
-              <a:t>file.py</a:t>
-            </a:r>
-            <a:r>
-              <a:rPr lang="en-US" sz="3100" dirty="0"/>
-              <a:t>” from terminal to execute the script in “batch mode”</a:t>
-            </a:r>
-          </a:p>
-          <a:p>
-            <a:r>
-              <a:rPr lang="en-US" sz="3100" dirty="0"/>
-              <a:t>NOTE: </a:t>
-            </a:r>
-            <a:r>
-              <a:rPr lang="en-US" sz="3100" i="1" dirty="0" err="1"/>
-              <a:t>file.py</a:t>
-            </a:r>
-            <a:r>
-              <a:rPr lang="en-US" sz="3100" i="1" dirty="0"/>
-              <a:t> </a:t>
-            </a:r>
-            <a:r>
-              <a:rPr lang="en-US" sz="3100" dirty="0"/>
-              <a:t>must be a TEXT file, no formatting like Word file</a:t>
+            <a:off x="838200" y="1690688"/>
+            <a:ext cx="10515600" cy="4486275"/>
+          </a:xfrm>
+        </p:spPr>
+        <p:txBody>
+          <a:bodyPr/>
+          <a:lstStyle/>
+          <a:p>
+            <a:r>
+              <a:rPr lang="en-US" dirty="0" err="1"/>
+              <a:t>Pythontutor</a:t>
+            </a:r>
+            <a:r>
+              <a:rPr lang="en-US" dirty="0"/>
+              <a:t> gives us a text box to</a:t>
+            </a:r>
+            <a:br>
+              <a:rPr lang="en-US" dirty="0"/>
+            </a:br>
+            <a:r>
+              <a:rPr lang="en-US" dirty="0"/>
+              <a:t>edit code and a run button to</a:t>
+            </a:r>
+            <a:br>
+              <a:rPr lang="en-US" dirty="0"/>
+            </a:br>
+            <a:r>
+              <a:rPr lang="en-US" dirty="0"/>
+              <a:t>visualize the execution</a:t>
+            </a:r>
+          </a:p>
+          <a:p>
+            <a:r>
+              <a:rPr lang="en-US" dirty="0"/>
+              <a:t>Can also execute Python interactively line by line from the shell</a:t>
             </a:r>
           </a:p>
         </p:txBody>
       </p:sp>
       <p:pic>
         <p:nvPicPr>
-          <p:cNvPr id="7" name="Picture 6">
-            <a:extLst>
-              <a:ext uri="{FF2B5EF4-FFF2-40B4-BE49-F238E27FC236}">
-                <a16:creationId xmlns:a16="http://schemas.microsoft.com/office/drawing/2014/main" id="{42690BF2-1CEC-E248-9668-D53349A1918F}"/>
+          <p:cNvPr id="5" name="Picture 4">
+            <a:extLst>
+              <a:ext uri="{FF2B5EF4-FFF2-40B4-BE49-F238E27FC236}">
+                <a16:creationId xmlns:a16="http://schemas.microsoft.com/office/drawing/2014/main" id="{9AB4F975-5076-2F47-BA0B-DD4C32CF6CD6}"/>
               </a:ext>
             </a:extLst>
           </p:cNvPr>
@@ -5827,8 +5624,8 @@
         </p:blipFill>
         <p:spPr>
           <a:xfrm>
-            <a:off x="2492713" y="2633737"/>
-            <a:ext cx="2362200" cy="1752600"/>
+            <a:off x="6608845" y="1785541"/>
+            <a:ext cx="5583155" cy="918747"/>
           </a:xfrm>
           <a:prstGeom prst="rect">
             <a:avLst/>
@@ -5837,10 +5634,10 @@
       </p:pic>
       <p:pic>
         <p:nvPicPr>
-          <p:cNvPr id="9" name="Picture 8">
-            <a:extLst>
-              <a:ext uri="{FF2B5EF4-FFF2-40B4-BE49-F238E27FC236}">
-                <a16:creationId xmlns:a16="http://schemas.microsoft.com/office/drawing/2014/main" id="{64A2F4C9-4019-E94E-B871-84F762DA7DBB}"/>
+          <p:cNvPr id="7" name="Picture 6">
+            <a:extLst>
+              <a:ext uri="{FF2B5EF4-FFF2-40B4-BE49-F238E27FC236}">
+                <a16:creationId xmlns:a16="http://schemas.microsoft.com/office/drawing/2014/main" id="{9E45F1D2-815F-A442-B94B-DA48D1C77B92}"/>
               </a:ext>
             </a:extLst>
           </p:cNvPr>
@@ -5857,8 +5654,8 @@
         </p:blipFill>
         <p:spPr>
           <a:xfrm>
-            <a:off x="5321975" y="2633737"/>
-            <a:ext cx="5575300" cy="1003300"/>
+            <a:off x="1573760" y="3624263"/>
+            <a:ext cx="9029700" cy="2552700"/>
           </a:xfrm>
           <a:prstGeom prst="rect">
             <a:avLst/>
@@ -5867,10 +5664,10 @@
       </p:pic>
       <p:cxnSp>
         <p:nvCxnSpPr>
-          <p:cNvPr id="11" name="Straight Arrow Connector 10">
-            <a:extLst>
-              <a:ext uri="{FF2B5EF4-FFF2-40B4-BE49-F238E27FC236}">
-                <a16:creationId xmlns:a16="http://schemas.microsoft.com/office/drawing/2014/main" id="{7AFDD6A8-AAD3-164E-A8E0-6384EAC8A430}"/>
+          <p:cNvPr id="10" name="Straight Arrow Connector 9">
+            <a:extLst>
+              <a:ext uri="{FF2B5EF4-FFF2-40B4-BE49-F238E27FC236}">
+                <a16:creationId xmlns:a16="http://schemas.microsoft.com/office/drawing/2014/main" id="{D1A24A27-3CDE-D345-AD9F-6443DC737815}"/>
               </a:ext>
             </a:extLst>
           </p:cNvPr>
@@ -5880,17 +5677,14 @@
           <p:nvPr/>
         </p:nvCxnSpPr>
         <p:spPr>
-          <a:xfrm>
-            <a:off x="4633607" y="2796996"/>
-            <a:ext cx="590147" cy="1"/>
+          <a:xfrm flipV="1">
+            <a:off x="514350" y="4027252"/>
+            <a:ext cx="964160" cy="2472649"/>
           </a:xfrm>
           <a:prstGeom prst="straightConnector1">
             <a:avLst/>
           </a:prstGeom>
-          <a:ln w="25400">
-            <a:solidFill>
-              <a:srgbClr val="E4754F"/>
-            </a:solidFill>
+          <a:ln>
             <a:tailEnd type="triangle"/>
           </a:ln>
         </p:spPr>
@@ -5911,10 +5705,10 @@
       </p:cxnSp>
       <p:sp>
         <p:nvSpPr>
-          <p:cNvPr id="14" name="TextBox 13">
-            <a:extLst>
-              <a:ext uri="{FF2B5EF4-FFF2-40B4-BE49-F238E27FC236}">
-                <a16:creationId xmlns:a16="http://schemas.microsoft.com/office/drawing/2014/main" id="{3CA77873-DD8F-384F-B78C-46F1A284F654}"/>
+          <p:cNvPr id="13" name="TextBox 12">
+            <a:extLst>
+              <a:ext uri="{FF2B5EF4-FFF2-40B4-BE49-F238E27FC236}">
+                <a16:creationId xmlns:a16="http://schemas.microsoft.com/office/drawing/2014/main" id="{49F78D3E-C01E-424C-9A2D-8BD0D4C2DF67}"/>
               </a:ext>
             </a:extLst>
           </p:cNvPr>
@@ -5923,8 +5717,8 @@
         </p:nvSpPr>
         <p:spPr>
           <a:xfrm>
-            <a:off x="6903874" y="3637037"/>
-            <a:ext cx="4754507" cy="646331"/>
+            <a:off x="0" y="6488668"/>
+            <a:ext cx="6947158" cy="369332"/>
           </a:xfrm>
           <a:prstGeom prst="rect">
             <a:avLst/>
@@ -5938,14 +5732,43 @@
           <a:lstStyle/>
           <a:p>
             <a:r>
+              <a:rPr lang="en-US" dirty="0"/>
+              <a:t>Warning: there are multiple copies of Python on your Mac possibly</a:t>
+            </a:r>
+          </a:p>
+        </p:txBody>
+      </p:sp>
+      <p:sp>
+        <p:nvSpPr>
+          <p:cNvPr id="20" name="TextBox 19">
+            <a:extLst>
+              <a:ext uri="{FF2B5EF4-FFF2-40B4-BE49-F238E27FC236}">
+                <a16:creationId xmlns:a16="http://schemas.microsoft.com/office/drawing/2014/main" id="{0EF910C0-AD55-5A4C-903A-A3EF7CF1545F}"/>
+              </a:ext>
+            </a:extLst>
+          </p:cNvPr>
+          <p:cNvSpPr txBox="1"/>
+          <p:nvPr/>
+        </p:nvSpPr>
+        <p:spPr>
+          <a:xfrm>
+            <a:off x="7736934" y="48894"/>
+            <a:ext cx="4455066" cy="369332"/>
+          </a:xfrm>
+          <a:prstGeom prst="rect">
+            <a:avLst/>
+          </a:prstGeom>
+          <a:noFill/>
+        </p:spPr>
+        <p:txBody>
+          <a:bodyPr wrap="none" rtlCol="0">
+            <a:spAutoFit/>
+          </a:bodyPr>
+          <a:lstStyle/>
+          <a:p>
+            <a:r>
               <a:rPr lang="en-US" i="1" dirty="0"/>
-              <a:t>(To Save, hit Ctrl-X then “Y” to save changes</a:t>
-            </a:r>
-          </a:p>
-          <a:p>
-            <a:r>
-              <a:rPr lang="en-US" i="1" dirty="0"/>
-              <a:t> then hit return at “File Name to Write: …”)</a:t>
+              <a:t>(Hit Ctrl-D to exit python, go back to shell)</a:t>
             </a:r>
           </a:p>
         </p:txBody>
@@ -5953,7 +5776,7 @@
     </p:spTree>
     <p:extLst>
       <p:ext uri="{BB962C8B-B14F-4D97-AF65-F5344CB8AC3E}">
-        <p14:creationId xmlns:p14="http://schemas.microsoft.com/office/powerpoint/2010/main" val="4173875093"/>
+        <p14:creationId xmlns:p14="http://schemas.microsoft.com/office/powerpoint/2010/main" val="2983688990"/>
       </p:ext>
     </p:extLst>
   </p:cSld>
@@ -6155,6 +5978,548 @@
           <p:cNvPr id="2" name="Title 1">
             <a:extLst>
               <a:ext uri="{FF2B5EF4-FFF2-40B4-BE49-F238E27FC236}">
+                <a16:creationId xmlns:a16="http://schemas.microsoft.com/office/drawing/2014/main" id="{0E1E82D3-764D-A644-B270-444AE1F7C28C}"/>
+              </a:ext>
+            </a:extLst>
+          </p:cNvPr>
+          <p:cNvSpPr>
+            <a:spLocks noGrp="1"/>
+          </p:cNvSpPr>
+          <p:nvPr>
+            <p:ph type="title"/>
+          </p:nvPr>
+        </p:nvSpPr>
+        <p:spPr>
+          <a:xfrm>
+            <a:off x="838200" y="365126"/>
+            <a:ext cx="10515600" cy="794078"/>
+          </a:xfrm>
+        </p:spPr>
+        <p:txBody>
+          <a:bodyPr/>
+          <a:lstStyle/>
+          <a:p>
+            <a:r>
+              <a:rPr lang="en-US" dirty="0"/>
+              <a:t>Executing python scripts</a:t>
+            </a:r>
+          </a:p>
+        </p:txBody>
+      </p:sp>
+      <p:sp>
+        <p:nvSpPr>
+          <p:cNvPr id="3" name="Content Placeholder 2">
+            <a:extLst>
+              <a:ext uri="{FF2B5EF4-FFF2-40B4-BE49-F238E27FC236}">
+                <a16:creationId xmlns:a16="http://schemas.microsoft.com/office/drawing/2014/main" id="{76D2AB44-47E7-0642-B14B-291A2758ED3A}"/>
+              </a:ext>
+            </a:extLst>
+          </p:cNvPr>
+          <p:cNvSpPr>
+            <a:spLocks noGrp="1"/>
+          </p:cNvSpPr>
+          <p:nvPr>
+            <p:ph idx="1"/>
+          </p:nvPr>
+        </p:nvSpPr>
+        <p:spPr>
+          <a:xfrm>
+            <a:off x="838199" y="1365956"/>
+            <a:ext cx="10747444" cy="4811007"/>
+          </a:xfrm>
+        </p:spPr>
+        <p:txBody>
+          <a:bodyPr>
+            <a:normAutofit fontScale="77500" lnSpcReduction="20000"/>
+          </a:bodyPr>
+          <a:lstStyle/>
+          <a:p>
+            <a:r>
+              <a:rPr lang="en-US" sz="3300" dirty="0"/>
+              <a:t>All of the code we type into the Python console disappears when we exit and return to the command line</a:t>
+            </a:r>
+          </a:p>
+          <a:p>
+            <a:r>
+              <a:rPr lang="en-US" sz="3300" dirty="0"/>
+              <a:t>Save python into a .</a:t>
+            </a:r>
+            <a:r>
+              <a:rPr lang="en-US" sz="3300" dirty="0" err="1"/>
+              <a:t>py</a:t>
+            </a:r>
+            <a:r>
+              <a:rPr lang="en-US" sz="3300" dirty="0"/>
+              <a:t> file, using your favorite editor, such as </a:t>
+            </a:r>
+            <a:r>
+              <a:rPr lang="en-US" sz="3300" b="1" dirty="0" err="1"/>
+              <a:t>nano</a:t>
+            </a:r>
+            <a:endParaRPr lang="en-US" sz="3300" b="1" dirty="0"/>
+          </a:p>
+          <a:p>
+            <a:endParaRPr lang="en-US" dirty="0"/>
+          </a:p>
+          <a:p>
+            <a:endParaRPr lang="en-US" dirty="0"/>
+          </a:p>
+          <a:p>
+            <a:endParaRPr lang="en-US" dirty="0"/>
+          </a:p>
+          <a:p>
+            <a:endParaRPr lang="en-US" dirty="0"/>
+          </a:p>
+          <a:p>
+            <a:endParaRPr lang="en-US" dirty="0"/>
+          </a:p>
+          <a:p>
+            <a:endParaRPr lang="en-US" dirty="0"/>
+          </a:p>
+          <a:p>
+            <a:r>
+              <a:rPr lang="en-US" sz="3100" dirty="0"/>
+              <a:t>We call this a Python script or simply a Python file</a:t>
+            </a:r>
+          </a:p>
+          <a:p>
+            <a:r>
+              <a:rPr lang="en-US" sz="3100" dirty="0"/>
+              <a:t>Use “</a:t>
+            </a:r>
+            <a:r>
+              <a:rPr lang="en-US" sz="3100" b="1" dirty="0"/>
+              <a:t>python</a:t>
+            </a:r>
+            <a:r>
+              <a:rPr lang="en-US" sz="3100" dirty="0"/>
+              <a:t> </a:t>
+            </a:r>
+            <a:r>
+              <a:rPr lang="en-US" sz="3100" i="1" dirty="0" err="1"/>
+              <a:t>file.py</a:t>
+            </a:r>
+            <a:r>
+              <a:rPr lang="en-US" sz="3100" dirty="0"/>
+              <a:t>” from terminal to execute the script in “batch mode”</a:t>
+            </a:r>
+          </a:p>
+          <a:p>
+            <a:r>
+              <a:rPr lang="en-US" sz="3100" dirty="0"/>
+              <a:t>NOTE: </a:t>
+            </a:r>
+            <a:r>
+              <a:rPr lang="en-US" sz="3100" i="1" dirty="0" err="1"/>
+              <a:t>file.py</a:t>
+            </a:r>
+            <a:r>
+              <a:rPr lang="en-US" sz="3100" i="1" dirty="0"/>
+              <a:t> </a:t>
+            </a:r>
+            <a:r>
+              <a:rPr lang="en-US" sz="3100" dirty="0"/>
+              <a:t>must be a TEXT file, no formatting like Word file</a:t>
+            </a:r>
+          </a:p>
+        </p:txBody>
+      </p:sp>
+      <p:pic>
+        <p:nvPicPr>
+          <p:cNvPr id="7" name="Picture 6">
+            <a:extLst>
+              <a:ext uri="{FF2B5EF4-FFF2-40B4-BE49-F238E27FC236}">
+                <a16:creationId xmlns:a16="http://schemas.microsoft.com/office/drawing/2014/main" id="{42690BF2-1CEC-E248-9668-D53349A1918F}"/>
+              </a:ext>
+            </a:extLst>
+          </p:cNvPr>
+          <p:cNvPicPr>
+            <a:picLocks noChangeAspect="1"/>
+          </p:cNvPicPr>
+          <p:nvPr/>
+        </p:nvPicPr>
+        <p:blipFill>
+          <a:blip r:embed="rId2"/>
+          <a:stretch>
+            <a:fillRect/>
+          </a:stretch>
+        </p:blipFill>
+        <p:spPr>
+          <a:xfrm>
+            <a:off x="2492713" y="2633737"/>
+            <a:ext cx="2362200" cy="1752600"/>
+          </a:xfrm>
+          <a:prstGeom prst="rect">
+            <a:avLst/>
+          </a:prstGeom>
+        </p:spPr>
+      </p:pic>
+      <p:pic>
+        <p:nvPicPr>
+          <p:cNvPr id="9" name="Picture 8">
+            <a:extLst>
+              <a:ext uri="{FF2B5EF4-FFF2-40B4-BE49-F238E27FC236}">
+                <a16:creationId xmlns:a16="http://schemas.microsoft.com/office/drawing/2014/main" id="{64A2F4C9-4019-E94E-B871-84F762DA7DBB}"/>
+              </a:ext>
+            </a:extLst>
+          </p:cNvPr>
+          <p:cNvPicPr>
+            <a:picLocks noChangeAspect="1"/>
+          </p:cNvPicPr>
+          <p:nvPr/>
+        </p:nvPicPr>
+        <p:blipFill>
+          <a:blip r:embed="rId3"/>
+          <a:stretch>
+            <a:fillRect/>
+          </a:stretch>
+        </p:blipFill>
+        <p:spPr>
+          <a:xfrm>
+            <a:off x="5321975" y="2633737"/>
+            <a:ext cx="5575300" cy="1003300"/>
+          </a:xfrm>
+          <a:prstGeom prst="rect">
+            <a:avLst/>
+          </a:prstGeom>
+        </p:spPr>
+      </p:pic>
+      <p:cxnSp>
+        <p:nvCxnSpPr>
+          <p:cNvPr id="11" name="Straight Arrow Connector 10">
+            <a:extLst>
+              <a:ext uri="{FF2B5EF4-FFF2-40B4-BE49-F238E27FC236}">
+                <a16:creationId xmlns:a16="http://schemas.microsoft.com/office/drawing/2014/main" id="{7AFDD6A8-AAD3-164E-A8E0-6384EAC8A430}"/>
+              </a:ext>
+            </a:extLst>
+          </p:cNvPr>
+          <p:cNvCxnSpPr>
+            <a:cxnSpLocks/>
+          </p:cNvCxnSpPr>
+          <p:nvPr/>
+        </p:nvCxnSpPr>
+        <p:spPr>
+          <a:xfrm>
+            <a:off x="4633607" y="2796996"/>
+            <a:ext cx="590147" cy="1"/>
+          </a:xfrm>
+          <a:prstGeom prst="straightConnector1">
+            <a:avLst/>
+          </a:prstGeom>
+          <a:ln w="25400">
+            <a:solidFill>
+              <a:srgbClr val="E4754F"/>
+            </a:solidFill>
+            <a:tailEnd type="triangle"/>
+          </a:ln>
+        </p:spPr>
+        <p:style>
+          <a:lnRef idx="1">
+            <a:schemeClr val="accent1"/>
+          </a:lnRef>
+          <a:fillRef idx="0">
+            <a:schemeClr val="accent1"/>
+          </a:fillRef>
+          <a:effectRef idx="0">
+            <a:schemeClr val="accent1"/>
+          </a:effectRef>
+          <a:fontRef idx="minor">
+            <a:schemeClr val="tx1"/>
+          </a:fontRef>
+        </p:style>
+      </p:cxnSp>
+      <p:sp>
+        <p:nvSpPr>
+          <p:cNvPr id="14" name="TextBox 13">
+            <a:extLst>
+              <a:ext uri="{FF2B5EF4-FFF2-40B4-BE49-F238E27FC236}">
+                <a16:creationId xmlns:a16="http://schemas.microsoft.com/office/drawing/2014/main" id="{3CA77873-DD8F-384F-B78C-46F1A284F654}"/>
+              </a:ext>
+            </a:extLst>
+          </p:cNvPr>
+          <p:cNvSpPr txBox="1"/>
+          <p:nvPr/>
+        </p:nvSpPr>
+        <p:spPr>
+          <a:xfrm>
+            <a:off x="6903874" y="3637037"/>
+            <a:ext cx="4754507" cy="646331"/>
+          </a:xfrm>
+          <a:prstGeom prst="rect">
+            <a:avLst/>
+          </a:prstGeom>
+          <a:noFill/>
+        </p:spPr>
+        <p:txBody>
+          <a:bodyPr wrap="none" rtlCol="0">
+            <a:spAutoFit/>
+          </a:bodyPr>
+          <a:lstStyle/>
+          <a:p>
+            <a:r>
+              <a:rPr lang="en-US" i="1" dirty="0"/>
+              <a:t>(To Save, hit Ctrl-X then “Y” to save changes</a:t>
+            </a:r>
+          </a:p>
+          <a:p>
+            <a:r>
+              <a:rPr lang="en-US" i="1" dirty="0"/>
+              <a:t> then hit return at “File Name to Write: …”)</a:t>
+            </a:r>
+          </a:p>
+        </p:txBody>
+      </p:sp>
+    </p:spTree>
+    <p:extLst>
+      <p:ext uri="{BB962C8B-B14F-4D97-AF65-F5344CB8AC3E}">
+        <p14:creationId xmlns:p14="http://schemas.microsoft.com/office/powerpoint/2010/main" val="4173875093"/>
+      </p:ext>
+    </p:extLst>
+  </p:cSld>
+  <p:clrMapOvr>
+    <a:masterClrMapping/>
+  </p:clrMapOvr>
+</p:sld>
+</file>
+
+<file path=ppt/slides/slide21.xml><?xml version="1.0" encoding="utf-8"?>
+<p:sld xmlns:a="http://schemas.openxmlformats.org/drawingml/2006/main" xmlns:r="http://schemas.openxmlformats.org/officeDocument/2006/relationships" xmlns:p="http://schemas.openxmlformats.org/presentationml/2006/main">
+  <p:cSld>
+    <p:spTree>
+      <p:nvGrpSpPr>
+        <p:cNvPr id="1" name=""/>
+        <p:cNvGrpSpPr/>
+        <p:nvPr/>
+      </p:nvGrpSpPr>
+      <p:grpSpPr>
+        <a:xfrm>
+          <a:off x="0" y="0"/>
+          <a:ext cx="0" cy="0"/>
+          <a:chOff x="0" y="0"/>
+          <a:chExt cx="0" cy="0"/>
+        </a:xfrm>
+      </p:grpSpPr>
+      <p:sp>
+        <p:nvSpPr>
+          <p:cNvPr id="2" name="Title 1">
+            <a:extLst>
+              <a:ext uri="{FF2B5EF4-FFF2-40B4-BE49-F238E27FC236}">
+                <a16:creationId xmlns:a16="http://schemas.microsoft.com/office/drawing/2014/main" id="{D0CF25D2-EC9F-9843-B796-559121B69481}"/>
+              </a:ext>
+            </a:extLst>
+          </p:cNvPr>
+          <p:cNvSpPr>
+            <a:spLocks noGrp="1"/>
+          </p:cNvSpPr>
+          <p:nvPr>
+            <p:ph type="title"/>
+          </p:nvPr>
+        </p:nvSpPr>
+        <p:spPr/>
+        <p:txBody>
+          <a:bodyPr/>
+          <a:lstStyle/>
+          <a:p>
+            <a:r>
+              <a:rPr lang="en-US" b="1" dirty="0"/>
+              <a:t>Warning</a:t>
+            </a:r>
+            <a:r>
+              <a:rPr lang="en-US" dirty="0"/>
+              <a:t>: interactive console vs scripts</a:t>
+            </a:r>
+          </a:p>
+        </p:txBody>
+      </p:sp>
+      <p:sp>
+        <p:nvSpPr>
+          <p:cNvPr id="3" name="Content Placeholder 2">
+            <a:extLst>
+              <a:ext uri="{FF2B5EF4-FFF2-40B4-BE49-F238E27FC236}">
+                <a16:creationId xmlns:a16="http://schemas.microsoft.com/office/drawing/2014/main" id="{3F3CD766-D0BC-EB4B-9CF7-C97D11D0EF4F}"/>
+              </a:ext>
+            </a:extLst>
+          </p:cNvPr>
+          <p:cNvSpPr>
+            <a:spLocks noGrp="1"/>
+          </p:cNvSpPr>
+          <p:nvPr>
+            <p:ph idx="1"/>
+          </p:nvPr>
+        </p:nvSpPr>
+        <p:spPr/>
+        <p:txBody>
+          <a:bodyPr/>
+          <a:lstStyle/>
+          <a:p>
+            <a:r>
+              <a:rPr lang="en-US" dirty="0"/>
+              <a:t>In the console or </a:t>
+            </a:r>
+            <a:r>
+              <a:rPr lang="en-US" dirty="0" err="1"/>
+              <a:t>Jupyter</a:t>
+            </a:r>
+            <a:r>
+              <a:rPr lang="en-US" dirty="0"/>
+              <a:t> lab, typing expression evaluates it and displays the result</a:t>
+            </a:r>
+          </a:p>
+          <a:p>
+            <a:r>
+              <a:rPr lang="en-US" dirty="0"/>
+              <a:t>In a script, no output is generated unless you use </a:t>
+            </a:r>
+            <a:r>
+              <a:rPr lang="en-US" b="1" dirty="0"/>
+              <a:t>print()</a:t>
+            </a:r>
+          </a:p>
+          <a:p>
+            <a:r>
+              <a:rPr lang="en-US" dirty="0"/>
+              <a:t>Compare console:               to script:</a:t>
+            </a:r>
+          </a:p>
+          <a:p>
+            <a:endParaRPr lang="en-US" dirty="0"/>
+          </a:p>
+          <a:p>
+            <a:r>
+              <a:rPr lang="en-US" dirty="0"/>
+              <a:t>Must use print() to get output:</a:t>
+            </a:r>
+          </a:p>
+          <a:p>
+            <a:endParaRPr lang="en-US" dirty="0"/>
+          </a:p>
+        </p:txBody>
+      </p:sp>
+      <p:pic>
+        <p:nvPicPr>
+          <p:cNvPr id="5" name="Picture 4" descr="A picture containing icon&#10;&#10;Description automatically generated">
+            <a:extLst>
+              <a:ext uri="{FF2B5EF4-FFF2-40B4-BE49-F238E27FC236}">
+                <a16:creationId xmlns:a16="http://schemas.microsoft.com/office/drawing/2014/main" id="{25E2E200-0E57-F242-977E-726EA3717AB2}"/>
+              </a:ext>
+            </a:extLst>
+          </p:cNvPr>
+          <p:cNvPicPr>
+            <a:picLocks noChangeAspect="1"/>
+          </p:cNvPicPr>
+          <p:nvPr/>
+        </p:nvPicPr>
+        <p:blipFill>
+          <a:blip r:embed="rId2"/>
+          <a:stretch>
+            <a:fillRect/>
+          </a:stretch>
+        </p:blipFill>
+        <p:spPr>
+          <a:xfrm>
+            <a:off x="4256985" y="3270528"/>
+            <a:ext cx="1054100" cy="609600"/>
+          </a:xfrm>
+          <a:prstGeom prst="rect">
+            <a:avLst/>
+          </a:prstGeom>
+        </p:spPr>
+      </p:pic>
+      <p:pic>
+        <p:nvPicPr>
+          <p:cNvPr id="7" name="Picture 6" descr="Text&#10;&#10;Description automatically generated with medium confidence">
+            <a:extLst>
+              <a:ext uri="{FF2B5EF4-FFF2-40B4-BE49-F238E27FC236}">
+                <a16:creationId xmlns:a16="http://schemas.microsoft.com/office/drawing/2014/main" id="{EDC9752D-666E-A347-8B7A-DFF93A35DBEE}"/>
+              </a:ext>
+            </a:extLst>
+          </p:cNvPr>
+          <p:cNvPicPr>
+            <a:picLocks noChangeAspect="1"/>
+          </p:cNvPicPr>
+          <p:nvPr/>
+        </p:nvPicPr>
+        <p:blipFill>
+          <a:blip r:embed="rId3"/>
+          <a:stretch>
+            <a:fillRect/>
+          </a:stretch>
+        </p:blipFill>
+        <p:spPr>
+          <a:xfrm>
+            <a:off x="6953804" y="3270528"/>
+            <a:ext cx="3657600" cy="1054100"/>
+          </a:xfrm>
+          <a:prstGeom prst="rect">
+            <a:avLst/>
+          </a:prstGeom>
+        </p:spPr>
+      </p:pic>
+      <p:pic>
+        <p:nvPicPr>
+          <p:cNvPr id="9" name="Picture 8" descr="Text&#10;&#10;Description automatically generated">
+            <a:extLst>
+              <a:ext uri="{FF2B5EF4-FFF2-40B4-BE49-F238E27FC236}">
+                <a16:creationId xmlns:a16="http://schemas.microsoft.com/office/drawing/2014/main" id="{04D9FAEF-E475-214D-B574-0F8070CEB82A}"/>
+              </a:ext>
+            </a:extLst>
+          </p:cNvPr>
+          <p:cNvPicPr>
+            <a:picLocks noChangeAspect="1"/>
+          </p:cNvPicPr>
+          <p:nvPr/>
+        </p:nvPicPr>
+        <p:blipFill>
+          <a:blip r:embed="rId4"/>
+          <a:stretch>
+            <a:fillRect/>
+          </a:stretch>
+        </p:blipFill>
+        <p:spPr>
+          <a:xfrm>
+            <a:off x="3564559" y="5083830"/>
+            <a:ext cx="3644900" cy="1346200"/>
+          </a:xfrm>
+          <a:prstGeom prst="rect">
+            <a:avLst/>
+          </a:prstGeom>
+        </p:spPr>
+      </p:pic>
+    </p:spTree>
+    <p:extLst>
+      <p:ext uri="{BB962C8B-B14F-4D97-AF65-F5344CB8AC3E}">
+        <p14:creationId xmlns:p14="http://schemas.microsoft.com/office/powerpoint/2010/main" val="1297907736"/>
+      </p:ext>
+    </p:extLst>
+  </p:cSld>
+  <p:clrMapOvr>
+    <a:masterClrMapping/>
+  </p:clrMapOvr>
+</p:sld>
+</file>
+
+<file path=ppt/slides/slide22.xml><?xml version="1.0" encoding="utf-8"?>
+<p:sld xmlns:a="http://schemas.openxmlformats.org/drawingml/2006/main" xmlns:r="http://schemas.openxmlformats.org/officeDocument/2006/relationships" xmlns:p="http://schemas.openxmlformats.org/presentationml/2006/main">
+  <p:cSld>
+    <p:spTree>
+      <p:nvGrpSpPr>
+        <p:cNvPr id="1" name=""/>
+        <p:cNvGrpSpPr/>
+        <p:nvPr/>
+      </p:nvGrpSpPr>
+      <p:grpSpPr>
+        <a:xfrm>
+          <a:off x="0" y="0"/>
+          <a:ext cx="0" cy="0"/>
+          <a:chOff x="0" y="0"/>
+          <a:chExt cx="0" cy="0"/>
+        </a:xfrm>
+      </p:grpSpPr>
+      <p:sp>
+        <p:nvSpPr>
+          <p:cNvPr id="2" name="Title 1">
+            <a:extLst>
+              <a:ext uri="{FF2B5EF4-FFF2-40B4-BE49-F238E27FC236}">
                 <a16:creationId xmlns:a16="http://schemas.microsoft.com/office/drawing/2014/main" id="{42EBF7B7-227D-8642-8837-F829BF759D36}"/>
               </a:ext>
             </a:extLst>
@@ -6308,7 +6673,7 @@
 </p:sld>
 </file>
 
-<file path=ppt/slides/slide21.xml><?xml version="1.0" encoding="utf-8"?>
+<file path=ppt/slides/slide23.xml><?xml version="1.0" encoding="utf-8"?>
 <p:sld xmlns:a="http://schemas.openxmlformats.org/drawingml/2006/main" xmlns:r="http://schemas.openxmlformats.org/officeDocument/2006/relationships" xmlns:p="http://schemas.openxmlformats.org/presentationml/2006/main">
   <p:cSld>
     <p:spTree>

--- a/slides/terminal.pptx
+++ b/slides/terminal.pptx
@@ -228,7 +228,7 @@
           <a:p>
             <a:fld id="{8A1B613A-EFF1-404F-BEE8-EFAE84A4E5E2}" type="datetimeFigureOut">
               <a:rPr lang="en-US" smtClean="0"/>
-              <a:t>6/10/21</a:t>
+              <a:t>6/19/21</a:t>
             </a:fld>
             <a:endParaRPr lang="en-US"/>
           </a:p>
@@ -393,7 +393,7 @@
           <a:p>
             <a:fld id="{690847EA-AC25-3D4E-89E1-FD3F6A9702B6}" type="datetimeFigureOut">
               <a:rPr lang="en-US" smtClean="0"/>
-              <a:t>6/10/21</a:t>
+              <a:t>6/19/21</a:t>
             </a:fld>
             <a:endParaRPr lang="en-US"/>
           </a:p>
@@ -807,7 +807,7 @@
           <a:p>
             <a:fld id="{BE5295ED-3BAF-1140-8495-3D368771D6B1}" type="datetimeFigureOut">
               <a:rPr lang="en-US" smtClean="0"/>
-              <a:t>6/10/21</a:t>
+              <a:t>6/19/21</a:t>
             </a:fld>
             <a:endParaRPr lang="en-US"/>
           </a:p>
@@ -1005,7 +1005,7 @@
           <a:p>
             <a:fld id="{BE5295ED-3BAF-1140-8495-3D368771D6B1}" type="datetimeFigureOut">
               <a:rPr lang="en-US" smtClean="0"/>
-              <a:t>6/10/21</a:t>
+              <a:t>6/19/21</a:t>
             </a:fld>
             <a:endParaRPr lang="en-US"/>
           </a:p>
@@ -1213,7 +1213,7 @@
           <a:p>
             <a:fld id="{BE5295ED-3BAF-1140-8495-3D368771D6B1}" type="datetimeFigureOut">
               <a:rPr lang="en-US" smtClean="0"/>
-              <a:t>6/10/21</a:t>
+              <a:t>6/19/21</a:t>
             </a:fld>
             <a:endParaRPr lang="en-US"/>
           </a:p>
@@ -1411,7 +1411,7 @@
           <a:p>
             <a:fld id="{BE5295ED-3BAF-1140-8495-3D368771D6B1}" type="datetimeFigureOut">
               <a:rPr lang="en-US" smtClean="0"/>
-              <a:t>6/10/21</a:t>
+              <a:t>6/19/21</a:t>
             </a:fld>
             <a:endParaRPr lang="en-US"/>
           </a:p>
@@ -1686,7 +1686,7 @@
           <a:p>
             <a:fld id="{BE5295ED-3BAF-1140-8495-3D368771D6B1}" type="datetimeFigureOut">
               <a:rPr lang="en-US" smtClean="0"/>
-              <a:t>6/10/21</a:t>
+              <a:t>6/19/21</a:t>
             </a:fld>
             <a:endParaRPr lang="en-US"/>
           </a:p>
@@ -1951,7 +1951,7 @@
           <a:p>
             <a:fld id="{BE5295ED-3BAF-1140-8495-3D368771D6B1}" type="datetimeFigureOut">
               <a:rPr lang="en-US" smtClean="0"/>
-              <a:t>6/10/21</a:t>
+              <a:t>6/19/21</a:t>
             </a:fld>
             <a:endParaRPr lang="en-US"/>
           </a:p>
@@ -2363,7 +2363,7 @@
           <a:p>
             <a:fld id="{BE5295ED-3BAF-1140-8495-3D368771D6B1}" type="datetimeFigureOut">
               <a:rPr lang="en-US" smtClean="0"/>
-              <a:t>6/10/21</a:t>
+              <a:t>6/19/21</a:t>
             </a:fld>
             <a:endParaRPr lang="en-US"/>
           </a:p>
@@ -2504,7 +2504,7 @@
           <a:p>
             <a:fld id="{BE5295ED-3BAF-1140-8495-3D368771D6B1}" type="datetimeFigureOut">
               <a:rPr lang="en-US" smtClean="0"/>
-              <a:t>6/10/21</a:t>
+              <a:t>6/19/21</a:t>
             </a:fld>
             <a:endParaRPr lang="en-US"/>
           </a:p>
@@ -2617,7 +2617,7 @@
           <a:p>
             <a:fld id="{BE5295ED-3BAF-1140-8495-3D368771D6B1}" type="datetimeFigureOut">
               <a:rPr lang="en-US" smtClean="0"/>
-              <a:t>6/10/21</a:t>
+              <a:t>6/19/21</a:t>
             </a:fld>
             <a:endParaRPr lang="en-US"/>
           </a:p>
@@ -2928,7 +2928,7 @@
           <a:p>
             <a:fld id="{BE5295ED-3BAF-1140-8495-3D368771D6B1}" type="datetimeFigureOut">
               <a:rPr lang="en-US" smtClean="0"/>
-              <a:t>6/10/21</a:t>
+              <a:t>6/19/21</a:t>
             </a:fld>
             <a:endParaRPr lang="en-US"/>
           </a:p>
@@ -3219,7 +3219,7 @@
           <a:p>
             <a:fld id="{BE5295ED-3BAF-1140-8495-3D368771D6B1}" type="datetimeFigureOut">
               <a:rPr lang="en-US" smtClean="0"/>
-              <a:t>6/10/21</a:t>
+              <a:t>6/19/21</a:t>
             </a:fld>
             <a:endParaRPr lang="en-US"/>
           </a:p>
@@ -3460,7 +3460,7 @@
           <a:p>
             <a:fld id="{BE5295ED-3BAF-1140-8495-3D368771D6B1}" type="datetimeFigureOut">
               <a:rPr lang="en-US" smtClean="0"/>
-              <a:t>6/10/21</a:t>
+              <a:t>6/19/21</a:t>
             </a:fld>
             <a:endParaRPr lang="en-US"/>
           </a:p>
@@ -4150,7 +4150,15 @@
           <a:p>
             <a:r>
               <a:rPr lang="en-US" dirty="0"/>
-              <a:t>To "move" around the disk hierarchy/tree, use cd command to change the current working directory (i.e., where am I?)</a:t>
+              <a:t>To "move" around the disk hierarchy/tree, use </a:t>
+            </a:r>
+            <a:r>
+              <a:rPr lang="en-US" b="1" dirty="0"/>
+              <a:t>cd</a:t>
+            </a:r>
+            <a:r>
+              <a:rPr lang="en-US" dirty="0"/>
+              <a:t> command to change the current working directory (i.e., where am I?)</a:t>
             </a:r>
           </a:p>
         </p:txBody>
@@ -4682,7 +4690,11 @@
             </a:r>
             <a:r>
               <a:rPr lang="en-US" dirty="0"/>
-              <a:t> –rf </a:t>
+              <a:t> </a:t>
+            </a:r>
+            <a:r>
+              <a:rPr lang="en-US" b="1" dirty="0"/>
+              <a:t>–rf </a:t>
             </a:r>
             <a:r>
               <a:rPr lang="en-US" i="1" dirty="0" err="1"/>
@@ -4997,6 +5009,12 @@
             </a:r>
           </a:p>
           <a:p>
+            <a:r>
+              <a:rPr lang="en-US" dirty="0"/>
+              <a:t>Here are some examples listing various image files</a:t>
+            </a:r>
+          </a:p>
+          <a:p>
             <a:endParaRPr lang="en-US" dirty="0"/>
           </a:p>
         </p:txBody>
@@ -5023,7 +5041,7 @@
         </p:blipFill>
         <p:spPr>
           <a:xfrm>
-            <a:off x="486517" y="3073941"/>
+            <a:off x="486517" y="3506560"/>
             <a:ext cx="5735248" cy="2305456"/>
           </a:xfrm>
           <a:prstGeom prst="rect">
@@ -5053,7 +5071,7 @@
         </p:blipFill>
         <p:spPr>
           <a:xfrm>
-            <a:off x="6535365" y="3073941"/>
+            <a:off x="6535365" y="3506560"/>
             <a:ext cx="5332379" cy="2542181"/>
           </a:xfrm>
           <a:prstGeom prst="rect">
@@ -5169,7 +5187,7 @@
           <a:p>
             <a:r>
               <a:rPr lang="en-US" dirty="0"/>
-              <a:t>Often you can type the command without arguments and it will give a help line</a:t>
+              <a:t>Often you can type the command without arguments and it will give a help line:</a:t>
             </a:r>
           </a:p>
           <a:p>
@@ -5184,10 +5202,14 @@
           <a:p>
             <a:r>
               <a:rPr lang="en-US" dirty="0"/>
-              <a:t>Or, type “man </a:t>
-            </a:r>
-            <a:r>
-              <a:rPr lang="en-US" dirty="0" err="1"/>
+              <a:t>Or, type “</a:t>
+            </a:r>
+            <a:r>
+              <a:rPr lang="en-US" b="1" dirty="0"/>
+              <a:t>man </a:t>
+            </a:r>
+            <a:r>
+              <a:rPr lang="en-US" b="1" dirty="0" err="1"/>
               <a:t>rm</a:t>
             </a:r>
             <a:r>
@@ -6119,7 +6141,7 @@
             </a:r>
             <a:r>
               <a:rPr lang="en-US" sz="3100" dirty="0"/>
-              <a:t>must be a TEXT file, no formatting like Word file</a:t>
+              <a:t>must be a TEXT file, no formatting like in M$ Word files</a:t>
             </a:r>
           </a:p>
         </p:txBody>
@@ -6387,7 +6409,15 @@
           <a:p>
             <a:r>
               <a:rPr lang="en-US" dirty="0"/>
-              <a:t>Must use print() to get output:</a:t>
+              <a:t>Must use </a:t>
+            </a:r>
+            <a:r>
+              <a:rPr lang="en-US" b="1" dirty="0"/>
+              <a:t>print()</a:t>
+            </a:r>
+            <a:r>
+              <a:rPr lang="en-US" dirty="0"/>
+              <a:t> to get output:</a:t>
             </a:r>
           </a:p>
           <a:p>
@@ -6447,8 +6477,8 @@
         </p:blipFill>
         <p:spPr>
           <a:xfrm>
-            <a:off x="6953804" y="3270528"/>
-            <a:ext cx="3657600" cy="1054100"/>
+            <a:off x="6953804" y="3270527"/>
+            <a:ext cx="4599544" cy="1325563"/>
           </a:xfrm>
           <a:prstGeom prst="rect">
             <a:avLst/>
@@ -6477,8 +6507,8 @@
         </p:blipFill>
         <p:spPr>
           <a:xfrm>
-            <a:off x="3564559" y="5083830"/>
-            <a:ext cx="3644900" cy="1346200"/>
+            <a:off x="2871684" y="5083829"/>
+            <a:ext cx="4337775" cy="1602105"/>
           </a:xfrm>
           <a:prstGeom prst="rect">
             <a:avLst/>
@@ -6577,7 +6607,7 @@
           <a:p>
             <a:r>
               <a:rPr lang="en-US" dirty="0"/>
-              <a:t>The executing script can access the arguments from the command line used to launch using </a:t>
+              <a:t>The executing script can access the arguments from the command line used to launch it using the </a:t>
             </a:r>
             <a:r>
               <a:rPr lang="en-US" b="1" dirty="0"/>
@@ -6775,18 +6805,30 @@
               <a:t>A notebook is stored like a script into a </a:t>
             </a:r>
             <a:r>
+              <a:rPr lang="en-US" i="1" dirty="0" err="1"/>
+              <a:t>file</a:t>
+            </a:r>
+            <a:r>
               <a:rPr lang="en-US" dirty="0" err="1"/>
-              <a:t>file.ipynb</a:t>
-            </a:r>
-            <a:r>
-              <a:rPr lang="en-US" dirty="0"/>
-              <a:t> file not .</a:t>
-            </a:r>
-            <a:r>
-              <a:rPr lang="en-US" dirty="0" err="1"/>
+              <a:t>.</a:t>
+            </a:r>
+            <a:r>
+              <a:rPr lang="en-US" b="1" dirty="0" err="1"/>
+              <a:t>ipynb</a:t>
+            </a:r>
+            <a:r>
+              <a:rPr lang="en-US" dirty="0"/>
+              <a:t> file not </a:t>
+            </a:r>
+            <a:r>
+              <a:rPr lang="en-US" b="1" dirty="0"/>
+              <a:t>.</a:t>
+            </a:r>
+            <a:r>
+              <a:rPr lang="en-US" b="1" dirty="0" err="1"/>
               <a:t>py</a:t>
             </a:r>
-            <a:endParaRPr lang="en-US" dirty="0"/>
+            <a:endParaRPr lang="en-US" b="1" dirty="0"/>
           </a:p>
           <a:p>
             <a:r>

--- a/slides/terminal.pptx
+++ b/slides/terminal.pptx
@@ -228,7 +228,7 @@
           <a:p>
             <a:fld id="{8A1B613A-EFF1-404F-BEE8-EFAE84A4E5E2}" type="datetimeFigureOut">
               <a:rPr lang="en-US" smtClean="0"/>
-              <a:t>6/19/21</a:t>
+              <a:t>6/28/21</a:t>
             </a:fld>
             <a:endParaRPr lang="en-US"/>
           </a:p>
@@ -393,7 +393,7 @@
           <a:p>
             <a:fld id="{690847EA-AC25-3D4E-89E1-FD3F6A9702B6}" type="datetimeFigureOut">
               <a:rPr lang="en-US" smtClean="0"/>
-              <a:t>6/19/21</a:t>
+              <a:t>6/28/21</a:t>
             </a:fld>
             <a:endParaRPr lang="en-US"/>
           </a:p>
@@ -807,7 +807,7 @@
           <a:p>
             <a:fld id="{BE5295ED-3BAF-1140-8495-3D368771D6B1}" type="datetimeFigureOut">
               <a:rPr lang="en-US" smtClean="0"/>
-              <a:t>6/19/21</a:t>
+              <a:t>6/28/21</a:t>
             </a:fld>
             <a:endParaRPr lang="en-US"/>
           </a:p>
@@ -1005,7 +1005,7 @@
           <a:p>
             <a:fld id="{BE5295ED-3BAF-1140-8495-3D368771D6B1}" type="datetimeFigureOut">
               <a:rPr lang="en-US" smtClean="0"/>
-              <a:t>6/19/21</a:t>
+              <a:t>6/28/21</a:t>
             </a:fld>
             <a:endParaRPr lang="en-US"/>
           </a:p>
@@ -1213,7 +1213,7 @@
           <a:p>
             <a:fld id="{BE5295ED-3BAF-1140-8495-3D368771D6B1}" type="datetimeFigureOut">
               <a:rPr lang="en-US" smtClean="0"/>
-              <a:t>6/19/21</a:t>
+              <a:t>6/28/21</a:t>
             </a:fld>
             <a:endParaRPr lang="en-US"/>
           </a:p>
@@ -1411,7 +1411,7 @@
           <a:p>
             <a:fld id="{BE5295ED-3BAF-1140-8495-3D368771D6B1}" type="datetimeFigureOut">
               <a:rPr lang="en-US" smtClean="0"/>
-              <a:t>6/19/21</a:t>
+              <a:t>6/28/21</a:t>
             </a:fld>
             <a:endParaRPr lang="en-US"/>
           </a:p>
@@ -1686,7 +1686,7 @@
           <a:p>
             <a:fld id="{BE5295ED-3BAF-1140-8495-3D368771D6B1}" type="datetimeFigureOut">
               <a:rPr lang="en-US" smtClean="0"/>
-              <a:t>6/19/21</a:t>
+              <a:t>6/28/21</a:t>
             </a:fld>
             <a:endParaRPr lang="en-US"/>
           </a:p>
@@ -1951,7 +1951,7 @@
           <a:p>
             <a:fld id="{BE5295ED-3BAF-1140-8495-3D368771D6B1}" type="datetimeFigureOut">
               <a:rPr lang="en-US" smtClean="0"/>
-              <a:t>6/19/21</a:t>
+              <a:t>6/28/21</a:t>
             </a:fld>
             <a:endParaRPr lang="en-US"/>
           </a:p>
@@ -2363,7 +2363,7 @@
           <a:p>
             <a:fld id="{BE5295ED-3BAF-1140-8495-3D368771D6B1}" type="datetimeFigureOut">
               <a:rPr lang="en-US" smtClean="0"/>
-              <a:t>6/19/21</a:t>
+              <a:t>6/28/21</a:t>
             </a:fld>
             <a:endParaRPr lang="en-US"/>
           </a:p>
@@ -2504,7 +2504,7 @@
           <a:p>
             <a:fld id="{BE5295ED-3BAF-1140-8495-3D368771D6B1}" type="datetimeFigureOut">
               <a:rPr lang="en-US" smtClean="0"/>
-              <a:t>6/19/21</a:t>
+              <a:t>6/28/21</a:t>
             </a:fld>
             <a:endParaRPr lang="en-US"/>
           </a:p>
@@ -2617,7 +2617,7 @@
           <a:p>
             <a:fld id="{BE5295ED-3BAF-1140-8495-3D368771D6B1}" type="datetimeFigureOut">
               <a:rPr lang="en-US" smtClean="0"/>
-              <a:t>6/19/21</a:t>
+              <a:t>6/28/21</a:t>
             </a:fld>
             <a:endParaRPr lang="en-US"/>
           </a:p>
@@ -2928,7 +2928,7 @@
           <a:p>
             <a:fld id="{BE5295ED-3BAF-1140-8495-3D368771D6B1}" type="datetimeFigureOut">
               <a:rPr lang="en-US" smtClean="0"/>
-              <a:t>6/19/21</a:t>
+              <a:t>6/28/21</a:t>
             </a:fld>
             <a:endParaRPr lang="en-US"/>
           </a:p>
@@ -3219,7 +3219,7 @@
           <a:p>
             <a:fld id="{BE5295ED-3BAF-1140-8495-3D368771D6B1}" type="datetimeFigureOut">
               <a:rPr lang="en-US" smtClean="0"/>
-              <a:t>6/19/21</a:t>
+              <a:t>6/28/21</a:t>
             </a:fld>
             <a:endParaRPr lang="en-US"/>
           </a:p>
@@ -3460,7 +3460,7 @@
           <a:p>
             <a:fld id="{BE5295ED-3BAF-1140-8495-3D368771D6B1}" type="datetimeFigureOut">
               <a:rPr lang="en-US" smtClean="0"/>
-              <a:t>6/19/21</a:t>
+              <a:t>6/28/21</a:t>
             </a:fld>
             <a:endParaRPr lang="en-US"/>
           </a:p>
@@ -4185,8 +4185,8 @@
         </p:blipFill>
         <p:spPr>
           <a:xfrm>
-            <a:off x="2736140" y="2913063"/>
-            <a:ext cx="6248400" cy="3263900"/>
+            <a:off x="2129852" y="2724220"/>
+            <a:ext cx="6868243" cy="3587680"/>
           </a:xfrm>
           <a:prstGeom prst="rect">
             <a:avLst/>
@@ -4456,8 +4456,13 @@
             </a:r>
             <a:r>
               <a:rPr lang="en-US" dirty="0"/>
-              <a:t>: rename or move directories</a:t>
-            </a:r>
+              <a:t>: rename or move files/</a:t>
+            </a:r>
+            <a:r>
+              <a:rPr lang="en-US" dirty="0" err="1"/>
+              <a:t>dirs</a:t>
+            </a:r>
+            <a:endParaRPr lang="en-US" dirty="0"/>
           </a:p>
         </p:txBody>
       </p:sp>
@@ -5005,7 +5010,7 @@
           <a:p>
             <a:r>
               <a:rPr lang="en-US" dirty="0"/>
-              <a:t>Good example of something that's impossible with a GUI; imagine that you have 1000 datafiles and you need to delete any file whose name has the word “old”</a:t>
+              <a:t>Good example of something that's impossible with a GUI; imagine that you have 1000 datafiles and you need to delete all files whose names have the word “old”</a:t>
             </a:r>
           </a:p>
           <a:p>
@@ -6101,7 +6106,7 @@
           <a:p>
             <a:r>
               <a:rPr lang="en-US" sz="3100" dirty="0"/>
-              <a:t>We call this a Python script or simply a Python file</a:t>
+              <a:t>We call this a Python script, program, or simply a Python file</a:t>
             </a:r>
           </a:p>
           <a:p>
@@ -6141,7 +6146,7 @@
             </a:r>
             <a:r>
               <a:rPr lang="en-US" sz="3100" dirty="0"/>
-              <a:t>must be a TEXT file, no formatting like in M$ Word files</a:t>
+              <a:t>must be a TEXT file, w/o formatting like in M$ Word files</a:t>
             </a:r>
           </a:p>
         </p:txBody>
@@ -6384,13 +6389,13 @@
             </a:r>
             <a:r>
               <a:rPr lang="en-US" dirty="0"/>
-              <a:t> lab, typing expression evaluates it and displays the result</a:t>
-            </a:r>
-          </a:p>
-          <a:p>
-            <a:r>
-              <a:rPr lang="en-US" dirty="0"/>
-              <a:t>In a script, no output is generated unless you use </a:t>
+              <a:t> lab, typing an expression evaluates it and displays the result</a:t>
+            </a:r>
+          </a:p>
+          <a:p>
+            <a:r>
+              <a:rPr lang="en-US" dirty="0"/>
+              <a:t>In a script file, no output is generated unless you use </a:t>
             </a:r>
             <a:r>
               <a:rPr lang="en-US" b="1" dirty="0"/>
@@ -6607,7 +6612,7 @@
           <a:p>
             <a:r>
               <a:rPr lang="en-US" dirty="0"/>
-              <a:t>The executing script can access the arguments from the command line used to launch it using the </a:t>
+              <a:t>The executing script can access arguments from the command line used to launch it using the </a:t>
             </a:r>
             <a:r>
               <a:rPr lang="en-US" b="1" dirty="0"/>
@@ -6802,7 +6807,7 @@
           <a:p>
             <a:r>
               <a:rPr lang="en-US" dirty="0"/>
-              <a:t>A notebook is stored like a script into a </a:t>
+              <a:t>A notebook is stored like a script but into a </a:t>
             </a:r>
             <a:r>
               <a:rPr lang="en-US" i="1" dirty="0" err="1"/>
@@ -6833,7 +6838,7 @@
           <a:p>
             <a:r>
               <a:rPr lang="en-US" dirty="0"/>
-              <a:t>A server that we launch from the command line starts up a Python interpreter and connects to a browser window where we can makes notes and execute code snippets interactively</a:t>
+              <a:t>A server that we launch from the command line starts up a Python interpreter and connects to a browser window where we can make notes and execute code snippets interactively</a:t>
             </a:r>
           </a:p>
         </p:txBody>
@@ -7104,7 +7109,7 @@
         <p:spPr>
           <a:xfrm>
             <a:off x="0" y="6492875"/>
-            <a:ext cx="6571030" cy="369332"/>
+            <a:ext cx="6147837" cy="369332"/>
           </a:xfrm>
           <a:prstGeom prst="rect">
             <a:avLst/>
@@ -7123,7 +7128,7 @@
             </a:r>
             <a:r>
               <a:rPr lang="en-US" i="1" dirty="0"/>
-              <a:t>Note: OS X just changed the default shell to be </a:t>
+              <a:t>Note: OS X changed the default shell to be </a:t>
             </a:r>
             <a:r>
               <a:rPr lang="en-US" i="1" dirty="0" err="1"/>
@@ -7810,7 +7815,7 @@
           <a:p>
             <a:r>
               <a:rPr lang="en-US" dirty="0"/>
-              <a:t>When terminal opens, it's set to your user home directory abbreviated as "~"</a:t>
+              <a:t>When terminal opens, working directory is set to your user home directory abbreviated as "~"</a:t>
             </a:r>
           </a:p>
         </p:txBody>
@@ -7860,9 +7865,9 @@
           <p:nvPr/>
         </p:nvCxnSpPr>
         <p:spPr>
-          <a:xfrm flipH="1">
-            <a:off x="5643717" y="3352800"/>
-            <a:ext cx="1543664" cy="1991032"/>
+          <a:xfrm>
+            <a:off x="1977887" y="3747052"/>
+            <a:ext cx="3665831" cy="1596780"/>
           </a:xfrm>
           <a:prstGeom prst="straightConnector1">
             <a:avLst/>
@@ -7904,9 +7909,9 @@
           <p:nvPr/>
         </p:nvCxnSpPr>
         <p:spPr>
-          <a:xfrm flipV="1">
-            <a:off x="4089400" y="706437"/>
-            <a:ext cx="1841500" cy="2840849"/>
+          <a:xfrm flipH="1" flipV="1">
+            <a:off x="5930900" y="706438"/>
+            <a:ext cx="340691" cy="2722562"/>
           </a:xfrm>
           <a:prstGeom prst="straightConnector1">
             <a:avLst/>
@@ -8030,13 +8035,25 @@
           <a:p>
             <a:r>
               <a:rPr lang="en-US" dirty="0"/>
-              <a:t>A fully-qualified path to a file starts with “/” and consists of the directories used to reach the file from the root of the disk; root is "/" and we separate path elements with "/"</a:t>
-            </a:r>
-          </a:p>
-          <a:p>
-            <a:r>
-              <a:rPr lang="en-US" dirty="0"/>
-              <a:t>Relative pathnames do not start with "/" and are relative to WD</a:t>
+              <a:t>A </a:t>
+            </a:r>
+            <a:r>
+              <a:rPr lang="en-US" i="1" dirty="0"/>
+              <a:t>fully-qualified </a:t>
+            </a:r>
+            <a:r>
+              <a:rPr lang="en-US" dirty="0"/>
+              <a:t>path to a file starts with “/” and consists of the directories used to reach the file from the root of the disk; root is "/" and we separate path elements with "/"</a:t>
+            </a:r>
+          </a:p>
+          <a:p>
+            <a:r>
+              <a:rPr lang="en-US" i="1" dirty="0"/>
+              <a:t>Relative pathnames </a:t>
+            </a:r>
+            <a:r>
+              <a:rPr lang="en-US" dirty="0"/>
+              <a:t>do not start with "/" and are relative to WD</a:t>
             </a:r>
           </a:p>
         </p:txBody>

--- a/slides/terminal.pptx
+++ b/slides/terminal.pptx
@@ -228,7 +228,7 @@
           <a:p>
             <a:fld id="{8A1B613A-EFF1-404F-BEE8-EFAE84A4E5E2}" type="datetimeFigureOut">
               <a:rPr lang="en-US" smtClean="0"/>
-              <a:t>6/28/21</a:t>
+              <a:t>7/10/21</a:t>
             </a:fld>
             <a:endParaRPr lang="en-US"/>
           </a:p>
@@ -393,7 +393,7 @@
           <a:p>
             <a:fld id="{690847EA-AC25-3D4E-89E1-FD3F6A9702B6}" type="datetimeFigureOut">
               <a:rPr lang="en-US" smtClean="0"/>
-              <a:t>6/28/21</a:t>
+              <a:t>7/10/21</a:t>
             </a:fld>
             <a:endParaRPr lang="en-US"/>
           </a:p>
@@ -807,7 +807,7 @@
           <a:p>
             <a:fld id="{BE5295ED-3BAF-1140-8495-3D368771D6B1}" type="datetimeFigureOut">
               <a:rPr lang="en-US" smtClean="0"/>
-              <a:t>6/28/21</a:t>
+              <a:t>7/10/21</a:t>
             </a:fld>
             <a:endParaRPr lang="en-US"/>
           </a:p>
@@ -1005,7 +1005,7 @@
           <a:p>
             <a:fld id="{BE5295ED-3BAF-1140-8495-3D368771D6B1}" type="datetimeFigureOut">
               <a:rPr lang="en-US" smtClean="0"/>
-              <a:t>6/28/21</a:t>
+              <a:t>7/10/21</a:t>
             </a:fld>
             <a:endParaRPr lang="en-US"/>
           </a:p>
@@ -1213,7 +1213,7 @@
           <a:p>
             <a:fld id="{BE5295ED-3BAF-1140-8495-3D368771D6B1}" type="datetimeFigureOut">
               <a:rPr lang="en-US" smtClean="0"/>
-              <a:t>6/28/21</a:t>
+              <a:t>7/10/21</a:t>
             </a:fld>
             <a:endParaRPr lang="en-US"/>
           </a:p>
@@ -1411,7 +1411,7 @@
           <a:p>
             <a:fld id="{BE5295ED-3BAF-1140-8495-3D368771D6B1}" type="datetimeFigureOut">
               <a:rPr lang="en-US" smtClean="0"/>
-              <a:t>6/28/21</a:t>
+              <a:t>7/10/21</a:t>
             </a:fld>
             <a:endParaRPr lang="en-US"/>
           </a:p>
@@ -1686,7 +1686,7 @@
           <a:p>
             <a:fld id="{BE5295ED-3BAF-1140-8495-3D368771D6B1}" type="datetimeFigureOut">
               <a:rPr lang="en-US" smtClean="0"/>
-              <a:t>6/28/21</a:t>
+              <a:t>7/10/21</a:t>
             </a:fld>
             <a:endParaRPr lang="en-US"/>
           </a:p>
@@ -1951,7 +1951,7 @@
           <a:p>
             <a:fld id="{BE5295ED-3BAF-1140-8495-3D368771D6B1}" type="datetimeFigureOut">
               <a:rPr lang="en-US" smtClean="0"/>
-              <a:t>6/28/21</a:t>
+              <a:t>7/10/21</a:t>
             </a:fld>
             <a:endParaRPr lang="en-US"/>
           </a:p>
@@ -2363,7 +2363,7 @@
           <a:p>
             <a:fld id="{BE5295ED-3BAF-1140-8495-3D368771D6B1}" type="datetimeFigureOut">
               <a:rPr lang="en-US" smtClean="0"/>
-              <a:t>6/28/21</a:t>
+              <a:t>7/10/21</a:t>
             </a:fld>
             <a:endParaRPr lang="en-US"/>
           </a:p>
@@ -2504,7 +2504,7 @@
           <a:p>
             <a:fld id="{BE5295ED-3BAF-1140-8495-3D368771D6B1}" type="datetimeFigureOut">
               <a:rPr lang="en-US" smtClean="0"/>
-              <a:t>6/28/21</a:t>
+              <a:t>7/10/21</a:t>
             </a:fld>
             <a:endParaRPr lang="en-US"/>
           </a:p>
@@ -2617,7 +2617,7 @@
           <a:p>
             <a:fld id="{BE5295ED-3BAF-1140-8495-3D368771D6B1}" type="datetimeFigureOut">
               <a:rPr lang="en-US" smtClean="0"/>
-              <a:t>6/28/21</a:t>
+              <a:t>7/10/21</a:t>
             </a:fld>
             <a:endParaRPr lang="en-US"/>
           </a:p>
@@ -2928,7 +2928,7 @@
           <a:p>
             <a:fld id="{BE5295ED-3BAF-1140-8495-3D368771D6B1}" type="datetimeFigureOut">
               <a:rPr lang="en-US" smtClean="0"/>
-              <a:t>6/28/21</a:t>
+              <a:t>7/10/21</a:t>
             </a:fld>
             <a:endParaRPr lang="en-US"/>
           </a:p>
@@ -3219,7 +3219,7 @@
           <a:p>
             <a:fld id="{BE5295ED-3BAF-1140-8495-3D368771D6B1}" type="datetimeFigureOut">
               <a:rPr lang="en-US" smtClean="0"/>
-              <a:t>6/28/21</a:t>
+              <a:t>7/10/21</a:t>
             </a:fld>
             <a:endParaRPr lang="en-US"/>
           </a:p>
@@ -3460,7 +3460,7 @@
           <a:p>
             <a:fld id="{BE5295ED-3BAF-1140-8495-3D368771D6B1}" type="datetimeFigureOut">
               <a:rPr lang="en-US" smtClean="0"/>
-              <a:t>6/28/21</a:t>
+              <a:t>7/10/21</a:t>
             </a:fld>
             <a:endParaRPr lang="en-US"/>
           </a:p>
